--- a/docs/ER-DIAGRAM.pptx
+++ b/docs/ER-DIAGRAM.pptx
@@ -155,10 +155,9 @@
           </a:lstStyle>
           <a:p>
             <a:r>
-              <a:rPr lang="en-US" smtClean="0"/>
+              <a:rPr lang="en-US"/>
               <a:t>Click to edit Master title style</a:t>
             </a:r>
-            <a:endParaRPr lang="en-US"/>
           </a:p>
         </p:txBody>
       </p:sp>
@@ -220,10 +219,9 @@
           </a:lstStyle>
           <a:p>
             <a:r>
-              <a:rPr lang="en-US" smtClean="0"/>
+              <a:rPr lang="en-US"/>
               <a:t>Click to edit Master subtitle style</a:t>
             </a:r>
-            <a:endParaRPr lang="en-US"/>
           </a:p>
         </p:txBody>
       </p:sp>
@@ -244,7 +242,7 @@
           <a:p>
             <a:fld id="{28BE630F-C39C-4DB9-8258-0B48CA067079}" type="datetimeFigureOut">
               <a:rPr lang="en-US" smtClean="0"/>
-              <a:t>11/25/2021</a:t>
+              <a:t>11/28/2021</a:t>
             </a:fld>
             <a:endParaRPr lang="en-US"/>
           </a:p>
@@ -338,10 +336,9 @@
           <a:lstStyle/>
           <a:p>
             <a:r>
-              <a:rPr lang="en-US" smtClean="0"/>
+              <a:rPr lang="en-US"/>
               <a:t>Click to edit Master title style</a:t>
             </a:r>
-            <a:endParaRPr lang="en-US"/>
           </a:p>
         </p:txBody>
       </p:sp>
@@ -362,38 +359,37 @@
           <a:p>
             <a:pPr lvl="0"/>
             <a:r>
-              <a:rPr lang="en-US" smtClean="0"/>
+              <a:rPr lang="en-US"/>
               <a:t>Click to edit Master text styles</a:t>
             </a:r>
           </a:p>
           <a:p>
             <a:pPr lvl="1"/>
             <a:r>
-              <a:rPr lang="en-US" smtClean="0"/>
+              <a:rPr lang="en-US"/>
               <a:t>Second level</a:t>
             </a:r>
           </a:p>
           <a:p>
             <a:pPr lvl="2"/>
             <a:r>
-              <a:rPr lang="en-US" smtClean="0"/>
+              <a:rPr lang="en-US"/>
               <a:t>Third level</a:t>
             </a:r>
           </a:p>
           <a:p>
             <a:pPr lvl="3"/>
             <a:r>
-              <a:rPr lang="en-US" smtClean="0"/>
+              <a:rPr lang="en-US"/>
               <a:t>Fourth level</a:t>
             </a:r>
           </a:p>
           <a:p>
             <a:pPr lvl="4"/>
             <a:r>
-              <a:rPr lang="en-US" smtClean="0"/>
+              <a:rPr lang="en-US"/>
               <a:t>Fifth level</a:t>
             </a:r>
-            <a:endParaRPr lang="en-US"/>
           </a:p>
         </p:txBody>
       </p:sp>
@@ -414,7 +410,7 @@
           <a:p>
             <a:fld id="{28BE630F-C39C-4DB9-8258-0B48CA067079}" type="datetimeFigureOut">
               <a:rPr lang="en-US" smtClean="0"/>
-              <a:t>11/25/2021</a:t>
+              <a:t>11/28/2021</a:t>
             </a:fld>
             <a:endParaRPr lang="en-US"/>
           </a:p>
@@ -513,10 +509,9 @@
           <a:lstStyle/>
           <a:p>
             <a:r>
-              <a:rPr lang="en-US" smtClean="0"/>
+              <a:rPr lang="en-US"/>
               <a:t>Click to edit Master title style</a:t>
             </a:r>
-            <a:endParaRPr lang="en-US"/>
           </a:p>
         </p:txBody>
       </p:sp>
@@ -542,38 +537,37 @@
           <a:p>
             <a:pPr lvl="0"/>
             <a:r>
-              <a:rPr lang="en-US" smtClean="0"/>
+              <a:rPr lang="en-US"/>
               <a:t>Click to edit Master text styles</a:t>
             </a:r>
           </a:p>
           <a:p>
             <a:pPr lvl="1"/>
             <a:r>
-              <a:rPr lang="en-US" smtClean="0"/>
+              <a:rPr lang="en-US"/>
               <a:t>Second level</a:t>
             </a:r>
           </a:p>
           <a:p>
             <a:pPr lvl="2"/>
             <a:r>
-              <a:rPr lang="en-US" smtClean="0"/>
+              <a:rPr lang="en-US"/>
               <a:t>Third level</a:t>
             </a:r>
           </a:p>
           <a:p>
             <a:pPr lvl="3"/>
             <a:r>
-              <a:rPr lang="en-US" smtClean="0"/>
+              <a:rPr lang="en-US"/>
               <a:t>Fourth level</a:t>
             </a:r>
           </a:p>
           <a:p>
             <a:pPr lvl="4"/>
             <a:r>
-              <a:rPr lang="en-US" smtClean="0"/>
+              <a:rPr lang="en-US"/>
               <a:t>Fifth level</a:t>
             </a:r>
-            <a:endParaRPr lang="en-US"/>
           </a:p>
         </p:txBody>
       </p:sp>
@@ -594,7 +588,7 @@
           <a:p>
             <a:fld id="{28BE630F-C39C-4DB9-8258-0B48CA067079}" type="datetimeFigureOut">
               <a:rPr lang="en-US" smtClean="0"/>
-              <a:t>11/25/2021</a:t>
+              <a:t>11/28/2021</a:t>
             </a:fld>
             <a:endParaRPr lang="en-US"/>
           </a:p>
@@ -688,10 +682,9 @@
           <a:lstStyle/>
           <a:p>
             <a:r>
-              <a:rPr lang="en-US" smtClean="0"/>
+              <a:rPr lang="en-US"/>
               <a:t>Click to edit Master title style</a:t>
             </a:r>
-            <a:endParaRPr lang="en-US"/>
           </a:p>
         </p:txBody>
       </p:sp>
@@ -712,38 +705,37 @@
           <a:p>
             <a:pPr lvl="0"/>
             <a:r>
-              <a:rPr lang="en-US" smtClean="0"/>
+              <a:rPr lang="en-US"/>
               <a:t>Click to edit Master text styles</a:t>
             </a:r>
           </a:p>
           <a:p>
             <a:pPr lvl="1"/>
             <a:r>
-              <a:rPr lang="en-US" smtClean="0"/>
+              <a:rPr lang="en-US"/>
               <a:t>Second level</a:t>
             </a:r>
           </a:p>
           <a:p>
             <a:pPr lvl="2"/>
             <a:r>
-              <a:rPr lang="en-US" smtClean="0"/>
+              <a:rPr lang="en-US"/>
               <a:t>Third level</a:t>
             </a:r>
           </a:p>
           <a:p>
             <a:pPr lvl="3"/>
             <a:r>
-              <a:rPr lang="en-US" smtClean="0"/>
+              <a:rPr lang="en-US"/>
               <a:t>Fourth level</a:t>
             </a:r>
           </a:p>
           <a:p>
             <a:pPr lvl="4"/>
             <a:r>
-              <a:rPr lang="en-US" smtClean="0"/>
+              <a:rPr lang="en-US"/>
               <a:t>Fifth level</a:t>
             </a:r>
-            <a:endParaRPr lang="en-US"/>
           </a:p>
         </p:txBody>
       </p:sp>
@@ -764,7 +756,7 @@
           <a:p>
             <a:fld id="{28BE630F-C39C-4DB9-8258-0B48CA067079}" type="datetimeFigureOut">
               <a:rPr lang="en-US" smtClean="0"/>
-              <a:t>11/25/2021</a:t>
+              <a:t>11/28/2021</a:t>
             </a:fld>
             <a:endParaRPr lang="en-US"/>
           </a:p>
@@ -867,10 +859,9 @@
           </a:lstStyle>
           <a:p>
             <a:r>
-              <a:rPr lang="en-US" smtClean="0"/>
+              <a:rPr lang="en-US"/>
               <a:t>Click to edit Master title style</a:t>
             </a:r>
-            <a:endParaRPr lang="en-US"/>
           </a:p>
         </p:txBody>
       </p:sp>
@@ -987,7 +978,7 @@
           <a:p>
             <a:pPr lvl="0"/>
             <a:r>
-              <a:rPr lang="en-US" smtClean="0"/>
+              <a:rPr lang="en-US"/>
               <a:t>Click to edit Master text styles</a:t>
             </a:r>
           </a:p>
@@ -1010,7 +1001,7 @@
           <a:p>
             <a:fld id="{28BE630F-C39C-4DB9-8258-0B48CA067079}" type="datetimeFigureOut">
               <a:rPr lang="en-US" smtClean="0"/>
-              <a:t>11/25/2021</a:t>
+              <a:t>11/28/2021</a:t>
             </a:fld>
             <a:endParaRPr lang="en-US"/>
           </a:p>
@@ -1104,10 +1095,9 @@
           <a:lstStyle/>
           <a:p>
             <a:r>
-              <a:rPr lang="en-US" smtClean="0"/>
+              <a:rPr lang="en-US"/>
               <a:t>Click to edit Master title style</a:t>
             </a:r>
-            <a:endParaRPr lang="en-US"/>
           </a:p>
         </p:txBody>
       </p:sp>
@@ -1133,38 +1123,37 @@
           <a:p>
             <a:pPr lvl="0"/>
             <a:r>
-              <a:rPr lang="en-US" smtClean="0"/>
+              <a:rPr lang="en-US"/>
               <a:t>Click to edit Master text styles</a:t>
             </a:r>
           </a:p>
           <a:p>
             <a:pPr lvl="1"/>
             <a:r>
-              <a:rPr lang="en-US" smtClean="0"/>
+              <a:rPr lang="en-US"/>
               <a:t>Second level</a:t>
             </a:r>
           </a:p>
           <a:p>
             <a:pPr lvl="2"/>
             <a:r>
-              <a:rPr lang="en-US" smtClean="0"/>
+              <a:rPr lang="en-US"/>
               <a:t>Third level</a:t>
             </a:r>
           </a:p>
           <a:p>
             <a:pPr lvl="3"/>
             <a:r>
-              <a:rPr lang="en-US" smtClean="0"/>
+              <a:rPr lang="en-US"/>
               <a:t>Fourth level</a:t>
             </a:r>
           </a:p>
           <a:p>
             <a:pPr lvl="4"/>
             <a:r>
-              <a:rPr lang="en-US" smtClean="0"/>
+              <a:rPr lang="en-US"/>
               <a:t>Fifth level</a:t>
             </a:r>
-            <a:endParaRPr lang="en-US"/>
           </a:p>
         </p:txBody>
       </p:sp>
@@ -1190,38 +1179,37 @@
           <a:p>
             <a:pPr lvl="0"/>
             <a:r>
-              <a:rPr lang="en-US" smtClean="0"/>
+              <a:rPr lang="en-US"/>
               <a:t>Click to edit Master text styles</a:t>
             </a:r>
           </a:p>
           <a:p>
             <a:pPr lvl="1"/>
             <a:r>
-              <a:rPr lang="en-US" smtClean="0"/>
+              <a:rPr lang="en-US"/>
               <a:t>Second level</a:t>
             </a:r>
           </a:p>
           <a:p>
             <a:pPr lvl="2"/>
             <a:r>
-              <a:rPr lang="en-US" smtClean="0"/>
+              <a:rPr lang="en-US"/>
               <a:t>Third level</a:t>
             </a:r>
           </a:p>
           <a:p>
             <a:pPr lvl="3"/>
             <a:r>
-              <a:rPr lang="en-US" smtClean="0"/>
+              <a:rPr lang="en-US"/>
               <a:t>Fourth level</a:t>
             </a:r>
           </a:p>
           <a:p>
             <a:pPr lvl="4"/>
             <a:r>
-              <a:rPr lang="en-US" smtClean="0"/>
+              <a:rPr lang="en-US"/>
               <a:t>Fifth level</a:t>
             </a:r>
-            <a:endParaRPr lang="en-US"/>
           </a:p>
         </p:txBody>
       </p:sp>
@@ -1242,7 +1230,7 @@
           <a:p>
             <a:fld id="{28BE630F-C39C-4DB9-8258-0B48CA067079}" type="datetimeFigureOut">
               <a:rPr lang="en-US" smtClean="0"/>
-              <a:t>11/25/2021</a:t>
+              <a:t>11/28/2021</a:t>
             </a:fld>
             <a:endParaRPr lang="en-US"/>
           </a:p>
@@ -1341,10 +1329,9 @@
           <a:lstStyle/>
           <a:p>
             <a:r>
-              <a:rPr lang="en-US" smtClean="0"/>
+              <a:rPr lang="en-US"/>
               <a:t>Click to edit Master title style</a:t>
             </a:r>
-            <a:endParaRPr lang="en-US"/>
           </a:p>
         </p:txBody>
       </p:sp>
@@ -1407,7 +1394,7 @@
           <a:p>
             <a:pPr lvl="0"/>
             <a:r>
-              <a:rPr lang="en-US" smtClean="0"/>
+              <a:rPr lang="en-US"/>
               <a:t>Click to edit Master text styles</a:t>
             </a:r>
           </a:p>
@@ -1435,38 +1422,37 @@
           <a:p>
             <a:pPr lvl="0"/>
             <a:r>
-              <a:rPr lang="en-US" smtClean="0"/>
+              <a:rPr lang="en-US"/>
               <a:t>Click to edit Master text styles</a:t>
             </a:r>
           </a:p>
           <a:p>
             <a:pPr lvl="1"/>
             <a:r>
-              <a:rPr lang="en-US" smtClean="0"/>
+              <a:rPr lang="en-US"/>
               <a:t>Second level</a:t>
             </a:r>
           </a:p>
           <a:p>
             <a:pPr lvl="2"/>
             <a:r>
-              <a:rPr lang="en-US" smtClean="0"/>
+              <a:rPr lang="en-US"/>
               <a:t>Third level</a:t>
             </a:r>
           </a:p>
           <a:p>
             <a:pPr lvl="3"/>
             <a:r>
-              <a:rPr lang="en-US" smtClean="0"/>
+              <a:rPr lang="en-US"/>
               <a:t>Fourth level</a:t>
             </a:r>
           </a:p>
           <a:p>
             <a:pPr lvl="4"/>
             <a:r>
-              <a:rPr lang="en-US" smtClean="0"/>
+              <a:rPr lang="en-US"/>
               <a:t>Fifth level</a:t>
             </a:r>
-            <a:endParaRPr lang="en-US"/>
           </a:p>
         </p:txBody>
       </p:sp>
@@ -1529,7 +1515,7 @@
           <a:p>
             <a:pPr lvl="0"/>
             <a:r>
-              <a:rPr lang="en-US" smtClean="0"/>
+              <a:rPr lang="en-US"/>
               <a:t>Click to edit Master text styles</a:t>
             </a:r>
           </a:p>
@@ -1557,38 +1543,37 @@
           <a:p>
             <a:pPr lvl="0"/>
             <a:r>
-              <a:rPr lang="en-US" smtClean="0"/>
+              <a:rPr lang="en-US"/>
               <a:t>Click to edit Master text styles</a:t>
             </a:r>
           </a:p>
           <a:p>
             <a:pPr lvl="1"/>
             <a:r>
-              <a:rPr lang="en-US" smtClean="0"/>
+              <a:rPr lang="en-US"/>
               <a:t>Second level</a:t>
             </a:r>
           </a:p>
           <a:p>
             <a:pPr lvl="2"/>
             <a:r>
-              <a:rPr lang="en-US" smtClean="0"/>
+              <a:rPr lang="en-US"/>
               <a:t>Third level</a:t>
             </a:r>
           </a:p>
           <a:p>
             <a:pPr lvl="3"/>
             <a:r>
-              <a:rPr lang="en-US" smtClean="0"/>
+              <a:rPr lang="en-US"/>
               <a:t>Fourth level</a:t>
             </a:r>
           </a:p>
           <a:p>
             <a:pPr lvl="4"/>
             <a:r>
-              <a:rPr lang="en-US" smtClean="0"/>
+              <a:rPr lang="en-US"/>
               <a:t>Fifth level</a:t>
             </a:r>
-            <a:endParaRPr lang="en-US"/>
           </a:p>
         </p:txBody>
       </p:sp>
@@ -1609,7 +1594,7 @@
           <a:p>
             <a:fld id="{28BE630F-C39C-4DB9-8258-0B48CA067079}" type="datetimeFigureOut">
               <a:rPr lang="en-US" smtClean="0"/>
-              <a:t>11/25/2021</a:t>
+              <a:t>11/28/2021</a:t>
             </a:fld>
             <a:endParaRPr lang="en-US"/>
           </a:p>
@@ -1703,10 +1688,9 @@
           <a:lstStyle/>
           <a:p>
             <a:r>
-              <a:rPr lang="en-US" smtClean="0"/>
+              <a:rPr lang="en-US"/>
               <a:t>Click to edit Master title style</a:t>
             </a:r>
-            <a:endParaRPr lang="en-US"/>
           </a:p>
         </p:txBody>
       </p:sp>
@@ -1727,7 +1711,7 @@
           <a:p>
             <a:fld id="{28BE630F-C39C-4DB9-8258-0B48CA067079}" type="datetimeFigureOut">
               <a:rPr lang="en-US" smtClean="0"/>
-              <a:t>11/25/2021</a:t>
+              <a:t>11/28/2021</a:t>
             </a:fld>
             <a:endParaRPr lang="en-US"/>
           </a:p>
@@ -1822,7 +1806,7 @@
           <a:p>
             <a:fld id="{28BE630F-C39C-4DB9-8258-0B48CA067079}" type="datetimeFigureOut">
               <a:rPr lang="en-US" smtClean="0"/>
-              <a:t>11/25/2021</a:t>
+              <a:t>11/28/2021</a:t>
             </a:fld>
             <a:endParaRPr lang="en-US"/>
           </a:p>
@@ -1925,10 +1909,9 @@
           </a:lstStyle>
           <a:p>
             <a:r>
-              <a:rPr lang="en-US" smtClean="0"/>
+              <a:rPr lang="en-US"/>
               <a:t>Click to edit Master title style</a:t>
             </a:r>
-            <a:endParaRPr lang="en-US"/>
           </a:p>
         </p:txBody>
       </p:sp>
@@ -1982,38 +1965,37 @@
           <a:p>
             <a:pPr lvl="0"/>
             <a:r>
-              <a:rPr lang="en-US" smtClean="0"/>
+              <a:rPr lang="en-US"/>
               <a:t>Click to edit Master text styles</a:t>
             </a:r>
           </a:p>
           <a:p>
             <a:pPr lvl="1"/>
             <a:r>
-              <a:rPr lang="en-US" smtClean="0"/>
+              <a:rPr lang="en-US"/>
               <a:t>Second level</a:t>
             </a:r>
           </a:p>
           <a:p>
             <a:pPr lvl="2"/>
             <a:r>
-              <a:rPr lang="en-US" smtClean="0"/>
+              <a:rPr lang="en-US"/>
               <a:t>Third level</a:t>
             </a:r>
           </a:p>
           <a:p>
             <a:pPr lvl="3"/>
             <a:r>
-              <a:rPr lang="en-US" smtClean="0"/>
+              <a:rPr lang="en-US"/>
               <a:t>Fourth level</a:t>
             </a:r>
           </a:p>
           <a:p>
             <a:pPr lvl="4"/>
             <a:r>
-              <a:rPr lang="en-US" smtClean="0"/>
+              <a:rPr lang="en-US"/>
               <a:t>Fifth level</a:t>
             </a:r>
-            <a:endParaRPr lang="en-US"/>
           </a:p>
         </p:txBody>
       </p:sp>
@@ -2076,7 +2058,7 @@
           <a:p>
             <a:pPr lvl="0"/>
             <a:r>
-              <a:rPr lang="en-US" smtClean="0"/>
+              <a:rPr lang="en-US"/>
               <a:t>Click to edit Master text styles</a:t>
             </a:r>
           </a:p>
@@ -2099,7 +2081,7 @@
           <a:p>
             <a:fld id="{28BE630F-C39C-4DB9-8258-0B48CA067079}" type="datetimeFigureOut">
               <a:rPr lang="en-US" smtClean="0"/>
-              <a:t>11/25/2021</a:t>
+              <a:t>11/28/2021</a:t>
             </a:fld>
             <a:endParaRPr lang="en-US"/>
           </a:p>
@@ -2202,10 +2184,9 @@
           </a:lstStyle>
           <a:p>
             <a:r>
-              <a:rPr lang="en-US" smtClean="0"/>
+              <a:rPr lang="en-US"/>
               <a:t>Click to edit Master title style</a:t>
             </a:r>
-            <a:endParaRPr lang="en-US"/>
           </a:p>
         </p:txBody>
       </p:sp>
@@ -2329,7 +2310,7 @@
           <a:p>
             <a:pPr lvl="0"/>
             <a:r>
-              <a:rPr lang="en-US" smtClean="0"/>
+              <a:rPr lang="en-US"/>
               <a:t>Click to edit Master text styles</a:t>
             </a:r>
           </a:p>
@@ -2352,7 +2333,7 @@
           <a:p>
             <a:fld id="{28BE630F-C39C-4DB9-8258-0B48CA067079}" type="datetimeFigureOut">
               <a:rPr lang="en-US" smtClean="0"/>
-              <a:t>11/25/2021</a:t>
+              <a:t>11/28/2021</a:t>
             </a:fld>
             <a:endParaRPr lang="en-US"/>
           </a:p>
@@ -2461,10 +2442,9 @@
           <a:lstStyle/>
           <a:p>
             <a:r>
-              <a:rPr lang="en-US" smtClean="0"/>
+              <a:rPr lang="en-US"/>
               <a:t>Click to edit Master title style</a:t>
             </a:r>
-            <a:endParaRPr lang="en-US"/>
           </a:p>
         </p:txBody>
       </p:sp>
@@ -2495,38 +2475,37 @@
           <a:p>
             <a:pPr lvl="0"/>
             <a:r>
-              <a:rPr lang="en-US" smtClean="0"/>
+              <a:rPr lang="en-US"/>
               <a:t>Click to edit Master text styles</a:t>
             </a:r>
           </a:p>
           <a:p>
             <a:pPr lvl="1"/>
             <a:r>
-              <a:rPr lang="en-US" smtClean="0"/>
+              <a:rPr lang="en-US"/>
               <a:t>Second level</a:t>
             </a:r>
           </a:p>
           <a:p>
             <a:pPr lvl="2"/>
             <a:r>
-              <a:rPr lang="en-US" smtClean="0"/>
+              <a:rPr lang="en-US"/>
               <a:t>Third level</a:t>
             </a:r>
           </a:p>
           <a:p>
             <a:pPr lvl="3"/>
             <a:r>
-              <a:rPr lang="en-US" smtClean="0"/>
+              <a:rPr lang="en-US"/>
               <a:t>Fourth level</a:t>
             </a:r>
           </a:p>
           <a:p>
             <a:pPr lvl="4"/>
             <a:r>
-              <a:rPr lang="en-US" smtClean="0"/>
+              <a:rPr lang="en-US"/>
               <a:t>Fifth level</a:t>
             </a:r>
-            <a:endParaRPr lang="en-US"/>
           </a:p>
         </p:txBody>
       </p:sp>
@@ -2565,7 +2544,7 @@
           <a:p>
             <a:fld id="{28BE630F-C39C-4DB9-8258-0B48CA067079}" type="datetimeFigureOut">
               <a:rPr lang="en-US" smtClean="0"/>
-              <a:t>11/25/2021</a:t>
+              <a:t>11/28/2021</a:t>
             </a:fld>
             <a:endParaRPr lang="en-US"/>
           </a:p>
@@ -3004,12 +2983,8 @@
           </a:lstStyle>
           <a:p>
             <a:r>
-              <a:rPr lang="en-US" dirty="0" smtClean="0"/>
-              <a:t>ER DIAGRAMM </a:t>
-            </a:r>
-            <a:r>
               <a:rPr lang="en-US" dirty="0"/>
-              <a:t>TEMPLATE</a:t>
+              <a:t>ER DIAGRAMM TEMPLATE</a:t>
             </a:r>
           </a:p>
         </p:txBody>
@@ -3229,436 +3204,927 @@
           <a:chExt cx="0" cy="0"/>
         </a:xfrm>
       </p:grpSpPr>
-      <p:sp>
-        <p:nvSpPr>
-          <p:cNvPr id="51" name="Rectangle 50"/>
-          <p:cNvSpPr/>
+      <p:graphicFrame>
+        <p:nvGraphicFramePr>
+          <p:cNvPr id="4" name="Table 4">
+            <a:extLst>
+              <a:ext uri="{FF2B5EF4-FFF2-40B4-BE49-F238E27FC236}">
+                <a16:creationId xmlns:a16="http://schemas.microsoft.com/office/drawing/2014/main" id="{9D48B946-84C5-47FF-B2FC-B74AA0CC9377}"/>
+              </a:ext>
+            </a:extLst>
+          </p:cNvPr>
+          <p:cNvGraphicFramePr>
+            <a:graphicFrameLocks noGrp="1"/>
+          </p:cNvGraphicFramePr>
           <p:nvPr/>
-        </p:nvSpPr>
-        <p:spPr>
-          <a:xfrm>
-            <a:off x="635970" y="224804"/>
-            <a:ext cx="1803043" cy="2428643"/>
-          </a:xfrm>
-          <a:prstGeom prst="rect">
-            <a:avLst/>
-          </a:prstGeom>
-        </p:spPr>
-        <p:style>
-          <a:lnRef idx="2">
-            <a:schemeClr val="dk1"/>
-          </a:lnRef>
-          <a:fillRef idx="1">
-            <a:schemeClr val="lt1"/>
-          </a:fillRef>
-          <a:effectRef idx="0">
-            <a:schemeClr val="dk1"/>
-          </a:effectRef>
-          <a:fontRef idx="minor">
-            <a:schemeClr val="dk1"/>
-          </a:fontRef>
-        </p:style>
-        <p:txBody>
-          <a:bodyPr rtlCol="0" anchor="ctr"/>
-          <a:lstStyle/>
-          <a:p>
-            <a:pPr algn="ctr"/>
-            <a:endParaRPr lang="en-US"/>
-          </a:p>
-        </p:txBody>
-      </p:sp>
-      <p:sp>
-        <p:nvSpPr>
-          <p:cNvPr id="52" name="TextBox 51"/>
-          <p:cNvSpPr txBox="1"/>
+        </p:nvGraphicFramePr>
+        <p:xfrm>
+          <a:off x="1409146" y="944953"/>
+          <a:ext cx="3441151" cy="2560320"/>
+        </p:xfrm>
+        <a:graphic>
+          <a:graphicData uri="http://schemas.openxmlformats.org/drawingml/2006/table">
+            <a:tbl>
+              <a:tblPr firstRow="1" bandRow="1">
+                <a:tableStyleId>{5C22544A-7EE6-4342-B048-85BDC9FD1C3A}</a:tableStyleId>
+              </a:tblPr>
+              <a:tblGrid>
+                <a:gridCol w="486469">
+                  <a:extLst>
+                    <a:ext uri="{9D8B030D-6E8A-4147-A177-3AD203B41FA5}">
+                      <a16:colId xmlns:a16="http://schemas.microsoft.com/office/drawing/2014/main" val="3659880512"/>
+                    </a:ext>
+                  </a:extLst>
+                </a:gridCol>
+                <a:gridCol w="1303888">
+                  <a:extLst>
+                    <a:ext uri="{9D8B030D-6E8A-4147-A177-3AD203B41FA5}">
+                      <a16:colId xmlns:a16="http://schemas.microsoft.com/office/drawing/2014/main" val="1885743028"/>
+                    </a:ext>
+                  </a:extLst>
+                </a:gridCol>
+                <a:gridCol w="1650794">
+                  <a:extLst>
+                    <a:ext uri="{9D8B030D-6E8A-4147-A177-3AD203B41FA5}">
+                      <a16:colId xmlns:a16="http://schemas.microsoft.com/office/drawing/2014/main" val="2714237085"/>
+                    </a:ext>
+                  </a:extLst>
+                </a:gridCol>
+              </a:tblGrid>
+              <a:tr h="289076">
+                <a:tc gridSpan="3">
+                  <a:txBody>
+                    <a:bodyPr/>
+                    <a:lstStyle/>
+                    <a:p>
+                      <a:r>
+                        <a:rPr lang="en-US" dirty="0"/>
+                        <a:t>           User</a:t>
+                      </a:r>
+                    </a:p>
+                  </a:txBody>
+                  <a:tcPr/>
+                </a:tc>
+                <a:tc hMerge="1">
+                  <a:txBody>
+                    <a:bodyPr/>
+                    <a:lstStyle/>
+                    <a:p>
+                      <a:endParaRPr lang="en-US" dirty="0"/>
+                    </a:p>
+                  </a:txBody>
+                  <a:tcPr/>
+                </a:tc>
+                <a:tc hMerge="1">
+                  <a:txBody>
+                    <a:bodyPr/>
+                    <a:lstStyle/>
+                    <a:p>
+                      <a:endParaRPr lang="en-US" dirty="0"/>
+                    </a:p>
+                  </a:txBody>
+                  <a:tcPr/>
+                </a:tc>
+                <a:extLst>
+                  <a:ext uri="{0D108BD9-81ED-4DB2-BD59-A6C34878D82A}">
+                    <a16:rowId xmlns:a16="http://schemas.microsoft.com/office/drawing/2014/main" val="362027883"/>
+                  </a:ext>
+                </a:extLst>
+              </a:tr>
+              <a:tr h="289076">
+                <a:tc>
+                  <a:txBody>
+                    <a:bodyPr/>
+                    <a:lstStyle/>
+                    <a:p>
+                      <a:r>
+                        <a:rPr lang="en-US" dirty="0"/>
+                        <a:t>PK</a:t>
+                      </a:r>
+                    </a:p>
+                  </a:txBody>
+                  <a:tcPr/>
+                </a:tc>
+                <a:tc>
+                  <a:txBody>
+                    <a:bodyPr/>
+                    <a:lstStyle/>
+                    <a:p>
+                      <a:r>
+                        <a:rPr lang="en-US" dirty="0" err="1"/>
+                        <a:t>User_id</a:t>
+                      </a:r>
+                      <a:endParaRPr lang="en-US" dirty="0"/>
+                    </a:p>
+                  </a:txBody>
+                  <a:tcPr/>
+                </a:tc>
+                <a:tc>
+                  <a:txBody>
+                    <a:bodyPr/>
+                    <a:lstStyle/>
+                    <a:p>
+                      <a:r>
+                        <a:rPr lang="en-US" dirty="0"/>
+                        <a:t>int()</a:t>
+                      </a:r>
+                    </a:p>
+                  </a:txBody>
+                  <a:tcPr/>
+                </a:tc>
+                <a:extLst>
+                  <a:ext uri="{0D108BD9-81ED-4DB2-BD59-A6C34878D82A}">
+                    <a16:rowId xmlns:a16="http://schemas.microsoft.com/office/drawing/2014/main" val="3346296426"/>
+                  </a:ext>
+                </a:extLst>
+              </a:tr>
+              <a:tr h="289076">
+                <a:tc>
+                  <a:txBody>
+                    <a:bodyPr/>
+                    <a:lstStyle/>
+                    <a:p>
+                      <a:endParaRPr lang="en-US" dirty="0"/>
+                    </a:p>
+                  </a:txBody>
+                  <a:tcPr/>
+                </a:tc>
+                <a:tc>
+                  <a:txBody>
+                    <a:bodyPr/>
+                    <a:lstStyle/>
+                    <a:p>
+                      <a:r>
+                        <a:rPr lang="en-US" dirty="0" err="1"/>
+                        <a:t>First_name</a:t>
+                      </a:r>
+                      <a:endParaRPr lang="en-US" dirty="0"/>
+                    </a:p>
+                  </a:txBody>
+                  <a:tcPr/>
+                </a:tc>
+                <a:tc>
+                  <a:txBody>
+                    <a:bodyPr/>
+                    <a:lstStyle/>
+                    <a:p>
+                      <a:r>
+                        <a:rPr lang="en-US" dirty="0"/>
+                        <a:t>varchar()</a:t>
+                      </a:r>
+                    </a:p>
+                  </a:txBody>
+                  <a:tcPr/>
+                </a:tc>
+                <a:extLst>
+                  <a:ext uri="{0D108BD9-81ED-4DB2-BD59-A6C34878D82A}">
+                    <a16:rowId xmlns:a16="http://schemas.microsoft.com/office/drawing/2014/main" val="3895404711"/>
+                  </a:ext>
+                </a:extLst>
+              </a:tr>
+              <a:tr h="289076">
+                <a:tc>
+                  <a:txBody>
+                    <a:bodyPr/>
+                    <a:lstStyle/>
+                    <a:p>
+                      <a:endParaRPr lang="en-US"/>
+                    </a:p>
+                  </a:txBody>
+                  <a:tcPr/>
+                </a:tc>
+                <a:tc>
+                  <a:txBody>
+                    <a:bodyPr/>
+                    <a:lstStyle/>
+                    <a:p>
+                      <a:r>
+                        <a:rPr lang="en-US" dirty="0" err="1"/>
+                        <a:t>Last_name</a:t>
+                      </a:r>
+                      <a:endParaRPr lang="en-US" dirty="0"/>
+                    </a:p>
+                  </a:txBody>
+                  <a:tcPr/>
+                </a:tc>
+                <a:tc>
+                  <a:txBody>
+                    <a:bodyPr/>
+                    <a:lstStyle/>
+                    <a:p>
+                      <a:r>
+                        <a:rPr lang="en-US" dirty="0"/>
+                        <a:t>varchar()</a:t>
+                      </a:r>
+                    </a:p>
+                  </a:txBody>
+                  <a:tcPr/>
+                </a:tc>
+                <a:extLst>
+                  <a:ext uri="{0D108BD9-81ED-4DB2-BD59-A6C34878D82A}">
+                    <a16:rowId xmlns:a16="http://schemas.microsoft.com/office/drawing/2014/main" val="2859699310"/>
+                  </a:ext>
+                </a:extLst>
+              </a:tr>
+              <a:tr h="289076">
+                <a:tc>
+                  <a:txBody>
+                    <a:bodyPr/>
+                    <a:lstStyle/>
+                    <a:p>
+                      <a:endParaRPr lang="en-US" dirty="0"/>
+                    </a:p>
+                  </a:txBody>
+                  <a:tcPr/>
+                </a:tc>
+                <a:tc>
+                  <a:txBody>
+                    <a:bodyPr/>
+                    <a:lstStyle/>
+                    <a:p>
+                      <a:r>
+                        <a:rPr lang="en-US" dirty="0"/>
+                        <a:t>Email</a:t>
+                      </a:r>
+                    </a:p>
+                  </a:txBody>
+                  <a:tcPr/>
+                </a:tc>
+                <a:tc>
+                  <a:txBody>
+                    <a:bodyPr/>
+                    <a:lstStyle/>
+                    <a:p>
+                      <a:r>
+                        <a:rPr lang="en-US" dirty="0"/>
+                        <a:t>varchar()</a:t>
+                      </a:r>
+                    </a:p>
+                  </a:txBody>
+                  <a:tcPr/>
+                </a:tc>
+                <a:extLst>
+                  <a:ext uri="{0D108BD9-81ED-4DB2-BD59-A6C34878D82A}">
+                    <a16:rowId xmlns:a16="http://schemas.microsoft.com/office/drawing/2014/main" val="2124729497"/>
+                  </a:ext>
+                </a:extLst>
+              </a:tr>
+              <a:tr h="289076">
+                <a:tc>
+                  <a:txBody>
+                    <a:bodyPr/>
+                    <a:lstStyle/>
+                    <a:p>
+                      <a:endParaRPr lang="en-US" dirty="0"/>
+                    </a:p>
+                  </a:txBody>
+                  <a:tcPr/>
+                </a:tc>
+                <a:tc>
+                  <a:txBody>
+                    <a:bodyPr/>
+                    <a:lstStyle/>
+                    <a:p>
+                      <a:r>
+                        <a:rPr lang="en-US" dirty="0"/>
+                        <a:t>password</a:t>
+                      </a:r>
+                    </a:p>
+                  </a:txBody>
+                  <a:tcPr/>
+                </a:tc>
+                <a:tc>
+                  <a:txBody>
+                    <a:bodyPr/>
+                    <a:lstStyle/>
+                    <a:p>
+                      <a:r>
+                        <a:rPr lang="en-US" dirty="0"/>
+                        <a:t>varchar()</a:t>
+                      </a:r>
+                    </a:p>
+                  </a:txBody>
+                  <a:tcPr/>
+                </a:tc>
+                <a:extLst>
+                  <a:ext uri="{0D108BD9-81ED-4DB2-BD59-A6C34878D82A}">
+                    <a16:rowId xmlns:a16="http://schemas.microsoft.com/office/drawing/2014/main" val="413828608"/>
+                  </a:ext>
+                </a:extLst>
+              </a:tr>
+              <a:tr h="289076">
+                <a:tc>
+                  <a:txBody>
+                    <a:bodyPr/>
+                    <a:lstStyle/>
+                    <a:p>
+                      <a:endParaRPr lang="en-US" dirty="0"/>
+                    </a:p>
+                  </a:txBody>
+                  <a:tcPr/>
+                </a:tc>
+                <a:tc>
+                  <a:txBody>
+                    <a:bodyPr/>
+                    <a:lstStyle/>
+                    <a:p>
+                      <a:r>
+                        <a:rPr lang="en-US" dirty="0"/>
+                        <a:t>profile</a:t>
+                      </a:r>
+                    </a:p>
+                  </a:txBody>
+                  <a:tcPr/>
+                </a:tc>
+                <a:tc>
+                  <a:txBody>
+                    <a:bodyPr/>
+                    <a:lstStyle/>
+                    <a:p>
+                      <a:r>
+                        <a:rPr lang="en-US" dirty="0"/>
+                        <a:t>varchar()</a:t>
+                      </a:r>
+                    </a:p>
+                  </a:txBody>
+                  <a:tcPr/>
+                </a:tc>
+                <a:extLst>
+                  <a:ext uri="{0D108BD9-81ED-4DB2-BD59-A6C34878D82A}">
+                    <a16:rowId xmlns:a16="http://schemas.microsoft.com/office/drawing/2014/main" val="3298403421"/>
+                  </a:ext>
+                </a:extLst>
+              </a:tr>
+            </a:tbl>
+          </a:graphicData>
+        </a:graphic>
+      </p:graphicFrame>
+      <p:graphicFrame>
+        <p:nvGraphicFramePr>
+          <p:cNvPr id="5" name="Table 4">
+            <a:extLst>
+              <a:ext uri="{FF2B5EF4-FFF2-40B4-BE49-F238E27FC236}">
+                <a16:creationId xmlns:a16="http://schemas.microsoft.com/office/drawing/2014/main" id="{4A0405E6-4CA0-407A-9F4E-C887F6FFE5B9}"/>
+              </a:ext>
+            </a:extLst>
+          </p:cNvPr>
+          <p:cNvGraphicFramePr>
+            <a:graphicFrameLocks noGrp="1"/>
+          </p:cNvGraphicFramePr>
           <p:nvPr/>
-        </p:nvSpPr>
-        <p:spPr>
-          <a:xfrm>
-            <a:off x="1117343" y="314958"/>
-            <a:ext cx="633507" cy="369332"/>
-          </a:xfrm>
-          <a:prstGeom prst="rect">
-            <a:avLst/>
-          </a:prstGeom>
-          <a:noFill/>
-        </p:spPr>
-        <p:txBody>
-          <a:bodyPr wrap="none" rtlCol="0">
-            <a:spAutoFit/>
-          </a:bodyPr>
-          <a:lstStyle/>
-          <a:p>
-            <a:r>
-              <a:rPr lang="en-US" b="1" dirty="0" smtClean="0"/>
-              <a:t>class</a:t>
-            </a:r>
-            <a:endParaRPr lang="en-US" b="1" dirty="0"/>
-          </a:p>
-        </p:txBody>
-      </p:sp>
-      <p:sp>
-        <p:nvSpPr>
-          <p:cNvPr id="53" name="Rectangle 52"/>
-          <p:cNvSpPr/>
-          <p:nvPr/>
-        </p:nvSpPr>
-        <p:spPr>
-          <a:xfrm>
-            <a:off x="3301896" y="224804"/>
-            <a:ext cx="1803043" cy="2428643"/>
-          </a:xfrm>
-          <a:prstGeom prst="rect">
-            <a:avLst/>
-          </a:prstGeom>
-        </p:spPr>
-        <p:style>
-          <a:lnRef idx="2">
-            <a:schemeClr val="dk1"/>
-          </a:lnRef>
-          <a:fillRef idx="1">
-            <a:schemeClr val="lt1"/>
-          </a:fillRef>
-          <a:effectRef idx="0">
-            <a:schemeClr val="dk1"/>
-          </a:effectRef>
-          <a:fontRef idx="minor">
-            <a:schemeClr val="dk1"/>
-          </a:fontRef>
-        </p:style>
-        <p:txBody>
-          <a:bodyPr rtlCol="0" anchor="ctr"/>
-          <a:lstStyle/>
-          <a:p>
-            <a:pPr algn="ctr"/>
-            <a:endParaRPr lang="en-US"/>
-          </a:p>
-        </p:txBody>
-      </p:sp>
-      <p:sp>
-        <p:nvSpPr>
-          <p:cNvPr id="54" name="TextBox 53"/>
-          <p:cNvSpPr txBox="1"/>
-          <p:nvPr/>
-        </p:nvSpPr>
-        <p:spPr>
-          <a:xfrm>
-            <a:off x="3783269" y="314958"/>
-            <a:ext cx="917367" cy="369332"/>
-          </a:xfrm>
-          <a:prstGeom prst="rect">
-            <a:avLst/>
-          </a:prstGeom>
-          <a:noFill/>
-        </p:spPr>
-        <p:txBody>
-          <a:bodyPr wrap="none" rtlCol="0">
-            <a:spAutoFit/>
-          </a:bodyPr>
-          <a:lstStyle/>
-          <a:p>
-            <a:r>
-              <a:rPr lang="en-US" b="1" dirty="0" smtClean="0"/>
-              <a:t>student</a:t>
-            </a:r>
-            <a:endParaRPr lang="en-US" b="1" dirty="0"/>
-          </a:p>
-        </p:txBody>
-      </p:sp>
-      <p:sp>
-        <p:nvSpPr>
-          <p:cNvPr id="55" name="Rectangle 54"/>
-          <p:cNvSpPr/>
-          <p:nvPr/>
-        </p:nvSpPr>
-        <p:spPr>
-          <a:xfrm>
-            <a:off x="5967822" y="224804"/>
-            <a:ext cx="1803043" cy="2428643"/>
-          </a:xfrm>
-          <a:prstGeom prst="rect">
-            <a:avLst/>
-          </a:prstGeom>
-        </p:spPr>
-        <p:style>
-          <a:lnRef idx="2">
-            <a:schemeClr val="dk1"/>
-          </a:lnRef>
-          <a:fillRef idx="1">
-            <a:schemeClr val="lt1"/>
-          </a:fillRef>
-          <a:effectRef idx="0">
-            <a:schemeClr val="dk1"/>
-          </a:effectRef>
-          <a:fontRef idx="minor">
-            <a:schemeClr val="dk1"/>
-          </a:fontRef>
-        </p:style>
-        <p:txBody>
-          <a:bodyPr rtlCol="0" anchor="ctr"/>
-          <a:lstStyle/>
-          <a:p>
-            <a:pPr algn="ctr"/>
-            <a:endParaRPr lang="en-US"/>
-          </a:p>
-        </p:txBody>
-      </p:sp>
-      <p:sp>
-        <p:nvSpPr>
-          <p:cNvPr id="56" name="TextBox 55"/>
-          <p:cNvSpPr txBox="1"/>
-          <p:nvPr/>
-        </p:nvSpPr>
-        <p:spPr>
-          <a:xfrm>
-            <a:off x="6209194" y="314959"/>
-            <a:ext cx="1320298" cy="369332"/>
-          </a:xfrm>
-          <a:prstGeom prst="rect">
-            <a:avLst/>
-          </a:prstGeom>
-          <a:noFill/>
-        </p:spPr>
-        <p:txBody>
-          <a:bodyPr wrap="none" rtlCol="0">
-            <a:spAutoFit/>
-          </a:bodyPr>
-          <a:lstStyle/>
-          <a:p>
-            <a:r>
-              <a:rPr lang="en-US" b="1" dirty="0" smtClean="0"/>
-              <a:t>exam_score</a:t>
-            </a:r>
-            <a:endParaRPr lang="en-US" b="1" dirty="0"/>
-          </a:p>
-        </p:txBody>
-      </p:sp>
-      <p:sp>
-        <p:nvSpPr>
-          <p:cNvPr id="57" name="Rectangle 56"/>
-          <p:cNvSpPr/>
-          <p:nvPr/>
-        </p:nvSpPr>
-        <p:spPr>
-          <a:xfrm>
-            <a:off x="9251935" y="224803"/>
-            <a:ext cx="1803043" cy="2428643"/>
-          </a:xfrm>
-          <a:prstGeom prst="rect">
-            <a:avLst/>
-          </a:prstGeom>
-        </p:spPr>
-        <p:style>
-          <a:lnRef idx="2">
-            <a:schemeClr val="dk1"/>
-          </a:lnRef>
-          <a:fillRef idx="1">
-            <a:schemeClr val="lt1"/>
-          </a:fillRef>
-          <a:effectRef idx="0">
-            <a:schemeClr val="dk1"/>
-          </a:effectRef>
-          <a:fontRef idx="minor">
-            <a:schemeClr val="dk1"/>
-          </a:fontRef>
-        </p:style>
-        <p:txBody>
-          <a:bodyPr rtlCol="0" anchor="ctr"/>
-          <a:lstStyle/>
-          <a:p>
-            <a:pPr algn="ctr"/>
-            <a:endParaRPr lang="en-US"/>
-          </a:p>
-        </p:txBody>
-      </p:sp>
-      <p:sp>
-        <p:nvSpPr>
-          <p:cNvPr id="58" name="TextBox 57"/>
-          <p:cNvSpPr txBox="1"/>
-          <p:nvPr/>
-        </p:nvSpPr>
-        <p:spPr>
-          <a:xfrm>
-            <a:off x="9493307" y="314958"/>
-            <a:ext cx="1243482" cy="369332"/>
-          </a:xfrm>
-          <a:prstGeom prst="rect">
-            <a:avLst/>
-          </a:prstGeom>
-          <a:noFill/>
-        </p:spPr>
-        <p:txBody>
-          <a:bodyPr wrap="none" rtlCol="0">
-            <a:spAutoFit/>
-          </a:bodyPr>
-          <a:lstStyle/>
-          <a:p>
-            <a:r>
-              <a:rPr lang="en-US" b="1" dirty="0" smtClean="0"/>
-              <a:t>exam_type</a:t>
-            </a:r>
-            <a:endParaRPr lang="en-US" b="1" dirty="0"/>
-          </a:p>
-        </p:txBody>
-      </p:sp>
-      <p:sp>
-        <p:nvSpPr>
-          <p:cNvPr id="59" name="Rectangle 58"/>
-          <p:cNvSpPr/>
-          <p:nvPr/>
-        </p:nvSpPr>
-        <p:spPr>
-          <a:xfrm>
-            <a:off x="5980354" y="4186801"/>
-            <a:ext cx="1803043" cy="2009105"/>
-          </a:xfrm>
-          <a:prstGeom prst="rect">
-            <a:avLst/>
-          </a:prstGeom>
-        </p:spPr>
-        <p:style>
-          <a:lnRef idx="2">
-            <a:schemeClr val="dk1"/>
-          </a:lnRef>
-          <a:fillRef idx="1">
-            <a:schemeClr val="lt1"/>
-          </a:fillRef>
-          <a:effectRef idx="0">
-            <a:schemeClr val="dk1"/>
-          </a:effectRef>
-          <a:fontRef idx="minor">
-            <a:schemeClr val="dk1"/>
-          </a:fontRef>
-        </p:style>
-        <p:txBody>
-          <a:bodyPr rtlCol="0" anchor="ctr"/>
-          <a:lstStyle/>
-          <a:p>
-            <a:pPr algn="ctr"/>
-            <a:endParaRPr lang="en-US"/>
-          </a:p>
-        </p:txBody>
-      </p:sp>
-      <p:sp>
-        <p:nvSpPr>
-          <p:cNvPr id="60" name="TextBox 59"/>
-          <p:cNvSpPr txBox="1"/>
-          <p:nvPr/>
-        </p:nvSpPr>
-        <p:spPr>
-          <a:xfrm>
-            <a:off x="6506612" y="4223154"/>
-            <a:ext cx="661720" cy="369332"/>
-          </a:xfrm>
-          <a:prstGeom prst="rect">
-            <a:avLst/>
-          </a:prstGeom>
-          <a:noFill/>
-        </p:spPr>
-        <p:txBody>
-          <a:bodyPr wrap="none" rtlCol="0">
-            <a:spAutoFit/>
-          </a:bodyPr>
-          <a:lstStyle/>
-          <a:p>
-            <a:r>
-              <a:rPr lang="en-US" b="1" dirty="0" smtClean="0"/>
-              <a:t>topic</a:t>
-            </a:r>
-            <a:endParaRPr lang="en-US" b="1" dirty="0"/>
-          </a:p>
-        </p:txBody>
-      </p:sp>
-      <p:sp>
-        <p:nvSpPr>
-          <p:cNvPr id="61" name="Rectangle 60"/>
-          <p:cNvSpPr/>
-          <p:nvPr/>
-        </p:nvSpPr>
-        <p:spPr>
-          <a:xfrm>
-            <a:off x="630766" y="4186801"/>
-            <a:ext cx="1803043" cy="2009105"/>
-          </a:xfrm>
-          <a:prstGeom prst="rect">
-            <a:avLst/>
-          </a:prstGeom>
-        </p:spPr>
-        <p:style>
-          <a:lnRef idx="2">
-            <a:schemeClr val="dk1"/>
-          </a:lnRef>
-          <a:fillRef idx="1">
-            <a:schemeClr val="lt1"/>
-          </a:fillRef>
-          <a:effectRef idx="0">
-            <a:schemeClr val="dk1"/>
-          </a:effectRef>
-          <a:fontRef idx="minor">
-            <a:schemeClr val="dk1"/>
-          </a:fontRef>
-        </p:style>
-        <p:txBody>
-          <a:bodyPr rtlCol="0" anchor="ctr"/>
-          <a:lstStyle/>
-          <a:p>
-            <a:pPr algn="ctr"/>
-            <a:endParaRPr lang="en-US"/>
-          </a:p>
-        </p:txBody>
-      </p:sp>
-      <p:sp>
-        <p:nvSpPr>
-          <p:cNvPr id="62" name="TextBox 61"/>
-          <p:cNvSpPr txBox="1"/>
-          <p:nvPr/>
-        </p:nvSpPr>
-        <p:spPr>
-          <a:xfrm>
-            <a:off x="1174014" y="4289834"/>
-            <a:ext cx="716543" cy="369332"/>
-          </a:xfrm>
-          <a:prstGeom prst="rect">
-            <a:avLst/>
-          </a:prstGeom>
-          <a:noFill/>
-        </p:spPr>
-        <p:txBody>
-          <a:bodyPr wrap="none" rtlCol="0">
-            <a:spAutoFit/>
-          </a:bodyPr>
-          <a:lstStyle/>
-          <a:p>
-            <a:r>
-              <a:rPr lang="en-US" b="1" dirty="0" smtClean="0"/>
-              <a:t>batch</a:t>
-            </a:r>
-            <a:endParaRPr lang="en-US" b="1" dirty="0"/>
-          </a:p>
-        </p:txBody>
-      </p:sp>
+        </p:nvGraphicFramePr>
+        <p:xfrm>
+          <a:off x="6634917" y="944953"/>
+          <a:ext cx="3595761" cy="1112520"/>
+        </p:xfrm>
+        <a:graphic>
+          <a:graphicData uri="http://schemas.openxmlformats.org/drawingml/2006/table">
+            <a:tbl>
+              <a:tblPr firstRow="1" bandRow="1">
+                <a:tableStyleId>{5C22544A-7EE6-4342-B048-85BDC9FD1C3A}</a:tableStyleId>
+              </a:tblPr>
+              <a:tblGrid>
+                <a:gridCol w="519046">
+                  <a:extLst>
+                    <a:ext uri="{9D8B030D-6E8A-4147-A177-3AD203B41FA5}">
+                      <a16:colId xmlns:a16="http://schemas.microsoft.com/office/drawing/2014/main" val="3659880512"/>
+                    </a:ext>
+                  </a:extLst>
+                </a:gridCol>
+                <a:gridCol w="1579220">
+                  <a:extLst>
+                    <a:ext uri="{9D8B030D-6E8A-4147-A177-3AD203B41FA5}">
+                      <a16:colId xmlns:a16="http://schemas.microsoft.com/office/drawing/2014/main" val="1885743028"/>
+                    </a:ext>
+                  </a:extLst>
+                </a:gridCol>
+                <a:gridCol w="1497495">
+                  <a:extLst>
+                    <a:ext uri="{9D8B030D-6E8A-4147-A177-3AD203B41FA5}">
+                      <a16:colId xmlns:a16="http://schemas.microsoft.com/office/drawing/2014/main" val="1630028024"/>
+                    </a:ext>
+                  </a:extLst>
+                </a:gridCol>
+              </a:tblGrid>
+              <a:tr h="370840">
+                <a:tc gridSpan="3">
+                  <a:txBody>
+                    <a:bodyPr/>
+                    <a:lstStyle/>
+                    <a:p>
+                      <a:r>
+                        <a:rPr lang="en-US" dirty="0"/>
+                        <a:t>           Category</a:t>
+                      </a:r>
+                    </a:p>
+                  </a:txBody>
+                  <a:tcPr/>
+                </a:tc>
+                <a:tc hMerge="1">
+                  <a:txBody>
+                    <a:bodyPr/>
+                    <a:lstStyle/>
+                    <a:p>
+                      <a:endParaRPr lang="en-US" dirty="0"/>
+                    </a:p>
+                  </a:txBody>
+                  <a:tcPr/>
+                </a:tc>
+                <a:tc hMerge="1">
+                  <a:txBody>
+                    <a:bodyPr/>
+                    <a:lstStyle/>
+                    <a:p>
+                      <a:endParaRPr lang="en-US" dirty="0"/>
+                    </a:p>
+                  </a:txBody>
+                  <a:tcPr/>
+                </a:tc>
+                <a:extLst>
+                  <a:ext uri="{0D108BD9-81ED-4DB2-BD59-A6C34878D82A}">
+                    <a16:rowId xmlns:a16="http://schemas.microsoft.com/office/drawing/2014/main" val="362027883"/>
+                  </a:ext>
+                </a:extLst>
+              </a:tr>
+              <a:tr h="370840">
+                <a:tc>
+                  <a:txBody>
+                    <a:bodyPr/>
+                    <a:lstStyle/>
+                    <a:p>
+                      <a:r>
+                        <a:rPr lang="en-US" dirty="0"/>
+                        <a:t>PK</a:t>
+                      </a:r>
+                    </a:p>
+                  </a:txBody>
+                  <a:tcPr/>
+                </a:tc>
+                <a:tc>
+                  <a:txBody>
+                    <a:bodyPr/>
+                    <a:lstStyle/>
+                    <a:p>
+                      <a:r>
+                        <a:rPr lang="en-US" dirty="0" err="1"/>
+                        <a:t>category_id</a:t>
+                      </a:r>
+                      <a:endParaRPr lang="en-US" dirty="0"/>
+                    </a:p>
+                  </a:txBody>
+                  <a:tcPr/>
+                </a:tc>
+                <a:tc>
+                  <a:txBody>
+                    <a:bodyPr/>
+                    <a:lstStyle/>
+                    <a:p>
+                      <a:r>
+                        <a:rPr lang="en-US" dirty="0"/>
+                        <a:t>int()</a:t>
+                      </a:r>
+                    </a:p>
+                  </a:txBody>
+                  <a:tcPr/>
+                </a:tc>
+                <a:extLst>
+                  <a:ext uri="{0D108BD9-81ED-4DB2-BD59-A6C34878D82A}">
+                    <a16:rowId xmlns:a16="http://schemas.microsoft.com/office/drawing/2014/main" val="3346296426"/>
+                  </a:ext>
+                </a:extLst>
+              </a:tr>
+              <a:tr h="370840">
+                <a:tc>
+                  <a:txBody>
+                    <a:bodyPr/>
+                    <a:lstStyle/>
+                    <a:p>
+                      <a:endParaRPr lang="en-US" dirty="0"/>
+                    </a:p>
+                  </a:txBody>
+                  <a:tcPr/>
+                </a:tc>
+                <a:tc>
+                  <a:txBody>
+                    <a:bodyPr/>
+                    <a:lstStyle/>
+                    <a:p>
+                      <a:r>
+                        <a:rPr lang="en-US" dirty="0"/>
+                        <a:t>name</a:t>
+                      </a:r>
+                    </a:p>
+                  </a:txBody>
+                  <a:tcPr/>
+                </a:tc>
+                <a:tc>
+                  <a:txBody>
+                    <a:bodyPr/>
+                    <a:lstStyle/>
+                    <a:p>
+                      <a:r>
+                        <a:rPr lang="en-US" dirty="0"/>
+                        <a:t>varchar()</a:t>
+                      </a:r>
+                    </a:p>
+                  </a:txBody>
+                  <a:tcPr/>
+                </a:tc>
+                <a:extLst>
+                  <a:ext uri="{0D108BD9-81ED-4DB2-BD59-A6C34878D82A}">
+                    <a16:rowId xmlns:a16="http://schemas.microsoft.com/office/drawing/2014/main" val="3895404711"/>
+                  </a:ext>
+                </a:extLst>
+              </a:tr>
+            </a:tbl>
+          </a:graphicData>
+        </a:graphic>
+      </p:graphicFrame>
+      <p:graphicFrame>
+        <p:nvGraphicFramePr>
+          <p:cNvPr id="6" name="Table 4">
+            <a:extLst>
+              <a:ext uri="{FF2B5EF4-FFF2-40B4-BE49-F238E27FC236}">
+                <a16:creationId xmlns:a16="http://schemas.microsoft.com/office/drawing/2014/main" id="{F051543C-49B3-40E9-9917-94D38F3AAA86}"/>
+              </a:ext>
+            </a:extLst>
+          </p:cNvPr>
+          <p:cNvGraphicFramePr>
+            <a:graphicFrameLocks noGrp="1"/>
+          </p:cNvGraphicFramePr>
+          <p:nvPr>
+            <p:extLst>
+              <p:ext uri="{D42A27DB-BD31-4B8C-83A1-F6EECF244321}">
+                <p14:modId xmlns:p14="http://schemas.microsoft.com/office/powerpoint/2010/main" val="1773620551"/>
+              </p:ext>
+            </p:extLst>
+          </p:nvPr>
+        </p:nvGraphicFramePr>
+        <p:xfrm>
+          <a:off x="6509015" y="3454842"/>
+          <a:ext cx="3684104" cy="2595880"/>
+        </p:xfrm>
+        <a:graphic>
+          <a:graphicData uri="http://schemas.openxmlformats.org/drawingml/2006/table">
+            <a:tbl>
+              <a:tblPr firstRow="1" bandRow="1">
+                <a:tableStyleId>{5C22544A-7EE6-4342-B048-85BDC9FD1C3A}</a:tableStyleId>
+              </a:tblPr>
+              <a:tblGrid>
+                <a:gridCol w="634806">
+                  <a:extLst>
+                    <a:ext uri="{9D8B030D-6E8A-4147-A177-3AD203B41FA5}">
+                      <a16:colId xmlns:a16="http://schemas.microsoft.com/office/drawing/2014/main" val="3659880512"/>
+                    </a:ext>
+                  </a:extLst>
+                </a:gridCol>
+                <a:gridCol w="1813089">
+                  <a:extLst>
+                    <a:ext uri="{9D8B030D-6E8A-4147-A177-3AD203B41FA5}">
+                      <a16:colId xmlns:a16="http://schemas.microsoft.com/office/drawing/2014/main" val="1885743028"/>
+                    </a:ext>
+                  </a:extLst>
+                </a:gridCol>
+                <a:gridCol w="1236209">
+                  <a:extLst>
+                    <a:ext uri="{9D8B030D-6E8A-4147-A177-3AD203B41FA5}">
+                      <a16:colId xmlns:a16="http://schemas.microsoft.com/office/drawing/2014/main" val="967794491"/>
+                    </a:ext>
+                  </a:extLst>
+                </a:gridCol>
+              </a:tblGrid>
+              <a:tr h="370840">
+                <a:tc gridSpan="3">
+                  <a:txBody>
+                    <a:bodyPr/>
+                    <a:lstStyle/>
+                    <a:p>
+                      <a:r>
+                        <a:rPr lang="en-US" dirty="0"/>
+                        <a:t>                     Event</a:t>
+                      </a:r>
+                    </a:p>
+                  </a:txBody>
+                  <a:tcPr/>
+                </a:tc>
+                <a:tc hMerge="1">
+                  <a:txBody>
+                    <a:bodyPr/>
+                    <a:lstStyle/>
+                    <a:p>
+                      <a:endParaRPr lang="en-US" dirty="0"/>
+                    </a:p>
+                  </a:txBody>
+                  <a:tcPr/>
+                </a:tc>
+                <a:tc hMerge="1">
+                  <a:txBody>
+                    <a:bodyPr/>
+                    <a:lstStyle/>
+                    <a:p>
+                      <a:endParaRPr lang="en-US" dirty="0"/>
+                    </a:p>
+                  </a:txBody>
+                  <a:tcPr/>
+                </a:tc>
+                <a:extLst>
+                  <a:ext uri="{0D108BD9-81ED-4DB2-BD59-A6C34878D82A}">
+                    <a16:rowId xmlns:a16="http://schemas.microsoft.com/office/drawing/2014/main" val="362027883"/>
+                  </a:ext>
+                </a:extLst>
+              </a:tr>
+              <a:tr h="370840">
+                <a:tc>
+                  <a:txBody>
+                    <a:bodyPr/>
+                    <a:lstStyle/>
+                    <a:p>
+                      <a:r>
+                        <a:rPr lang="en-US" dirty="0"/>
+                        <a:t>PK</a:t>
+                      </a:r>
+                    </a:p>
+                  </a:txBody>
+                  <a:tcPr/>
+                </a:tc>
+                <a:tc>
+                  <a:txBody>
+                    <a:bodyPr/>
+                    <a:lstStyle/>
+                    <a:p>
+                      <a:r>
+                        <a:rPr lang="en-US" dirty="0" err="1"/>
+                        <a:t>event_id</a:t>
+                      </a:r>
+                      <a:endParaRPr lang="en-US" dirty="0"/>
+                    </a:p>
+                  </a:txBody>
+                  <a:tcPr/>
+                </a:tc>
+                <a:tc>
+                  <a:txBody>
+                    <a:bodyPr/>
+                    <a:lstStyle/>
+                    <a:p>
+                      <a:r>
+                        <a:rPr lang="en-US" dirty="0"/>
+                        <a:t>int()</a:t>
+                      </a:r>
+                    </a:p>
+                  </a:txBody>
+                  <a:tcPr/>
+                </a:tc>
+                <a:extLst>
+                  <a:ext uri="{0D108BD9-81ED-4DB2-BD59-A6C34878D82A}">
+                    <a16:rowId xmlns:a16="http://schemas.microsoft.com/office/drawing/2014/main" val="3346296426"/>
+                  </a:ext>
+                </a:extLst>
+              </a:tr>
+              <a:tr h="370840">
+                <a:tc>
+                  <a:txBody>
+                    <a:bodyPr/>
+                    <a:lstStyle/>
+                    <a:p>
+                      <a:endParaRPr lang="en-US" dirty="0"/>
+                    </a:p>
+                  </a:txBody>
+                  <a:tcPr/>
+                </a:tc>
+                <a:tc>
+                  <a:txBody>
+                    <a:bodyPr/>
+                    <a:lstStyle/>
+                    <a:p>
+                      <a:r>
+                        <a:rPr lang="en-US" dirty="0"/>
+                        <a:t>title</a:t>
+                      </a:r>
+                    </a:p>
+                  </a:txBody>
+                  <a:tcPr/>
+                </a:tc>
+                <a:tc>
+                  <a:txBody>
+                    <a:bodyPr/>
+                    <a:lstStyle/>
+                    <a:p>
+                      <a:r>
+                        <a:rPr lang="en-US" dirty="0"/>
+                        <a:t>varchar()</a:t>
+                      </a:r>
+                    </a:p>
+                  </a:txBody>
+                  <a:tcPr/>
+                </a:tc>
+                <a:extLst>
+                  <a:ext uri="{0D108BD9-81ED-4DB2-BD59-A6C34878D82A}">
+                    <a16:rowId xmlns:a16="http://schemas.microsoft.com/office/drawing/2014/main" val="3895404711"/>
+                  </a:ext>
+                </a:extLst>
+              </a:tr>
+              <a:tr h="370840">
+                <a:tc>
+                  <a:txBody>
+                    <a:bodyPr/>
+                    <a:lstStyle/>
+                    <a:p>
+                      <a:endParaRPr lang="en-US" dirty="0"/>
+                    </a:p>
+                  </a:txBody>
+                  <a:tcPr/>
+                </a:tc>
+                <a:tc>
+                  <a:txBody>
+                    <a:bodyPr/>
+                    <a:lstStyle/>
+                    <a:p>
+                      <a:r>
+                        <a:rPr lang="en-US" dirty="0"/>
+                        <a:t>Description</a:t>
+                      </a:r>
+                    </a:p>
+                  </a:txBody>
+                  <a:tcPr/>
+                </a:tc>
+                <a:tc>
+                  <a:txBody>
+                    <a:bodyPr/>
+                    <a:lstStyle/>
+                    <a:p>
+                      <a:r>
+                        <a:rPr lang="en-US" dirty="0"/>
+                        <a:t>varchar()</a:t>
+                      </a:r>
+                    </a:p>
+                  </a:txBody>
+                  <a:tcPr/>
+                </a:tc>
+                <a:extLst>
+                  <a:ext uri="{0D108BD9-81ED-4DB2-BD59-A6C34878D82A}">
+                    <a16:rowId xmlns:a16="http://schemas.microsoft.com/office/drawing/2014/main" val="2505656402"/>
+                  </a:ext>
+                </a:extLst>
+              </a:tr>
+              <a:tr h="370840">
+                <a:tc>
+                  <a:txBody>
+                    <a:bodyPr/>
+                    <a:lstStyle/>
+                    <a:p>
+                      <a:endParaRPr lang="en-US" dirty="0"/>
+                    </a:p>
+                  </a:txBody>
+                  <a:tcPr/>
+                </a:tc>
+                <a:tc>
+                  <a:txBody>
+                    <a:bodyPr/>
+                    <a:lstStyle/>
+                    <a:p>
+                      <a:r>
+                        <a:rPr lang="en-US" dirty="0" err="1"/>
+                        <a:t>Start_date</a:t>
+                      </a:r>
+                      <a:endParaRPr lang="en-US" dirty="0"/>
+                    </a:p>
+                  </a:txBody>
+                  <a:tcPr/>
+                </a:tc>
+                <a:tc>
+                  <a:txBody>
+                    <a:bodyPr/>
+                    <a:lstStyle/>
+                    <a:p>
+                      <a:r>
+                        <a:rPr lang="en-US" dirty="0"/>
+                        <a:t>date()</a:t>
+                      </a:r>
+                    </a:p>
+                  </a:txBody>
+                  <a:tcPr/>
+                </a:tc>
+                <a:extLst>
+                  <a:ext uri="{0D108BD9-81ED-4DB2-BD59-A6C34878D82A}">
+                    <a16:rowId xmlns:a16="http://schemas.microsoft.com/office/drawing/2014/main" val="1530162736"/>
+                  </a:ext>
+                </a:extLst>
+              </a:tr>
+              <a:tr h="370840">
+                <a:tc>
+                  <a:txBody>
+                    <a:bodyPr/>
+                    <a:lstStyle/>
+                    <a:p>
+                      <a:endParaRPr lang="en-US" dirty="0"/>
+                    </a:p>
+                  </a:txBody>
+                  <a:tcPr/>
+                </a:tc>
+                <a:tc>
+                  <a:txBody>
+                    <a:bodyPr/>
+                    <a:lstStyle/>
+                    <a:p>
+                      <a:r>
+                        <a:rPr lang="en-US" dirty="0" err="1"/>
+                        <a:t>End_date</a:t>
+                      </a:r>
+                      <a:endParaRPr lang="en-US" dirty="0"/>
+                    </a:p>
+                  </a:txBody>
+                  <a:tcPr/>
+                </a:tc>
+                <a:tc>
+                  <a:txBody>
+                    <a:bodyPr/>
+                    <a:lstStyle/>
+                    <a:p>
+                      <a:r>
+                        <a:rPr lang="en-US" dirty="0"/>
+                        <a:t>Date()</a:t>
+                      </a:r>
+                    </a:p>
+                  </a:txBody>
+                  <a:tcPr/>
+                </a:tc>
+                <a:extLst>
+                  <a:ext uri="{0D108BD9-81ED-4DB2-BD59-A6C34878D82A}">
+                    <a16:rowId xmlns:a16="http://schemas.microsoft.com/office/drawing/2014/main" val="2615777385"/>
+                  </a:ext>
+                </a:extLst>
+              </a:tr>
+              <a:tr h="370840">
+                <a:tc>
+                  <a:txBody>
+                    <a:bodyPr/>
+                    <a:lstStyle/>
+                    <a:p>
+                      <a:r>
+                        <a:rPr lang="en-US" dirty="0"/>
+                        <a:t>FK</a:t>
+                      </a:r>
+                    </a:p>
+                  </a:txBody>
+                  <a:tcPr/>
+                </a:tc>
+                <a:tc>
+                  <a:txBody>
+                    <a:bodyPr/>
+                    <a:lstStyle/>
+                    <a:p>
+                      <a:r>
+                        <a:rPr lang="en-US" dirty="0" err="1"/>
+                        <a:t>category_id</a:t>
+                      </a:r>
+                      <a:endParaRPr lang="en-US" dirty="0"/>
+                    </a:p>
+                  </a:txBody>
+                  <a:tcPr/>
+                </a:tc>
+                <a:tc>
+                  <a:txBody>
+                    <a:bodyPr/>
+                    <a:lstStyle/>
+                    <a:p>
+                      <a:r>
+                        <a:rPr lang="en-US" dirty="0"/>
+                        <a:t>Int()</a:t>
+                      </a:r>
+                    </a:p>
+                  </a:txBody>
+                  <a:tcPr/>
+                </a:tc>
+                <a:extLst>
+                  <a:ext uri="{0D108BD9-81ED-4DB2-BD59-A6C34878D82A}">
+                    <a16:rowId xmlns:a16="http://schemas.microsoft.com/office/drawing/2014/main" val="2026497086"/>
+                  </a:ext>
+                </a:extLst>
+              </a:tr>
+            </a:tbl>
+          </a:graphicData>
+        </a:graphic>
+      </p:graphicFrame>
       <p:cxnSp>
         <p:nvCxnSpPr>
-          <p:cNvPr id="63" name="Straight Connector 62"/>
-          <p:cNvCxnSpPr>
-            <a:stCxn id="55" idx="3"/>
-            <a:endCxn id="57" idx="1"/>
-          </p:cNvCxnSpPr>
+          <p:cNvPr id="3" name="Straight Connector 2">
+            <a:extLst>
+              <a:ext uri="{FF2B5EF4-FFF2-40B4-BE49-F238E27FC236}">
+                <a16:creationId xmlns:a16="http://schemas.microsoft.com/office/drawing/2014/main" id="{0443E06C-F6ED-405B-87EE-490C68CBD4DF}"/>
+              </a:ext>
+            </a:extLst>
+          </p:cNvPr>
+          <p:cNvCxnSpPr/>
           <p:nvPr/>
         </p:nvCxnSpPr>
         <p:spPr>
-          <a:xfrm flipV="1">
-            <a:off x="7770865" y="1439125"/>
-            <a:ext cx="1481070" cy="1"/>
+          <a:xfrm>
+            <a:off x="8083826" y="2057473"/>
+            <a:ext cx="0" cy="1371527"/>
           </a:xfrm>
           <a:prstGeom prst="line">
             <a:avLst/>
           </a:prstGeom>
-          <a:ln>
-            <a:solidFill>
-              <a:schemeClr val="tx1"/>
-            </a:solidFill>
-          </a:ln>
         </p:spPr>
         <p:style>
           <a:lnRef idx="1">
@@ -3675,28 +4141,267 @@
           </a:fontRef>
         </p:style>
       </p:cxnSp>
+      <p:graphicFrame>
+        <p:nvGraphicFramePr>
+          <p:cNvPr id="15" name="Table 15">
+            <a:extLst>
+              <a:ext uri="{FF2B5EF4-FFF2-40B4-BE49-F238E27FC236}">
+                <a16:creationId xmlns:a16="http://schemas.microsoft.com/office/drawing/2014/main" id="{88E35A45-1A94-4370-8A23-873F2BC0EA57}"/>
+              </a:ext>
+            </a:extLst>
+          </p:cNvPr>
+          <p:cNvGraphicFramePr>
+            <a:graphicFrameLocks noGrp="1"/>
+          </p:cNvGraphicFramePr>
+          <p:nvPr>
+            <p:extLst>
+              <p:ext uri="{D42A27DB-BD31-4B8C-83A1-F6EECF244321}">
+                <p14:modId xmlns:p14="http://schemas.microsoft.com/office/powerpoint/2010/main" val="2775393246"/>
+              </p:ext>
+            </p:extLst>
+          </p:nvPr>
+        </p:nvGraphicFramePr>
+        <p:xfrm>
+          <a:off x="1409146" y="4191000"/>
+          <a:ext cx="3070086" cy="1463040"/>
+        </p:xfrm>
+        <a:graphic>
+          <a:graphicData uri="http://schemas.openxmlformats.org/drawingml/2006/table">
+            <a:tbl>
+              <a:tblPr firstRow="1" bandRow="1">
+                <a:tableStyleId>{5C22544A-7EE6-4342-B048-85BDC9FD1C3A}</a:tableStyleId>
+              </a:tblPr>
+              <a:tblGrid>
+                <a:gridCol w="658193">
+                  <a:extLst>
+                    <a:ext uri="{9D8B030D-6E8A-4147-A177-3AD203B41FA5}">
+                      <a16:colId xmlns:a16="http://schemas.microsoft.com/office/drawing/2014/main" val="3986550656"/>
+                    </a:ext>
+                  </a:extLst>
+                </a:gridCol>
+                <a:gridCol w="1550504">
+                  <a:extLst>
+                    <a:ext uri="{9D8B030D-6E8A-4147-A177-3AD203B41FA5}">
+                      <a16:colId xmlns:a16="http://schemas.microsoft.com/office/drawing/2014/main" val="2190622855"/>
+                    </a:ext>
+                  </a:extLst>
+                </a:gridCol>
+                <a:gridCol w="861389">
+                  <a:extLst>
+                    <a:ext uri="{9D8B030D-6E8A-4147-A177-3AD203B41FA5}">
+                      <a16:colId xmlns:a16="http://schemas.microsoft.com/office/drawing/2014/main" val="3042381332"/>
+                    </a:ext>
+                  </a:extLst>
+                </a:gridCol>
+              </a:tblGrid>
+              <a:tr h="278130">
+                <a:tc gridSpan="3">
+                  <a:txBody>
+                    <a:bodyPr/>
+                    <a:lstStyle/>
+                    <a:p>
+                      <a:r>
+                        <a:rPr lang="en-US" dirty="0"/>
+                        <a:t>              join</a:t>
+                      </a:r>
+                    </a:p>
+                  </a:txBody>
+                  <a:tcPr/>
+                </a:tc>
+                <a:tc hMerge="1">
+                  <a:txBody>
+                    <a:bodyPr/>
+                    <a:lstStyle/>
+                    <a:p>
+                      <a:endParaRPr lang="en-US" dirty="0"/>
+                    </a:p>
+                  </a:txBody>
+                  <a:tcPr/>
+                </a:tc>
+                <a:tc hMerge="1">
+                  <a:txBody>
+                    <a:bodyPr/>
+                    <a:lstStyle/>
+                    <a:p>
+                      <a:endParaRPr lang="en-US" dirty="0"/>
+                    </a:p>
+                  </a:txBody>
+                  <a:tcPr/>
+                </a:tc>
+                <a:extLst>
+                  <a:ext uri="{0D108BD9-81ED-4DB2-BD59-A6C34878D82A}">
+                    <a16:rowId xmlns:a16="http://schemas.microsoft.com/office/drawing/2014/main" val="1169598434"/>
+                  </a:ext>
+                </a:extLst>
+              </a:tr>
+              <a:tr h="278130">
+                <a:tc>
+                  <a:txBody>
+                    <a:bodyPr/>
+                    <a:lstStyle/>
+                    <a:p>
+                      <a:r>
+                        <a:rPr lang="en-US" dirty="0"/>
+                        <a:t>PK</a:t>
+                      </a:r>
+                    </a:p>
+                  </a:txBody>
+                  <a:tcPr/>
+                </a:tc>
+                <a:tc>
+                  <a:txBody>
+                    <a:bodyPr/>
+                    <a:lstStyle/>
+                    <a:p>
+                      <a:r>
+                        <a:rPr lang="en-US" dirty="0" err="1"/>
+                        <a:t>Join_id</a:t>
+                      </a:r>
+                      <a:endParaRPr lang="en-US" dirty="0"/>
+                    </a:p>
+                  </a:txBody>
+                  <a:tcPr/>
+                </a:tc>
+                <a:tc>
+                  <a:txBody>
+                    <a:bodyPr/>
+                    <a:lstStyle/>
+                    <a:p>
+                      <a:r>
+                        <a:rPr lang="en-US" dirty="0"/>
+                        <a:t>Int()</a:t>
+                      </a:r>
+                    </a:p>
+                  </a:txBody>
+                  <a:tcPr/>
+                </a:tc>
+                <a:extLst>
+                  <a:ext uri="{0D108BD9-81ED-4DB2-BD59-A6C34878D82A}">
+                    <a16:rowId xmlns:a16="http://schemas.microsoft.com/office/drawing/2014/main" val="4191951795"/>
+                  </a:ext>
+                </a:extLst>
+              </a:tr>
+              <a:tr h="278130">
+                <a:tc>
+                  <a:txBody>
+                    <a:bodyPr/>
+                    <a:lstStyle/>
+                    <a:p>
+                      <a:r>
+                        <a:rPr lang="en-US" dirty="0"/>
+                        <a:t>FK</a:t>
+                      </a:r>
+                    </a:p>
+                  </a:txBody>
+                  <a:tcPr/>
+                </a:tc>
+                <a:tc>
+                  <a:txBody>
+                    <a:bodyPr/>
+                    <a:lstStyle/>
+                    <a:p>
+                      <a:r>
+                        <a:rPr lang="en-US" dirty="0" err="1"/>
+                        <a:t>User_id</a:t>
+                      </a:r>
+                      <a:endParaRPr lang="en-US" dirty="0"/>
+                    </a:p>
+                  </a:txBody>
+                  <a:tcPr/>
+                </a:tc>
+                <a:tc>
+                  <a:txBody>
+                    <a:bodyPr/>
+                    <a:lstStyle/>
+                    <a:p>
+                      <a:r>
+                        <a:rPr lang="en-US" dirty="0"/>
+                        <a:t>Int()</a:t>
+                      </a:r>
+                    </a:p>
+                  </a:txBody>
+                  <a:tcPr/>
+                </a:tc>
+                <a:extLst>
+                  <a:ext uri="{0D108BD9-81ED-4DB2-BD59-A6C34878D82A}">
+                    <a16:rowId xmlns:a16="http://schemas.microsoft.com/office/drawing/2014/main" val="2166099454"/>
+                  </a:ext>
+                </a:extLst>
+              </a:tr>
+              <a:tr h="278130">
+                <a:tc>
+                  <a:txBody>
+                    <a:bodyPr/>
+                    <a:lstStyle/>
+                    <a:p>
+                      <a:r>
+                        <a:rPr lang="en-US" dirty="0"/>
+                        <a:t>FK</a:t>
+                      </a:r>
+                    </a:p>
+                  </a:txBody>
+                  <a:tcPr/>
+                </a:tc>
+                <a:tc>
+                  <a:txBody>
+                    <a:bodyPr/>
+                    <a:lstStyle/>
+                    <a:p>
+                      <a:r>
+                        <a:rPr lang="en-US" dirty="0" err="1"/>
+                        <a:t>Event_id</a:t>
+                      </a:r>
+                      <a:endParaRPr lang="en-US" dirty="0"/>
+                    </a:p>
+                  </a:txBody>
+                  <a:tcPr/>
+                </a:tc>
+                <a:tc>
+                  <a:txBody>
+                    <a:bodyPr/>
+                    <a:lstStyle/>
+                    <a:p>
+                      <a:r>
+                        <a:rPr lang="en-US" dirty="0"/>
+                        <a:t>Int()</a:t>
+                      </a:r>
+                    </a:p>
+                  </a:txBody>
+                  <a:tcPr/>
+                </a:tc>
+                <a:extLst>
+                  <a:ext uri="{0D108BD9-81ED-4DB2-BD59-A6C34878D82A}">
+                    <a16:rowId xmlns:a16="http://schemas.microsoft.com/office/drawing/2014/main" val="2824086751"/>
+                  </a:ext>
+                </a:extLst>
+              </a:tr>
+            </a:tbl>
+          </a:graphicData>
+        </a:graphic>
+      </p:graphicFrame>
       <p:cxnSp>
         <p:nvCxnSpPr>
-          <p:cNvPr id="64" name="Straight Connector 63"/>
+          <p:cNvPr id="18" name="Straight Connector 17">
+            <a:extLst>
+              <a:ext uri="{FF2B5EF4-FFF2-40B4-BE49-F238E27FC236}">
+                <a16:creationId xmlns:a16="http://schemas.microsoft.com/office/drawing/2014/main" id="{6A835EF2-DB6F-4477-A4E8-9CC67BBA718B}"/>
+              </a:ext>
+            </a:extLst>
+          </p:cNvPr>
           <p:cNvCxnSpPr>
-            <a:stCxn id="53" idx="3"/>
-            <a:endCxn id="55" idx="1"/>
+            <a:cxnSpLocks/>
+            <a:endCxn id="15" idx="0"/>
           </p:cNvCxnSpPr>
           <p:nvPr/>
         </p:nvCxnSpPr>
         <p:spPr>
           <a:xfrm>
-            <a:off x="5104939" y="1439126"/>
-            <a:ext cx="862883" cy="0"/>
+            <a:off x="2944189" y="3505273"/>
+            <a:ext cx="0" cy="685727"/>
           </a:xfrm>
           <a:prstGeom prst="line">
             <a:avLst/>
           </a:prstGeom>
-          <a:ln>
-            <a:solidFill>
-              <a:schemeClr val="tx1"/>
-            </a:solidFill>
-          </a:ln>
         </p:spPr>
         <p:style>
           <a:lnRef idx="1">
@@ -3713,25 +4418,238 @@
           </a:fontRef>
         </p:style>
       </p:cxnSp>
+      <p:sp>
+        <p:nvSpPr>
+          <p:cNvPr id="22" name="TextBox 21">
+            <a:extLst>
+              <a:ext uri="{FF2B5EF4-FFF2-40B4-BE49-F238E27FC236}">
+                <a16:creationId xmlns:a16="http://schemas.microsoft.com/office/drawing/2014/main" id="{2D764FB0-6DBA-4F8A-A01D-8F2CC9EEE17E}"/>
+              </a:ext>
+            </a:extLst>
+          </p:cNvPr>
+          <p:cNvSpPr txBox="1"/>
+          <p:nvPr/>
+        </p:nvSpPr>
+        <p:spPr>
+          <a:xfrm>
+            <a:off x="7797800" y="2057473"/>
+            <a:ext cx="572051" cy="369332"/>
+          </a:xfrm>
+          <a:prstGeom prst="rect">
+            <a:avLst/>
+          </a:prstGeom>
+          <a:noFill/>
+        </p:spPr>
+        <p:txBody>
+          <a:bodyPr wrap="square" rtlCol="0">
+            <a:spAutoFit/>
+          </a:bodyPr>
+          <a:lstStyle/>
+          <a:p>
+            <a:r>
+              <a:rPr lang="en-US" dirty="0"/>
+              <a:t>1</a:t>
+            </a:r>
+          </a:p>
+        </p:txBody>
+      </p:sp>
+      <p:sp>
+        <p:nvSpPr>
+          <p:cNvPr id="23" name="TextBox 22">
+            <a:extLst>
+              <a:ext uri="{FF2B5EF4-FFF2-40B4-BE49-F238E27FC236}">
+                <a16:creationId xmlns:a16="http://schemas.microsoft.com/office/drawing/2014/main" id="{1604803A-D696-4FCF-A67F-37AE0EEEE191}"/>
+              </a:ext>
+            </a:extLst>
+          </p:cNvPr>
+          <p:cNvSpPr txBox="1"/>
+          <p:nvPr/>
+        </p:nvSpPr>
+        <p:spPr>
+          <a:xfrm>
+            <a:off x="7797799" y="3135941"/>
+            <a:ext cx="572051" cy="369332"/>
+          </a:xfrm>
+          <a:prstGeom prst="rect">
+            <a:avLst/>
+          </a:prstGeom>
+          <a:noFill/>
+        </p:spPr>
+        <p:txBody>
+          <a:bodyPr wrap="square" rtlCol="0">
+            <a:spAutoFit/>
+          </a:bodyPr>
+          <a:lstStyle/>
+          <a:p>
+            <a:r>
+              <a:rPr lang="en-US" dirty="0"/>
+              <a:t>*</a:t>
+            </a:r>
+          </a:p>
+        </p:txBody>
+      </p:sp>
+      <p:sp>
+        <p:nvSpPr>
+          <p:cNvPr id="24" name="TextBox 23">
+            <a:extLst>
+              <a:ext uri="{FF2B5EF4-FFF2-40B4-BE49-F238E27FC236}">
+                <a16:creationId xmlns:a16="http://schemas.microsoft.com/office/drawing/2014/main" id="{929EAEE8-840D-422F-8B4D-87C196B40F18}"/>
+              </a:ext>
+            </a:extLst>
+          </p:cNvPr>
+          <p:cNvSpPr txBox="1"/>
+          <p:nvPr/>
+        </p:nvSpPr>
+        <p:spPr>
+          <a:xfrm>
+            <a:off x="4428433" y="4326337"/>
+            <a:ext cx="572051" cy="369332"/>
+          </a:xfrm>
+          <a:prstGeom prst="rect">
+            <a:avLst/>
+          </a:prstGeom>
+          <a:noFill/>
+        </p:spPr>
+        <p:txBody>
+          <a:bodyPr wrap="square" rtlCol="0">
+            <a:spAutoFit/>
+          </a:bodyPr>
+          <a:lstStyle/>
+          <a:p>
+            <a:r>
+              <a:rPr lang="en-US" dirty="0"/>
+              <a:t>*</a:t>
+            </a:r>
+          </a:p>
+        </p:txBody>
+      </p:sp>
+      <p:sp>
+        <p:nvSpPr>
+          <p:cNvPr id="25" name="TextBox 24">
+            <a:extLst>
+              <a:ext uri="{FF2B5EF4-FFF2-40B4-BE49-F238E27FC236}">
+                <a16:creationId xmlns:a16="http://schemas.microsoft.com/office/drawing/2014/main" id="{4E548040-043D-4A37-A093-5501D566F80A}"/>
+              </a:ext>
+            </a:extLst>
+          </p:cNvPr>
+          <p:cNvSpPr txBox="1"/>
+          <p:nvPr/>
+        </p:nvSpPr>
+        <p:spPr>
+          <a:xfrm>
+            <a:off x="2944189" y="3867461"/>
+            <a:ext cx="572051" cy="369332"/>
+          </a:xfrm>
+          <a:prstGeom prst="rect">
+            <a:avLst/>
+          </a:prstGeom>
+          <a:noFill/>
+        </p:spPr>
+        <p:txBody>
+          <a:bodyPr wrap="square" rtlCol="0">
+            <a:spAutoFit/>
+          </a:bodyPr>
+          <a:lstStyle/>
+          <a:p>
+            <a:r>
+              <a:rPr lang="en-US" dirty="0"/>
+              <a:t>*</a:t>
+            </a:r>
+          </a:p>
+        </p:txBody>
+      </p:sp>
+      <p:sp>
+        <p:nvSpPr>
+          <p:cNvPr id="26" name="TextBox 25">
+            <a:extLst>
+              <a:ext uri="{FF2B5EF4-FFF2-40B4-BE49-F238E27FC236}">
+                <a16:creationId xmlns:a16="http://schemas.microsoft.com/office/drawing/2014/main" id="{C648EDA2-694B-49FB-962C-09D8532D83E8}"/>
+              </a:ext>
+            </a:extLst>
+          </p:cNvPr>
+          <p:cNvSpPr txBox="1"/>
+          <p:nvPr/>
+        </p:nvSpPr>
+        <p:spPr>
+          <a:xfrm>
+            <a:off x="2882343" y="3498129"/>
+            <a:ext cx="572051" cy="369332"/>
+          </a:xfrm>
+          <a:prstGeom prst="rect">
+            <a:avLst/>
+          </a:prstGeom>
+          <a:noFill/>
+        </p:spPr>
+        <p:txBody>
+          <a:bodyPr wrap="square" rtlCol="0">
+            <a:spAutoFit/>
+          </a:bodyPr>
+          <a:lstStyle/>
+          <a:p>
+            <a:r>
+              <a:rPr lang="en-US" dirty="0"/>
+              <a:t>1</a:t>
+            </a:r>
+          </a:p>
+        </p:txBody>
+      </p:sp>
+      <p:sp>
+        <p:nvSpPr>
+          <p:cNvPr id="27" name="TextBox 26">
+            <a:extLst>
+              <a:ext uri="{FF2B5EF4-FFF2-40B4-BE49-F238E27FC236}">
+                <a16:creationId xmlns:a16="http://schemas.microsoft.com/office/drawing/2014/main" id="{1FC84867-4EA1-418A-B297-D77B4B26D2AB}"/>
+              </a:ext>
+            </a:extLst>
+          </p:cNvPr>
+          <p:cNvSpPr txBox="1"/>
+          <p:nvPr/>
+        </p:nvSpPr>
+        <p:spPr>
+          <a:xfrm>
+            <a:off x="6175510" y="4236793"/>
+            <a:ext cx="676956" cy="369332"/>
+          </a:xfrm>
+          <a:prstGeom prst="rect">
+            <a:avLst/>
+          </a:prstGeom>
+          <a:noFill/>
+        </p:spPr>
+        <p:txBody>
+          <a:bodyPr wrap="square" rtlCol="0">
+            <a:spAutoFit/>
+          </a:bodyPr>
+          <a:lstStyle/>
+          <a:p>
+            <a:r>
+              <a:rPr lang="en-US" dirty="0"/>
+              <a:t>1</a:t>
+            </a:r>
+          </a:p>
+        </p:txBody>
+      </p:sp>
       <p:cxnSp>
         <p:nvCxnSpPr>
-          <p:cNvPr id="65" name="Straight Connector 64"/>
-          <p:cNvCxnSpPr/>
+          <p:cNvPr id="12" name="Straight Connector 11">
+            <a:extLst>
+              <a:ext uri="{FF2B5EF4-FFF2-40B4-BE49-F238E27FC236}">
+                <a16:creationId xmlns:a16="http://schemas.microsoft.com/office/drawing/2014/main" id="{108818F9-F2C7-490E-BB45-A61094E7D644}"/>
+              </a:ext>
+            </a:extLst>
+          </p:cNvPr>
+          <p:cNvCxnSpPr>
+            <a:endCxn id="27" idx="2"/>
+          </p:cNvCxnSpPr>
           <p:nvPr/>
         </p:nvCxnSpPr>
         <p:spPr>
           <a:xfrm>
-            <a:off x="2421277" y="1229355"/>
-            <a:ext cx="862883" cy="0"/>
+            <a:off x="4479232" y="4606125"/>
+            <a:ext cx="2034756" cy="0"/>
           </a:xfrm>
           <a:prstGeom prst="line">
             <a:avLst/>
           </a:prstGeom>
-          <a:ln>
-            <a:solidFill>
-              <a:schemeClr val="tx1"/>
-            </a:solidFill>
-          </a:ln>
         </p:spPr>
         <p:style>
           <a:lnRef idx="1">
@@ -3748,1660 +4666,10 @@
           </a:fontRef>
         </p:style>
       </p:cxnSp>
-      <p:cxnSp>
-        <p:nvCxnSpPr>
-          <p:cNvPr id="66" name="Straight Connector 65"/>
-          <p:cNvCxnSpPr>
-            <a:endCxn id="61" idx="0"/>
-          </p:cNvCxnSpPr>
-          <p:nvPr/>
-        </p:nvCxnSpPr>
-        <p:spPr>
-          <a:xfrm>
-            <a:off x="1532288" y="2656354"/>
-            <a:ext cx="0" cy="1530447"/>
-          </a:xfrm>
-          <a:prstGeom prst="line">
-            <a:avLst/>
-          </a:prstGeom>
-          <a:ln>
-            <a:solidFill>
-              <a:schemeClr val="tx1"/>
-            </a:solidFill>
-          </a:ln>
-        </p:spPr>
-        <p:style>
-          <a:lnRef idx="1">
-            <a:schemeClr val="accent1"/>
-          </a:lnRef>
-          <a:fillRef idx="0">
-            <a:schemeClr val="accent1"/>
-          </a:fillRef>
-          <a:effectRef idx="0">
-            <a:schemeClr val="accent1"/>
-          </a:effectRef>
-          <a:fontRef idx="minor">
-            <a:schemeClr val="tx1"/>
-          </a:fontRef>
-        </p:style>
-      </p:cxnSp>
-      <p:cxnSp>
-        <p:nvCxnSpPr>
-          <p:cNvPr id="67" name="Straight Connector 66"/>
-          <p:cNvCxnSpPr/>
-          <p:nvPr/>
-        </p:nvCxnSpPr>
-        <p:spPr>
-          <a:xfrm>
-            <a:off x="6884740" y="2674531"/>
-            <a:ext cx="42822" cy="1491186"/>
-          </a:xfrm>
-          <a:prstGeom prst="line">
-            <a:avLst/>
-          </a:prstGeom>
-          <a:ln>
-            <a:solidFill>
-              <a:schemeClr val="tx1"/>
-            </a:solidFill>
-          </a:ln>
-        </p:spPr>
-        <p:style>
-          <a:lnRef idx="1">
-            <a:schemeClr val="accent1"/>
-          </a:lnRef>
-          <a:fillRef idx="0">
-            <a:schemeClr val="accent1"/>
-          </a:fillRef>
-          <a:effectRef idx="0">
-            <a:schemeClr val="accent1"/>
-          </a:effectRef>
-          <a:fontRef idx="minor">
-            <a:schemeClr val="tx1"/>
-          </a:fontRef>
-        </p:style>
-      </p:cxnSp>
-      <p:cxnSp>
-        <p:nvCxnSpPr>
-          <p:cNvPr id="68" name="Straight Connector 67"/>
-          <p:cNvCxnSpPr/>
-          <p:nvPr/>
-        </p:nvCxnSpPr>
-        <p:spPr>
-          <a:xfrm>
-            <a:off x="656870" y="705893"/>
-            <a:ext cx="1764407" cy="0"/>
-          </a:xfrm>
-          <a:prstGeom prst="line">
-            <a:avLst/>
-          </a:prstGeom>
-          <a:ln>
-            <a:solidFill>
-              <a:schemeClr val="tx1"/>
-            </a:solidFill>
-          </a:ln>
-        </p:spPr>
-        <p:style>
-          <a:lnRef idx="1">
-            <a:schemeClr val="accent1"/>
-          </a:lnRef>
-          <a:fillRef idx="0">
-            <a:schemeClr val="accent1"/>
-          </a:fillRef>
-          <a:effectRef idx="0">
-            <a:schemeClr val="accent1"/>
-          </a:effectRef>
-          <a:fontRef idx="minor">
-            <a:schemeClr val="tx1"/>
-          </a:fontRef>
-        </p:style>
-      </p:cxnSp>
-      <p:cxnSp>
-        <p:nvCxnSpPr>
-          <p:cNvPr id="69" name="Straight Connector 68"/>
-          <p:cNvCxnSpPr/>
-          <p:nvPr/>
-        </p:nvCxnSpPr>
-        <p:spPr>
-          <a:xfrm>
-            <a:off x="3340532" y="684290"/>
-            <a:ext cx="1764407" cy="0"/>
-          </a:xfrm>
-          <a:prstGeom prst="line">
-            <a:avLst/>
-          </a:prstGeom>
-          <a:ln>
-            <a:solidFill>
-              <a:schemeClr val="tx1"/>
-            </a:solidFill>
-          </a:ln>
-        </p:spPr>
-        <p:style>
-          <a:lnRef idx="1">
-            <a:schemeClr val="accent1"/>
-          </a:lnRef>
-          <a:fillRef idx="0">
-            <a:schemeClr val="accent1"/>
-          </a:fillRef>
-          <a:effectRef idx="0">
-            <a:schemeClr val="accent1"/>
-          </a:effectRef>
-          <a:fontRef idx="minor">
-            <a:schemeClr val="tx1"/>
-          </a:fontRef>
-        </p:style>
-      </p:cxnSp>
-      <p:cxnSp>
-        <p:nvCxnSpPr>
-          <p:cNvPr id="70" name="Straight Connector 69"/>
-          <p:cNvCxnSpPr/>
-          <p:nvPr/>
-        </p:nvCxnSpPr>
-        <p:spPr>
-          <a:xfrm>
-            <a:off x="5967822" y="705893"/>
-            <a:ext cx="1764407" cy="0"/>
-          </a:xfrm>
-          <a:prstGeom prst="line">
-            <a:avLst/>
-          </a:prstGeom>
-          <a:ln>
-            <a:solidFill>
-              <a:schemeClr val="tx1"/>
-            </a:solidFill>
-          </a:ln>
-        </p:spPr>
-        <p:style>
-          <a:lnRef idx="1">
-            <a:schemeClr val="accent1"/>
-          </a:lnRef>
-          <a:fillRef idx="0">
-            <a:schemeClr val="accent1"/>
-          </a:fillRef>
-          <a:effectRef idx="0">
-            <a:schemeClr val="accent1"/>
-          </a:effectRef>
-          <a:fontRef idx="minor">
-            <a:schemeClr val="tx1"/>
-          </a:fontRef>
-        </p:style>
-      </p:cxnSp>
-      <p:cxnSp>
-        <p:nvCxnSpPr>
-          <p:cNvPr id="71" name="Straight Connector 70"/>
-          <p:cNvCxnSpPr/>
-          <p:nvPr/>
-        </p:nvCxnSpPr>
-        <p:spPr>
-          <a:xfrm>
-            <a:off x="9232844" y="705893"/>
-            <a:ext cx="1764407" cy="0"/>
-          </a:xfrm>
-          <a:prstGeom prst="line">
-            <a:avLst/>
-          </a:prstGeom>
-          <a:ln>
-            <a:solidFill>
-              <a:schemeClr val="tx1"/>
-            </a:solidFill>
-          </a:ln>
-        </p:spPr>
-        <p:style>
-          <a:lnRef idx="1">
-            <a:schemeClr val="accent1"/>
-          </a:lnRef>
-          <a:fillRef idx="0">
-            <a:schemeClr val="accent1"/>
-          </a:fillRef>
-          <a:effectRef idx="0">
-            <a:schemeClr val="accent1"/>
-          </a:effectRef>
-          <a:fontRef idx="minor">
-            <a:schemeClr val="tx1"/>
-          </a:fontRef>
-        </p:style>
-      </p:cxnSp>
-      <p:cxnSp>
-        <p:nvCxnSpPr>
-          <p:cNvPr id="72" name="Straight Connector 71"/>
-          <p:cNvCxnSpPr/>
-          <p:nvPr/>
-        </p:nvCxnSpPr>
-        <p:spPr>
-          <a:xfrm>
-            <a:off x="650081" y="4659166"/>
-            <a:ext cx="1764407" cy="0"/>
-          </a:xfrm>
-          <a:prstGeom prst="line">
-            <a:avLst/>
-          </a:prstGeom>
-          <a:ln>
-            <a:solidFill>
-              <a:schemeClr val="tx1"/>
-            </a:solidFill>
-          </a:ln>
-        </p:spPr>
-        <p:style>
-          <a:lnRef idx="1">
-            <a:schemeClr val="accent1"/>
-          </a:lnRef>
-          <a:fillRef idx="0">
-            <a:schemeClr val="accent1"/>
-          </a:fillRef>
-          <a:effectRef idx="0">
-            <a:schemeClr val="accent1"/>
-          </a:effectRef>
-          <a:fontRef idx="minor">
-            <a:schemeClr val="tx1"/>
-          </a:fontRef>
-        </p:style>
-      </p:cxnSp>
-      <p:cxnSp>
-        <p:nvCxnSpPr>
-          <p:cNvPr id="73" name="Straight Connector 72"/>
-          <p:cNvCxnSpPr/>
-          <p:nvPr/>
-        </p:nvCxnSpPr>
-        <p:spPr>
-          <a:xfrm>
-            <a:off x="5955268" y="4592486"/>
-            <a:ext cx="1764407" cy="0"/>
-          </a:xfrm>
-          <a:prstGeom prst="line">
-            <a:avLst/>
-          </a:prstGeom>
-          <a:ln>
-            <a:solidFill>
-              <a:schemeClr val="tx1"/>
-            </a:solidFill>
-          </a:ln>
-        </p:spPr>
-        <p:style>
-          <a:lnRef idx="1">
-            <a:schemeClr val="accent1"/>
-          </a:lnRef>
-          <a:fillRef idx="0">
-            <a:schemeClr val="accent1"/>
-          </a:fillRef>
-          <a:effectRef idx="0">
-            <a:schemeClr val="accent1"/>
-          </a:effectRef>
-          <a:fontRef idx="minor">
-            <a:schemeClr val="tx1"/>
-          </a:fontRef>
-        </p:style>
-      </p:cxnSp>
-      <p:sp>
-        <p:nvSpPr>
-          <p:cNvPr id="74" name="TextBox 73"/>
-          <p:cNvSpPr txBox="1"/>
-          <p:nvPr/>
-        </p:nvSpPr>
-        <p:spPr>
-          <a:xfrm>
-            <a:off x="3567083" y="1093040"/>
-            <a:ext cx="1231299" cy="369332"/>
-          </a:xfrm>
-          <a:prstGeom prst="rect">
-            <a:avLst/>
-          </a:prstGeom>
-          <a:noFill/>
-        </p:spPr>
-        <p:txBody>
-          <a:bodyPr wrap="none" rtlCol="0">
-            <a:spAutoFit/>
-          </a:bodyPr>
-          <a:lstStyle/>
-          <a:p>
-            <a:r>
-              <a:rPr lang="en-US" dirty="0" smtClean="0"/>
-              <a:t>first_name</a:t>
-            </a:r>
-            <a:endParaRPr lang="en-US" dirty="0"/>
-          </a:p>
-        </p:txBody>
-      </p:sp>
-      <p:sp>
-        <p:nvSpPr>
-          <p:cNvPr id="75" name="TextBox 74"/>
-          <p:cNvSpPr txBox="1"/>
-          <p:nvPr/>
-        </p:nvSpPr>
-        <p:spPr>
-          <a:xfrm>
-            <a:off x="3554818" y="1350878"/>
-            <a:ext cx="1159933" cy="369332"/>
-          </a:xfrm>
-          <a:prstGeom prst="rect">
-            <a:avLst/>
-          </a:prstGeom>
-          <a:noFill/>
-        </p:spPr>
-        <p:txBody>
-          <a:bodyPr wrap="none" rtlCol="0">
-            <a:spAutoFit/>
-          </a:bodyPr>
-          <a:lstStyle/>
-          <a:p>
-            <a:r>
-              <a:rPr lang="en-US" dirty="0" smtClean="0"/>
-              <a:t>last_name</a:t>
-            </a:r>
-            <a:endParaRPr lang="en-US" dirty="0"/>
-          </a:p>
-        </p:txBody>
-      </p:sp>
-      <p:sp>
-        <p:nvSpPr>
-          <p:cNvPr id="76" name="TextBox 75"/>
-          <p:cNvSpPr txBox="1"/>
-          <p:nvPr/>
-        </p:nvSpPr>
-        <p:spPr>
-          <a:xfrm>
-            <a:off x="6243812" y="1053320"/>
-            <a:ext cx="684675" cy="369332"/>
-          </a:xfrm>
-          <a:prstGeom prst="rect">
-            <a:avLst/>
-          </a:prstGeom>
-          <a:noFill/>
-        </p:spPr>
-        <p:txBody>
-          <a:bodyPr wrap="none" rtlCol="0">
-            <a:spAutoFit/>
-          </a:bodyPr>
-          <a:lstStyle/>
-          <a:p>
-            <a:r>
-              <a:rPr lang="en-US" dirty="0" smtClean="0"/>
-              <a:t>score</a:t>
-            </a:r>
-            <a:endParaRPr lang="en-US" dirty="0"/>
-          </a:p>
-        </p:txBody>
-      </p:sp>
-      <p:sp>
-        <p:nvSpPr>
-          <p:cNvPr id="77" name="TextBox 76"/>
-          <p:cNvSpPr txBox="1"/>
-          <p:nvPr/>
-        </p:nvSpPr>
-        <p:spPr>
-          <a:xfrm>
-            <a:off x="9512669" y="1051656"/>
-            <a:ext cx="559769" cy="369332"/>
-          </a:xfrm>
-          <a:prstGeom prst="rect">
-            <a:avLst/>
-          </a:prstGeom>
-          <a:noFill/>
-        </p:spPr>
-        <p:txBody>
-          <a:bodyPr wrap="none" rtlCol="0">
-            <a:spAutoFit/>
-          </a:bodyPr>
-          <a:lstStyle/>
-          <a:p>
-            <a:r>
-              <a:rPr lang="en-US" dirty="0" smtClean="0"/>
-              <a:t>title</a:t>
-            </a:r>
-            <a:endParaRPr lang="en-US" dirty="0"/>
-          </a:p>
-        </p:txBody>
-      </p:sp>
-      <p:sp>
-        <p:nvSpPr>
-          <p:cNvPr id="78" name="TextBox 77"/>
-          <p:cNvSpPr txBox="1"/>
-          <p:nvPr/>
-        </p:nvSpPr>
-        <p:spPr>
-          <a:xfrm>
-            <a:off x="9543336" y="755280"/>
-            <a:ext cx="364202" cy="369332"/>
-          </a:xfrm>
-          <a:prstGeom prst="rect">
-            <a:avLst/>
-          </a:prstGeom>
-          <a:noFill/>
-        </p:spPr>
-        <p:txBody>
-          <a:bodyPr wrap="none" rtlCol="0">
-            <a:spAutoFit/>
-          </a:bodyPr>
-          <a:lstStyle/>
-          <a:p>
-            <a:r>
-              <a:rPr lang="en-US" b="1" dirty="0" smtClean="0"/>
-              <a:t>id</a:t>
-            </a:r>
-            <a:endParaRPr lang="en-US" b="1" dirty="0"/>
-          </a:p>
-        </p:txBody>
-      </p:sp>
-      <p:sp>
-        <p:nvSpPr>
-          <p:cNvPr id="79" name="TextBox 78"/>
-          <p:cNvSpPr txBox="1"/>
-          <p:nvPr/>
-        </p:nvSpPr>
-        <p:spPr>
-          <a:xfrm>
-            <a:off x="6287064" y="787274"/>
-            <a:ext cx="364202" cy="369332"/>
-          </a:xfrm>
-          <a:prstGeom prst="rect">
-            <a:avLst/>
-          </a:prstGeom>
-          <a:noFill/>
-        </p:spPr>
-        <p:txBody>
-          <a:bodyPr wrap="none" rtlCol="0">
-            <a:spAutoFit/>
-          </a:bodyPr>
-          <a:lstStyle/>
-          <a:p>
-            <a:r>
-              <a:rPr lang="en-US" b="1" dirty="0" smtClean="0"/>
-              <a:t>id</a:t>
-            </a:r>
-            <a:endParaRPr lang="en-US" b="1" dirty="0"/>
-          </a:p>
-        </p:txBody>
-      </p:sp>
-      <p:sp>
-        <p:nvSpPr>
-          <p:cNvPr id="80" name="TextBox 79"/>
-          <p:cNvSpPr txBox="1"/>
-          <p:nvPr/>
-        </p:nvSpPr>
-        <p:spPr>
-          <a:xfrm>
-            <a:off x="3598367" y="787274"/>
-            <a:ext cx="364202" cy="369332"/>
-          </a:xfrm>
-          <a:prstGeom prst="rect">
-            <a:avLst/>
-          </a:prstGeom>
-          <a:noFill/>
-        </p:spPr>
-        <p:txBody>
-          <a:bodyPr wrap="none" rtlCol="0">
-            <a:spAutoFit/>
-          </a:bodyPr>
-          <a:lstStyle/>
-          <a:p>
-            <a:r>
-              <a:rPr lang="en-US" b="1" dirty="0" smtClean="0"/>
-              <a:t>id</a:t>
-            </a:r>
-            <a:endParaRPr lang="en-US" b="1" dirty="0"/>
-          </a:p>
-        </p:txBody>
-      </p:sp>
-      <p:sp>
-        <p:nvSpPr>
-          <p:cNvPr id="81" name="TextBox 80"/>
-          <p:cNvSpPr txBox="1"/>
-          <p:nvPr/>
-        </p:nvSpPr>
-        <p:spPr>
-          <a:xfrm>
-            <a:off x="978566" y="800151"/>
-            <a:ext cx="364202" cy="369332"/>
-          </a:xfrm>
-          <a:prstGeom prst="rect">
-            <a:avLst/>
-          </a:prstGeom>
-          <a:noFill/>
-        </p:spPr>
-        <p:txBody>
-          <a:bodyPr wrap="none" rtlCol="0">
-            <a:spAutoFit/>
-          </a:bodyPr>
-          <a:lstStyle/>
-          <a:p>
-            <a:r>
-              <a:rPr lang="en-US" b="1" dirty="0" smtClean="0"/>
-              <a:t>id</a:t>
-            </a:r>
-            <a:endParaRPr lang="en-US" b="1" dirty="0"/>
-          </a:p>
-        </p:txBody>
-      </p:sp>
-      <p:sp>
-        <p:nvSpPr>
-          <p:cNvPr id="82" name="TextBox 81"/>
-          <p:cNvSpPr txBox="1"/>
-          <p:nvPr/>
-        </p:nvSpPr>
-        <p:spPr>
-          <a:xfrm>
-            <a:off x="923618" y="1111784"/>
-            <a:ext cx="716863" cy="369332"/>
-          </a:xfrm>
-          <a:prstGeom prst="rect">
-            <a:avLst/>
-          </a:prstGeom>
-          <a:noFill/>
-        </p:spPr>
-        <p:txBody>
-          <a:bodyPr wrap="none" rtlCol="0">
-            <a:spAutoFit/>
-          </a:bodyPr>
-          <a:lstStyle/>
-          <a:p>
-            <a:r>
-              <a:rPr lang="en-US" dirty="0" smtClean="0"/>
-              <a:t>name</a:t>
-            </a:r>
-            <a:endParaRPr lang="en-US" dirty="0"/>
-          </a:p>
-        </p:txBody>
-      </p:sp>
-      <p:sp>
-        <p:nvSpPr>
-          <p:cNvPr id="83" name="TextBox 82"/>
-          <p:cNvSpPr txBox="1"/>
-          <p:nvPr/>
-        </p:nvSpPr>
-        <p:spPr>
-          <a:xfrm>
-            <a:off x="6333794" y="5032084"/>
-            <a:ext cx="559769" cy="369332"/>
-          </a:xfrm>
-          <a:prstGeom prst="rect">
-            <a:avLst/>
-          </a:prstGeom>
-          <a:noFill/>
-        </p:spPr>
-        <p:txBody>
-          <a:bodyPr wrap="none" rtlCol="0">
-            <a:spAutoFit/>
-          </a:bodyPr>
-          <a:lstStyle/>
-          <a:p>
-            <a:r>
-              <a:rPr lang="en-US" dirty="0" smtClean="0"/>
-              <a:t>title</a:t>
-            </a:r>
-            <a:endParaRPr lang="en-US" dirty="0"/>
-          </a:p>
-        </p:txBody>
-      </p:sp>
-      <p:sp>
-        <p:nvSpPr>
-          <p:cNvPr id="84" name="TextBox 83"/>
-          <p:cNvSpPr txBox="1"/>
-          <p:nvPr/>
-        </p:nvSpPr>
-        <p:spPr>
-          <a:xfrm>
-            <a:off x="6386433" y="4673967"/>
-            <a:ext cx="364202" cy="369332"/>
-          </a:xfrm>
-          <a:prstGeom prst="rect">
-            <a:avLst/>
-          </a:prstGeom>
-          <a:noFill/>
-        </p:spPr>
-        <p:txBody>
-          <a:bodyPr wrap="none" rtlCol="0">
-            <a:spAutoFit/>
-          </a:bodyPr>
-          <a:lstStyle/>
-          <a:p>
-            <a:r>
-              <a:rPr lang="en-US" b="1" dirty="0" smtClean="0"/>
-              <a:t>id</a:t>
-            </a:r>
-            <a:endParaRPr lang="en-US" b="1" dirty="0"/>
-          </a:p>
-        </p:txBody>
-      </p:sp>
-      <p:sp>
-        <p:nvSpPr>
-          <p:cNvPr id="85" name="TextBox 84"/>
-          <p:cNvSpPr txBox="1"/>
-          <p:nvPr/>
-        </p:nvSpPr>
-        <p:spPr>
-          <a:xfrm>
-            <a:off x="3567083" y="1608716"/>
-            <a:ext cx="485774" cy="369332"/>
-          </a:xfrm>
-          <a:prstGeom prst="rect">
-            <a:avLst/>
-          </a:prstGeom>
-          <a:noFill/>
-        </p:spPr>
-        <p:txBody>
-          <a:bodyPr wrap="none" rtlCol="0">
-            <a:spAutoFit/>
-          </a:bodyPr>
-          <a:lstStyle/>
-          <a:p>
-            <a:r>
-              <a:rPr lang="en-US" dirty="0" smtClean="0"/>
-              <a:t>sex</a:t>
-            </a:r>
-            <a:endParaRPr lang="en-US" dirty="0"/>
-          </a:p>
-        </p:txBody>
-      </p:sp>
-      <p:sp>
-        <p:nvSpPr>
-          <p:cNvPr id="86" name="TextBox 85"/>
-          <p:cNvSpPr txBox="1"/>
-          <p:nvPr/>
-        </p:nvSpPr>
-        <p:spPr>
-          <a:xfrm>
-            <a:off x="998712" y="4769421"/>
-            <a:ext cx="364202" cy="369332"/>
-          </a:xfrm>
-          <a:prstGeom prst="rect">
-            <a:avLst/>
-          </a:prstGeom>
-          <a:noFill/>
-        </p:spPr>
-        <p:txBody>
-          <a:bodyPr wrap="none" rtlCol="0">
-            <a:spAutoFit/>
-          </a:bodyPr>
-          <a:lstStyle/>
-          <a:p>
-            <a:r>
-              <a:rPr lang="en-US" b="1" dirty="0" smtClean="0"/>
-              <a:t>id</a:t>
-            </a:r>
-            <a:endParaRPr lang="en-US" b="1" dirty="0"/>
-          </a:p>
-        </p:txBody>
-      </p:sp>
-      <p:sp>
-        <p:nvSpPr>
-          <p:cNvPr id="87" name="TextBox 86"/>
-          <p:cNvSpPr txBox="1"/>
-          <p:nvPr/>
-        </p:nvSpPr>
-        <p:spPr>
-          <a:xfrm>
-            <a:off x="1006003" y="5090145"/>
-            <a:ext cx="716863" cy="369332"/>
-          </a:xfrm>
-          <a:prstGeom prst="rect">
-            <a:avLst/>
-          </a:prstGeom>
-          <a:noFill/>
-        </p:spPr>
-        <p:txBody>
-          <a:bodyPr wrap="none" rtlCol="0">
-            <a:spAutoFit/>
-          </a:bodyPr>
-          <a:lstStyle/>
-          <a:p>
-            <a:r>
-              <a:rPr lang="en-US" smtClean="0"/>
-              <a:t>name</a:t>
-            </a:r>
-            <a:endParaRPr lang="en-US" dirty="0"/>
-          </a:p>
-        </p:txBody>
-      </p:sp>
-      <p:sp>
-        <p:nvSpPr>
-          <p:cNvPr id="88" name="TextBox 87"/>
-          <p:cNvSpPr txBox="1"/>
-          <p:nvPr/>
-        </p:nvSpPr>
-        <p:spPr>
-          <a:xfrm>
-            <a:off x="2456749" y="895546"/>
-            <a:ext cx="301686" cy="369332"/>
-          </a:xfrm>
-          <a:prstGeom prst="rect">
-            <a:avLst/>
-          </a:prstGeom>
-          <a:noFill/>
-        </p:spPr>
-        <p:txBody>
-          <a:bodyPr wrap="none" rtlCol="0">
-            <a:spAutoFit/>
-          </a:bodyPr>
-          <a:lstStyle/>
-          <a:p>
-            <a:r>
-              <a:rPr lang="en-US" dirty="0" smtClean="0">
-                <a:solidFill>
-                  <a:schemeClr val="accent1"/>
-                </a:solidFill>
-              </a:rPr>
-              <a:t>1</a:t>
-            </a:r>
-            <a:endParaRPr lang="en-US" dirty="0">
-              <a:solidFill>
-                <a:schemeClr val="accent1"/>
-              </a:solidFill>
-            </a:endParaRPr>
-          </a:p>
-        </p:txBody>
-      </p:sp>
-      <p:sp>
-        <p:nvSpPr>
-          <p:cNvPr id="89" name="TextBox 88"/>
-          <p:cNvSpPr txBox="1"/>
-          <p:nvPr/>
-        </p:nvSpPr>
-        <p:spPr>
-          <a:xfrm>
-            <a:off x="2948059" y="933147"/>
-            <a:ext cx="301686" cy="369332"/>
-          </a:xfrm>
-          <a:prstGeom prst="rect">
-            <a:avLst/>
-          </a:prstGeom>
-          <a:noFill/>
-        </p:spPr>
-        <p:txBody>
-          <a:bodyPr wrap="none" rtlCol="0">
-            <a:spAutoFit/>
-          </a:bodyPr>
-          <a:lstStyle/>
-          <a:p>
-            <a:r>
-              <a:rPr lang="en-US" dirty="0" smtClean="0">
-                <a:solidFill>
-                  <a:schemeClr val="accent1"/>
-                </a:solidFill>
-              </a:rPr>
-              <a:t>*</a:t>
-            </a:r>
-            <a:endParaRPr lang="en-US" dirty="0">
-              <a:solidFill>
-                <a:schemeClr val="accent1"/>
-              </a:solidFill>
-            </a:endParaRPr>
-          </a:p>
-        </p:txBody>
-      </p:sp>
-      <p:sp>
-        <p:nvSpPr>
-          <p:cNvPr id="90" name="TextBox 89"/>
-          <p:cNvSpPr txBox="1"/>
-          <p:nvPr/>
-        </p:nvSpPr>
-        <p:spPr>
-          <a:xfrm>
-            <a:off x="5149269" y="878302"/>
-            <a:ext cx="301686" cy="369332"/>
-          </a:xfrm>
-          <a:prstGeom prst="rect">
-            <a:avLst/>
-          </a:prstGeom>
-          <a:noFill/>
-        </p:spPr>
-        <p:txBody>
-          <a:bodyPr wrap="none" rtlCol="0">
-            <a:spAutoFit/>
-          </a:bodyPr>
-          <a:lstStyle/>
-          <a:p>
-            <a:r>
-              <a:rPr lang="en-US" dirty="0" smtClean="0">
-                <a:solidFill>
-                  <a:schemeClr val="accent1"/>
-                </a:solidFill>
-              </a:rPr>
-              <a:t>1</a:t>
-            </a:r>
-            <a:endParaRPr lang="en-US" dirty="0">
-              <a:solidFill>
-                <a:schemeClr val="accent1"/>
-              </a:solidFill>
-            </a:endParaRPr>
-          </a:p>
-        </p:txBody>
-      </p:sp>
-      <p:sp>
-        <p:nvSpPr>
-          <p:cNvPr id="91" name="TextBox 90"/>
-          <p:cNvSpPr txBox="1"/>
-          <p:nvPr/>
-        </p:nvSpPr>
-        <p:spPr>
-          <a:xfrm>
-            <a:off x="5640579" y="915903"/>
-            <a:ext cx="301686" cy="369332"/>
-          </a:xfrm>
-          <a:prstGeom prst="rect">
-            <a:avLst/>
-          </a:prstGeom>
-          <a:noFill/>
-        </p:spPr>
-        <p:txBody>
-          <a:bodyPr wrap="none" rtlCol="0">
-            <a:spAutoFit/>
-          </a:bodyPr>
-          <a:lstStyle/>
-          <a:p>
-            <a:r>
-              <a:rPr lang="en-US" dirty="0" smtClean="0">
-                <a:solidFill>
-                  <a:schemeClr val="accent1"/>
-                </a:solidFill>
-              </a:rPr>
-              <a:t>*</a:t>
-            </a:r>
-            <a:endParaRPr lang="en-US" dirty="0">
-              <a:solidFill>
-                <a:schemeClr val="accent1"/>
-              </a:solidFill>
-            </a:endParaRPr>
-          </a:p>
-        </p:txBody>
-      </p:sp>
-      <p:sp>
-        <p:nvSpPr>
-          <p:cNvPr id="92" name="TextBox 91"/>
-          <p:cNvSpPr txBox="1"/>
-          <p:nvPr/>
-        </p:nvSpPr>
-        <p:spPr>
-          <a:xfrm>
-            <a:off x="8899781" y="888691"/>
-            <a:ext cx="301686" cy="369332"/>
-          </a:xfrm>
-          <a:prstGeom prst="rect">
-            <a:avLst/>
-          </a:prstGeom>
-          <a:noFill/>
-        </p:spPr>
-        <p:txBody>
-          <a:bodyPr wrap="none" rtlCol="0">
-            <a:spAutoFit/>
-          </a:bodyPr>
-          <a:lstStyle/>
-          <a:p>
-            <a:r>
-              <a:rPr lang="en-US" dirty="0" smtClean="0">
-                <a:solidFill>
-                  <a:schemeClr val="accent1"/>
-                </a:solidFill>
-              </a:rPr>
-              <a:t>1</a:t>
-            </a:r>
-            <a:endParaRPr lang="en-US" dirty="0">
-              <a:solidFill>
-                <a:schemeClr val="accent1"/>
-              </a:solidFill>
-            </a:endParaRPr>
-          </a:p>
-        </p:txBody>
-      </p:sp>
-      <p:sp>
-        <p:nvSpPr>
-          <p:cNvPr id="93" name="TextBox 92"/>
-          <p:cNvSpPr txBox="1"/>
-          <p:nvPr/>
-        </p:nvSpPr>
-        <p:spPr>
-          <a:xfrm>
-            <a:off x="7897559" y="927118"/>
-            <a:ext cx="301686" cy="369332"/>
-          </a:xfrm>
-          <a:prstGeom prst="rect">
-            <a:avLst/>
-          </a:prstGeom>
-          <a:noFill/>
-        </p:spPr>
-        <p:txBody>
-          <a:bodyPr wrap="none" rtlCol="0">
-            <a:spAutoFit/>
-          </a:bodyPr>
-          <a:lstStyle/>
-          <a:p>
-            <a:r>
-              <a:rPr lang="en-US" dirty="0" smtClean="0">
-                <a:solidFill>
-                  <a:schemeClr val="accent1"/>
-                </a:solidFill>
-              </a:rPr>
-              <a:t>*</a:t>
-            </a:r>
-            <a:endParaRPr lang="en-US" dirty="0">
-              <a:solidFill>
-                <a:schemeClr val="accent1"/>
-              </a:solidFill>
-            </a:endParaRPr>
-          </a:p>
-        </p:txBody>
-      </p:sp>
-      <p:sp>
-        <p:nvSpPr>
-          <p:cNvPr id="94" name="TextBox 93"/>
-          <p:cNvSpPr txBox="1"/>
-          <p:nvPr/>
-        </p:nvSpPr>
-        <p:spPr>
-          <a:xfrm>
-            <a:off x="6927562" y="3844734"/>
-            <a:ext cx="301686" cy="369332"/>
-          </a:xfrm>
-          <a:prstGeom prst="rect">
-            <a:avLst/>
-          </a:prstGeom>
-          <a:noFill/>
-        </p:spPr>
-        <p:txBody>
-          <a:bodyPr wrap="none" rtlCol="0">
-            <a:spAutoFit/>
-          </a:bodyPr>
-          <a:lstStyle/>
-          <a:p>
-            <a:r>
-              <a:rPr lang="en-US" dirty="0" smtClean="0">
-                <a:solidFill>
-                  <a:schemeClr val="accent1"/>
-                </a:solidFill>
-              </a:rPr>
-              <a:t>1</a:t>
-            </a:r>
-            <a:endParaRPr lang="en-US" dirty="0">
-              <a:solidFill>
-                <a:schemeClr val="accent1"/>
-              </a:solidFill>
-            </a:endParaRPr>
-          </a:p>
-        </p:txBody>
-      </p:sp>
-      <p:sp>
-        <p:nvSpPr>
-          <p:cNvPr id="95" name="TextBox 94"/>
-          <p:cNvSpPr txBox="1"/>
-          <p:nvPr/>
-        </p:nvSpPr>
-        <p:spPr>
-          <a:xfrm>
-            <a:off x="6909826" y="2690473"/>
-            <a:ext cx="301686" cy="369332"/>
-          </a:xfrm>
-          <a:prstGeom prst="rect">
-            <a:avLst/>
-          </a:prstGeom>
-          <a:noFill/>
-        </p:spPr>
-        <p:txBody>
-          <a:bodyPr wrap="none" rtlCol="0">
-            <a:spAutoFit/>
-          </a:bodyPr>
-          <a:lstStyle/>
-          <a:p>
-            <a:r>
-              <a:rPr lang="en-US" dirty="0" smtClean="0">
-                <a:solidFill>
-                  <a:schemeClr val="accent1"/>
-                </a:solidFill>
-              </a:rPr>
-              <a:t>*</a:t>
-            </a:r>
-            <a:endParaRPr lang="en-US" dirty="0">
-              <a:solidFill>
-                <a:schemeClr val="accent1"/>
-              </a:solidFill>
-            </a:endParaRPr>
-          </a:p>
-        </p:txBody>
-      </p:sp>
-      <p:sp>
-        <p:nvSpPr>
-          <p:cNvPr id="96" name="TextBox 95"/>
-          <p:cNvSpPr txBox="1"/>
-          <p:nvPr/>
-        </p:nvSpPr>
-        <p:spPr>
-          <a:xfrm>
-            <a:off x="1650748" y="2668822"/>
-            <a:ext cx="301686" cy="369332"/>
-          </a:xfrm>
-          <a:prstGeom prst="rect">
-            <a:avLst/>
-          </a:prstGeom>
-          <a:noFill/>
-        </p:spPr>
-        <p:txBody>
-          <a:bodyPr wrap="none" rtlCol="0">
-            <a:spAutoFit/>
-          </a:bodyPr>
-          <a:lstStyle/>
-          <a:p>
-            <a:r>
-              <a:rPr lang="en-US" dirty="0" smtClean="0">
-                <a:solidFill>
-                  <a:schemeClr val="accent1"/>
-                </a:solidFill>
-              </a:rPr>
-              <a:t>*</a:t>
-            </a:r>
-            <a:endParaRPr lang="en-US" dirty="0">
-              <a:solidFill>
-                <a:schemeClr val="accent1"/>
-              </a:solidFill>
-            </a:endParaRPr>
-          </a:p>
-        </p:txBody>
-      </p:sp>
-      <p:sp>
-        <p:nvSpPr>
-          <p:cNvPr id="97" name="TextBox 96"/>
-          <p:cNvSpPr txBox="1"/>
-          <p:nvPr/>
-        </p:nvSpPr>
-        <p:spPr>
-          <a:xfrm>
-            <a:off x="1667685" y="3821834"/>
-            <a:ext cx="301686" cy="369332"/>
-          </a:xfrm>
-          <a:prstGeom prst="rect">
-            <a:avLst/>
-          </a:prstGeom>
-          <a:noFill/>
-        </p:spPr>
-        <p:txBody>
-          <a:bodyPr wrap="none" rtlCol="0">
-            <a:spAutoFit/>
-          </a:bodyPr>
-          <a:lstStyle/>
-          <a:p>
-            <a:r>
-              <a:rPr lang="en-US" dirty="0" smtClean="0">
-                <a:solidFill>
-                  <a:schemeClr val="accent1"/>
-                </a:solidFill>
-              </a:rPr>
-              <a:t>1</a:t>
-            </a:r>
-            <a:endParaRPr lang="en-US" dirty="0">
-              <a:solidFill>
-                <a:schemeClr val="accent1"/>
-              </a:solidFill>
-            </a:endParaRPr>
-          </a:p>
-        </p:txBody>
-      </p:sp>
-      <p:sp>
-        <p:nvSpPr>
-          <p:cNvPr id="98" name="TextBox 97"/>
-          <p:cNvSpPr txBox="1"/>
-          <p:nvPr/>
-        </p:nvSpPr>
-        <p:spPr>
-          <a:xfrm>
-            <a:off x="577750" y="830929"/>
-            <a:ext cx="405880" cy="338554"/>
-          </a:xfrm>
-          <a:prstGeom prst="rect">
-            <a:avLst/>
-          </a:prstGeom>
-          <a:noFill/>
-        </p:spPr>
-        <p:txBody>
-          <a:bodyPr wrap="none" rtlCol="0">
-            <a:spAutoFit/>
-          </a:bodyPr>
-          <a:lstStyle/>
-          <a:p>
-            <a:r>
-              <a:rPr lang="en-US" sz="1600" b="1" dirty="0" smtClean="0">
-                <a:solidFill>
-                  <a:schemeClr val="accent2"/>
-                </a:solidFill>
-              </a:rPr>
-              <a:t>PK</a:t>
-            </a:r>
-            <a:endParaRPr lang="en-US" sz="1600" b="1" dirty="0">
-              <a:solidFill>
-                <a:schemeClr val="accent2"/>
-              </a:solidFill>
-            </a:endParaRPr>
-          </a:p>
-        </p:txBody>
-      </p:sp>
-      <p:sp>
-        <p:nvSpPr>
-          <p:cNvPr id="99" name="TextBox 98"/>
-          <p:cNvSpPr txBox="1"/>
-          <p:nvPr/>
-        </p:nvSpPr>
-        <p:spPr>
-          <a:xfrm>
-            <a:off x="587580" y="4800199"/>
-            <a:ext cx="405880" cy="338554"/>
-          </a:xfrm>
-          <a:prstGeom prst="rect">
-            <a:avLst/>
-          </a:prstGeom>
-          <a:noFill/>
-        </p:spPr>
-        <p:txBody>
-          <a:bodyPr wrap="none" rtlCol="0">
-            <a:spAutoFit/>
-          </a:bodyPr>
-          <a:lstStyle/>
-          <a:p>
-            <a:r>
-              <a:rPr lang="en-US" sz="1600" b="1" dirty="0" smtClean="0">
-                <a:solidFill>
-                  <a:schemeClr val="accent2"/>
-                </a:solidFill>
-              </a:rPr>
-              <a:t>PK</a:t>
-            </a:r>
-            <a:endParaRPr lang="en-US" sz="1600" b="1" dirty="0">
-              <a:solidFill>
-                <a:schemeClr val="accent2"/>
-              </a:solidFill>
-            </a:endParaRPr>
-          </a:p>
-        </p:txBody>
-      </p:sp>
-      <p:sp>
-        <p:nvSpPr>
-          <p:cNvPr id="100" name="TextBox 99"/>
-          <p:cNvSpPr txBox="1"/>
-          <p:nvPr/>
-        </p:nvSpPr>
-        <p:spPr>
-          <a:xfrm>
-            <a:off x="3273405" y="811222"/>
-            <a:ext cx="405880" cy="338554"/>
-          </a:xfrm>
-          <a:prstGeom prst="rect">
-            <a:avLst/>
-          </a:prstGeom>
-          <a:noFill/>
-        </p:spPr>
-        <p:txBody>
-          <a:bodyPr wrap="none" rtlCol="0">
-            <a:spAutoFit/>
-          </a:bodyPr>
-          <a:lstStyle/>
-          <a:p>
-            <a:r>
-              <a:rPr lang="en-US" sz="1600" b="1" dirty="0" smtClean="0">
-                <a:solidFill>
-                  <a:schemeClr val="accent2"/>
-                </a:solidFill>
-              </a:rPr>
-              <a:t>PK</a:t>
-            </a:r>
-            <a:endParaRPr lang="en-US" sz="1600" b="1" dirty="0">
-              <a:solidFill>
-                <a:schemeClr val="accent2"/>
-              </a:solidFill>
-            </a:endParaRPr>
-          </a:p>
-        </p:txBody>
-      </p:sp>
-      <p:sp>
-        <p:nvSpPr>
-          <p:cNvPr id="101" name="TextBox 100"/>
-          <p:cNvSpPr txBox="1"/>
-          <p:nvPr/>
-        </p:nvSpPr>
-        <p:spPr>
-          <a:xfrm>
-            <a:off x="5924503" y="821611"/>
-            <a:ext cx="405880" cy="338554"/>
-          </a:xfrm>
-          <a:prstGeom prst="rect">
-            <a:avLst/>
-          </a:prstGeom>
-          <a:noFill/>
-        </p:spPr>
-        <p:txBody>
-          <a:bodyPr wrap="none" rtlCol="0">
-            <a:spAutoFit/>
-          </a:bodyPr>
-          <a:lstStyle/>
-          <a:p>
-            <a:r>
-              <a:rPr lang="en-US" sz="1600" b="1" dirty="0" smtClean="0">
-                <a:solidFill>
-                  <a:schemeClr val="accent2"/>
-                </a:solidFill>
-              </a:rPr>
-              <a:t>PK</a:t>
-            </a:r>
-            <a:endParaRPr lang="en-US" sz="1600" b="1" dirty="0">
-              <a:solidFill>
-                <a:schemeClr val="accent2"/>
-              </a:solidFill>
-            </a:endParaRPr>
-          </a:p>
-        </p:txBody>
-      </p:sp>
-      <p:sp>
-        <p:nvSpPr>
-          <p:cNvPr id="102" name="TextBox 101"/>
-          <p:cNvSpPr txBox="1"/>
-          <p:nvPr/>
-        </p:nvSpPr>
-        <p:spPr>
-          <a:xfrm>
-            <a:off x="9188123" y="783421"/>
-            <a:ext cx="405880" cy="338554"/>
-          </a:xfrm>
-          <a:prstGeom prst="rect">
-            <a:avLst/>
-          </a:prstGeom>
-          <a:noFill/>
-        </p:spPr>
-        <p:txBody>
-          <a:bodyPr wrap="none" rtlCol="0">
-            <a:spAutoFit/>
-          </a:bodyPr>
-          <a:lstStyle/>
-          <a:p>
-            <a:r>
-              <a:rPr lang="en-US" sz="1600" b="1" dirty="0" smtClean="0">
-                <a:solidFill>
-                  <a:schemeClr val="accent2"/>
-                </a:solidFill>
-              </a:rPr>
-              <a:t>PK</a:t>
-            </a:r>
-            <a:endParaRPr lang="en-US" sz="1600" b="1" dirty="0">
-              <a:solidFill>
-                <a:schemeClr val="accent2"/>
-              </a:solidFill>
-            </a:endParaRPr>
-          </a:p>
-        </p:txBody>
-      </p:sp>
-      <p:sp>
-        <p:nvSpPr>
-          <p:cNvPr id="103" name="TextBox 102"/>
-          <p:cNvSpPr txBox="1"/>
-          <p:nvPr/>
-        </p:nvSpPr>
-        <p:spPr>
-          <a:xfrm>
-            <a:off x="6001050" y="4693530"/>
-            <a:ext cx="405880" cy="338554"/>
-          </a:xfrm>
-          <a:prstGeom prst="rect">
-            <a:avLst/>
-          </a:prstGeom>
-          <a:noFill/>
-        </p:spPr>
-        <p:txBody>
-          <a:bodyPr wrap="none" rtlCol="0">
-            <a:spAutoFit/>
-          </a:bodyPr>
-          <a:lstStyle/>
-          <a:p>
-            <a:r>
-              <a:rPr lang="en-US" sz="1600" b="1" dirty="0" smtClean="0">
-                <a:solidFill>
-                  <a:schemeClr val="accent2"/>
-                </a:solidFill>
-              </a:rPr>
-              <a:t>PK</a:t>
-            </a:r>
-            <a:endParaRPr lang="en-US" sz="1600" b="1" dirty="0">
-              <a:solidFill>
-                <a:schemeClr val="accent2"/>
-              </a:solidFill>
-            </a:endParaRPr>
-          </a:p>
-        </p:txBody>
-      </p:sp>
-      <p:sp>
-        <p:nvSpPr>
-          <p:cNvPr id="104" name="TextBox 103"/>
-          <p:cNvSpPr txBox="1"/>
-          <p:nvPr/>
-        </p:nvSpPr>
-        <p:spPr>
-          <a:xfrm>
-            <a:off x="936060" y="1617174"/>
-            <a:ext cx="1002069" cy="369332"/>
-          </a:xfrm>
-          <a:prstGeom prst="rect">
-            <a:avLst/>
-          </a:prstGeom>
-          <a:noFill/>
-        </p:spPr>
-        <p:txBody>
-          <a:bodyPr wrap="none" rtlCol="0">
-            <a:spAutoFit/>
-          </a:bodyPr>
-          <a:lstStyle/>
-          <a:p>
-            <a:r>
-              <a:rPr lang="en-US" dirty="0" smtClean="0"/>
-              <a:t>batch_id</a:t>
-            </a:r>
-            <a:endParaRPr lang="en-US" dirty="0"/>
-          </a:p>
-        </p:txBody>
-      </p:sp>
-      <p:sp>
-        <p:nvSpPr>
-          <p:cNvPr id="105" name="TextBox 104"/>
-          <p:cNvSpPr txBox="1"/>
-          <p:nvPr/>
-        </p:nvSpPr>
-        <p:spPr>
-          <a:xfrm>
-            <a:off x="619753" y="1623472"/>
-            <a:ext cx="391454" cy="338554"/>
-          </a:xfrm>
-          <a:prstGeom prst="rect">
-            <a:avLst/>
-          </a:prstGeom>
-          <a:noFill/>
-        </p:spPr>
-        <p:txBody>
-          <a:bodyPr wrap="none" rtlCol="0">
-            <a:spAutoFit/>
-          </a:bodyPr>
-          <a:lstStyle/>
-          <a:p>
-            <a:r>
-              <a:rPr lang="en-US" sz="1600" b="1" dirty="0" smtClean="0">
-                <a:solidFill>
-                  <a:srgbClr val="7030A0"/>
-                </a:solidFill>
-              </a:rPr>
-              <a:t>FK</a:t>
-            </a:r>
-            <a:endParaRPr lang="en-US" sz="1600" b="1" dirty="0">
-              <a:solidFill>
-                <a:srgbClr val="7030A0"/>
-              </a:solidFill>
-            </a:endParaRPr>
-          </a:p>
-        </p:txBody>
-      </p:sp>
-      <p:sp>
-        <p:nvSpPr>
-          <p:cNvPr id="106" name="TextBox 105"/>
-          <p:cNvSpPr txBox="1"/>
-          <p:nvPr/>
-        </p:nvSpPr>
-        <p:spPr>
-          <a:xfrm>
-            <a:off x="3674846" y="2113379"/>
-            <a:ext cx="915635" cy="369332"/>
-          </a:xfrm>
-          <a:prstGeom prst="rect">
-            <a:avLst/>
-          </a:prstGeom>
-          <a:noFill/>
-        </p:spPr>
-        <p:txBody>
-          <a:bodyPr wrap="none" rtlCol="0">
-            <a:spAutoFit/>
-          </a:bodyPr>
-          <a:lstStyle/>
-          <a:p>
-            <a:r>
-              <a:rPr lang="en-US" dirty="0" smtClean="0"/>
-              <a:t>class_id</a:t>
-            </a:r>
-            <a:endParaRPr lang="en-US" dirty="0"/>
-          </a:p>
-        </p:txBody>
-      </p:sp>
-      <p:sp>
-        <p:nvSpPr>
-          <p:cNvPr id="107" name="TextBox 106"/>
-          <p:cNvSpPr txBox="1"/>
-          <p:nvPr/>
-        </p:nvSpPr>
-        <p:spPr>
-          <a:xfrm>
-            <a:off x="3358539" y="2119677"/>
-            <a:ext cx="391454" cy="338554"/>
-          </a:xfrm>
-          <a:prstGeom prst="rect">
-            <a:avLst/>
-          </a:prstGeom>
-          <a:noFill/>
-        </p:spPr>
-        <p:txBody>
-          <a:bodyPr wrap="none" rtlCol="0">
-            <a:spAutoFit/>
-          </a:bodyPr>
-          <a:lstStyle/>
-          <a:p>
-            <a:r>
-              <a:rPr lang="en-US" sz="1600" b="1" dirty="0" smtClean="0">
-                <a:solidFill>
-                  <a:srgbClr val="7030A0"/>
-                </a:solidFill>
-              </a:rPr>
-              <a:t>FK</a:t>
-            </a:r>
-            <a:endParaRPr lang="en-US" sz="1600" b="1" dirty="0">
-              <a:solidFill>
-                <a:srgbClr val="7030A0"/>
-              </a:solidFill>
-            </a:endParaRPr>
-          </a:p>
-        </p:txBody>
-      </p:sp>
-      <p:sp>
-        <p:nvSpPr>
-          <p:cNvPr id="108" name="TextBox 107"/>
-          <p:cNvSpPr txBox="1"/>
-          <p:nvPr/>
-        </p:nvSpPr>
-        <p:spPr>
-          <a:xfrm>
-            <a:off x="6257853" y="1483685"/>
-            <a:ext cx="1194686" cy="369332"/>
-          </a:xfrm>
-          <a:prstGeom prst="rect">
-            <a:avLst/>
-          </a:prstGeom>
-          <a:noFill/>
-        </p:spPr>
-        <p:txBody>
-          <a:bodyPr wrap="none" rtlCol="0">
-            <a:spAutoFit/>
-          </a:bodyPr>
-          <a:lstStyle/>
-          <a:p>
-            <a:r>
-              <a:rPr lang="en-US" dirty="0" err="1" smtClean="0"/>
-              <a:t>student_id</a:t>
-            </a:r>
-            <a:endParaRPr lang="en-US" dirty="0"/>
-          </a:p>
-        </p:txBody>
-      </p:sp>
-      <p:sp>
-        <p:nvSpPr>
-          <p:cNvPr id="109" name="TextBox 108"/>
-          <p:cNvSpPr txBox="1"/>
-          <p:nvPr/>
-        </p:nvSpPr>
-        <p:spPr>
-          <a:xfrm>
-            <a:off x="5977770" y="1489361"/>
-            <a:ext cx="391454" cy="338554"/>
-          </a:xfrm>
-          <a:prstGeom prst="rect">
-            <a:avLst/>
-          </a:prstGeom>
-          <a:noFill/>
-        </p:spPr>
-        <p:txBody>
-          <a:bodyPr wrap="none" rtlCol="0">
-            <a:spAutoFit/>
-          </a:bodyPr>
-          <a:lstStyle/>
-          <a:p>
-            <a:r>
-              <a:rPr lang="en-US" sz="1600" b="1" dirty="0" smtClean="0">
-                <a:solidFill>
-                  <a:srgbClr val="7030A0"/>
-                </a:solidFill>
-              </a:rPr>
-              <a:t>FK</a:t>
-            </a:r>
-            <a:endParaRPr lang="en-US" sz="1600" b="1" dirty="0">
-              <a:solidFill>
-                <a:srgbClr val="7030A0"/>
-              </a:solidFill>
-            </a:endParaRPr>
-          </a:p>
-        </p:txBody>
-      </p:sp>
-      <p:sp>
-        <p:nvSpPr>
-          <p:cNvPr id="110" name="TextBox 109"/>
-          <p:cNvSpPr txBox="1"/>
-          <p:nvPr/>
-        </p:nvSpPr>
-        <p:spPr>
-          <a:xfrm>
-            <a:off x="6253182" y="1790609"/>
-            <a:ext cx="943848" cy="369332"/>
-          </a:xfrm>
-          <a:prstGeom prst="rect">
-            <a:avLst/>
-          </a:prstGeom>
-          <a:noFill/>
-        </p:spPr>
-        <p:txBody>
-          <a:bodyPr wrap="none" rtlCol="0">
-            <a:spAutoFit/>
-          </a:bodyPr>
-          <a:lstStyle/>
-          <a:p>
-            <a:r>
-              <a:rPr lang="en-US" dirty="0" err="1" smtClean="0"/>
-              <a:t>topic_id</a:t>
-            </a:r>
-            <a:endParaRPr lang="en-US" dirty="0"/>
-          </a:p>
-        </p:txBody>
-      </p:sp>
-      <p:sp>
-        <p:nvSpPr>
-          <p:cNvPr id="111" name="TextBox 110"/>
-          <p:cNvSpPr txBox="1"/>
-          <p:nvPr/>
-        </p:nvSpPr>
-        <p:spPr>
-          <a:xfrm>
-            <a:off x="5961902" y="1814011"/>
-            <a:ext cx="391454" cy="338554"/>
-          </a:xfrm>
-          <a:prstGeom prst="rect">
-            <a:avLst/>
-          </a:prstGeom>
-          <a:noFill/>
-        </p:spPr>
-        <p:txBody>
-          <a:bodyPr wrap="none" rtlCol="0">
-            <a:spAutoFit/>
-          </a:bodyPr>
-          <a:lstStyle/>
-          <a:p>
-            <a:r>
-              <a:rPr lang="en-US" sz="1600" b="1" dirty="0" smtClean="0">
-                <a:solidFill>
-                  <a:srgbClr val="7030A0"/>
-                </a:solidFill>
-              </a:rPr>
-              <a:t>FK</a:t>
-            </a:r>
-            <a:endParaRPr lang="en-US" sz="1600" b="1" dirty="0">
-              <a:solidFill>
-                <a:srgbClr val="7030A0"/>
-              </a:solidFill>
-            </a:endParaRPr>
-          </a:p>
-        </p:txBody>
-      </p:sp>
-      <p:sp>
-        <p:nvSpPr>
-          <p:cNvPr id="112" name="TextBox 111"/>
-          <p:cNvSpPr txBox="1"/>
-          <p:nvPr/>
-        </p:nvSpPr>
-        <p:spPr>
-          <a:xfrm>
-            <a:off x="6257853" y="2137900"/>
-            <a:ext cx="1510991" cy="369332"/>
-          </a:xfrm>
-          <a:prstGeom prst="rect">
-            <a:avLst/>
-          </a:prstGeom>
-          <a:noFill/>
-        </p:spPr>
-        <p:txBody>
-          <a:bodyPr wrap="none" rtlCol="0">
-            <a:spAutoFit/>
-          </a:bodyPr>
-          <a:lstStyle/>
-          <a:p>
-            <a:r>
-              <a:rPr lang="en-US" dirty="0" err="1" smtClean="0"/>
-              <a:t>exam_type_id</a:t>
-            </a:r>
-            <a:endParaRPr lang="en-US" dirty="0"/>
-          </a:p>
-        </p:txBody>
-      </p:sp>
-      <p:sp>
-        <p:nvSpPr>
-          <p:cNvPr id="113" name="TextBox 112"/>
-          <p:cNvSpPr txBox="1"/>
-          <p:nvPr/>
-        </p:nvSpPr>
-        <p:spPr>
-          <a:xfrm>
-            <a:off x="5953321" y="2167847"/>
-            <a:ext cx="391454" cy="338554"/>
-          </a:xfrm>
-          <a:prstGeom prst="rect">
-            <a:avLst/>
-          </a:prstGeom>
-          <a:noFill/>
-        </p:spPr>
-        <p:txBody>
-          <a:bodyPr wrap="none" rtlCol="0">
-            <a:spAutoFit/>
-          </a:bodyPr>
-          <a:lstStyle/>
-          <a:p>
-            <a:r>
-              <a:rPr lang="en-US" sz="1600" b="1" dirty="0" smtClean="0">
-                <a:solidFill>
-                  <a:srgbClr val="7030A0"/>
-                </a:solidFill>
-              </a:rPr>
-              <a:t>FK</a:t>
-            </a:r>
-            <a:endParaRPr lang="en-US" sz="1600" b="1" dirty="0">
-              <a:solidFill>
-                <a:srgbClr val="7030A0"/>
-              </a:solidFill>
-            </a:endParaRPr>
-          </a:p>
-        </p:txBody>
-      </p:sp>
     </p:spTree>
     <p:extLst>
       <p:ext uri="{BB962C8B-B14F-4D97-AF65-F5344CB8AC3E}">
-        <p14:creationId xmlns:p14="http://schemas.microsoft.com/office/powerpoint/2010/main" val="3109588190"/>
+        <p14:creationId xmlns:p14="http://schemas.microsoft.com/office/powerpoint/2010/main" val="4072428895"/>
       </p:ext>
     </p:extLst>
   </p:cSld>

--- a/docs/ER-DIAGRAM.pptx
+++ b/docs/ER-DIAGRAM.pptx
@@ -155,10 +155,9 @@
           </a:lstStyle>
           <a:p>
             <a:r>
-              <a:rPr lang="en-US" smtClean="0"/>
+              <a:rPr lang="en-US"/>
               <a:t>Click to edit Master title style</a:t>
             </a:r>
-            <a:endParaRPr lang="en-US"/>
           </a:p>
         </p:txBody>
       </p:sp>
@@ -220,10 +219,9 @@
           </a:lstStyle>
           <a:p>
             <a:r>
-              <a:rPr lang="en-US" smtClean="0"/>
+              <a:rPr lang="en-US"/>
               <a:t>Click to edit Master subtitle style</a:t>
             </a:r>
-            <a:endParaRPr lang="en-US"/>
           </a:p>
         </p:txBody>
       </p:sp>
@@ -244,7 +242,7 @@
           <a:p>
             <a:fld id="{28BE630F-C39C-4DB9-8258-0B48CA067079}" type="datetimeFigureOut">
               <a:rPr lang="en-US" smtClean="0"/>
-              <a:t>11/25/2021</a:t>
+              <a:t>12/1/2021</a:t>
             </a:fld>
             <a:endParaRPr lang="en-US"/>
           </a:p>
@@ -338,10 +336,9 @@
           <a:lstStyle/>
           <a:p>
             <a:r>
-              <a:rPr lang="en-US" smtClean="0"/>
+              <a:rPr lang="en-US"/>
               <a:t>Click to edit Master title style</a:t>
             </a:r>
-            <a:endParaRPr lang="en-US"/>
           </a:p>
         </p:txBody>
       </p:sp>
@@ -362,38 +359,37 @@
           <a:p>
             <a:pPr lvl="0"/>
             <a:r>
-              <a:rPr lang="en-US" smtClean="0"/>
+              <a:rPr lang="en-US"/>
               <a:t>Click to edit Master text styles</a:t>
             </a:r>
           </a:p>
           <a:p>
             <a:pPr lvl="1"/>
             <a:r>
-              <a:rPr lang="en-US" smtClean="0"/>
+              <a:rPr lang="en-US"/>
               <a:t>Second level</a:t>
             </a:r>
           </a:p>
           <a:p>
             <a:pPr lvl="2"/>
             <a:r>
-              <a:rPr lang="en-US" smtClean="0"/>
+              <a:rPr lang="en-US"/>
               <a:t>Third level</a:t>
             </a:r>
           </a:p>
           <a:p>
             <a:pPr lvl="3"/>
             <a:r>
-              <a:rPr lang="en-US" smtClean="0"/>
+              <a:rPr lang="en-US"/>
               <a:t>Fourth level</a:t>
             </a:r>
           </a:p>
           <a:p>
             <a:pPr lvl="4"/>
             <a:r>
-              <a:rPr lang="en-US" smtClean="0"/>
+              <a:rPr lang="en-US"/>
               <a:t>Fifth level</a:t>
             </a:r>
-            <a:endParaRPr lang="en-US"/>
           </a:p>
         </p:txBody>
       </p:sp>
@@ -414,7 +410,7 @@
           <a:p>
             <a:fld id="{28BE630F-C39C-4DB9-8258-0B48CA067079}" type="datetimeFigureOut">
               <a:rPr lang="en-US" smtClean="0"/>
-              <a:t>11/25/2021</a:t>
+              <a:t>12/1/2021</a:t>
             </a:fld>
             <a:endParaRPr lang="en-US"/>
           </a:p>
@@ -513,10 +509,9 @@
           <a:lstStyle/>
           <a:p>
             <a:r>
-              <a:rPr lang="en-US" smtClean="0"/>
+              <a:rPr lang="en-US"/>
               <a:t>Click to edit Master title style</a:t>
             </a:r>
-            <a:endParaRPr lang="en-US"/>
           </a:p>
         </p:txBody>
       </p:sp>
@@ -542,38 +537,37 @@
           <a:p>
             <a:pPr lvl="0"/>
             <a:r>
-              <a:rPr lang="en-US" smtClean="0"/>
+              <a:rPr lang="en-US"/>
               <a:t>Click to edit Master text styles</a:t>
             </a:r>
           </a:p>
           <a:p>
             <a:pPr lvl="1"/>
             <a:r>
-              <a:rPr lang="en-US" smtClean="0"/>
+              <a:rPr lang="en-US"/>
               <a:t>Second level</a:t>
             </a:r>
           </a:p>
           <a:p>
             <a:pPr lvl="2"/>
             <a:r>
-              <a:rPr lang="en-US" smtClean="0"/>
+              <a:rPr lang="en-US"/>
               <a:t>Third level</a:t>
             </a:r>
           </a:p>
           <a:p>
             <a:pPr lvl="3"/>
             <a:r>
-              <a:rPr lang="en-US" smtClean="0"/>
+              <a:rPr lang="en-US"/>
               <a:t>Fourth level</a:t>
             </a:r>
           </a:p>
           <a:p>
             <a:pPr lvl="4"/>
             <a:r>
-              <a:rPr lang="en-US" smtClean="0"/>
+              <a:rPr lang="en-US"/>
               <a:t>Fifth level</a:t>
             </a:r>
-            <a:endParaRPr lang="en-US"/>
           </a:p>
         </p:txBody>
       </p:sp>
@@ -594,7 +588,7 @@
           <a:p>
             <a:fld id="{28BE630F-C39C-4DB9-8258-0B48CA067079}" type="datetimeFigureOut">
               <a:rPr lang="en-US" smtClean="0"/>
-              <a:t>11/25/2021</a:t>
+              <a:t>12/1/2021</a:t>
             </a:fld>
             <a:endParaRPr lang="en-US"/>
           </a:p>
@@ -688,10 +682,9 @@
           <a:lstStyle/>
           <a:p>
             <a:r>
-              <a:rPr lang="en-US" smtClean="0"/>
+              <a:rPr lang="en-US"/>
               <a:t>Click to edit Master title style</a:t>
             </a:r>
-            <a:endParaRPr lang="en-US"/>
           </a:p>
         </p:txBody>
       </p:sp>
@@ -712,38 +705,37 @@
           <a:p>
             <a:pPr lvl="0"/>
             <a:r>
-              <a:rPr lang="en-US" smtClean="0"/>
+              <a:rPr lang="en-US"/>
               <a:t>Click to edit Master text styles</a:t>
             </a:r>
           </a:p>
           <a:p>
             <a:pPr lvl="1"/>
             <a:r>
-              <a:rPr lang="en-US" smtClean="0"/>
+              <a:rPr lang="en-US"/>
               <a:t>Second level</a:t>
             </a:r>
           </a:p>
           <a:p>
             <a:pPr lvl="2"/>
             <a:r>
-              <a:rPr lang="en-US" smtClean="0"/>
+              <a:rPr lang="en-US"/>
               <a:t>Third level</a:t>
             </a:r>
           </a:p>
           <a:p>
             <a:pPr lvl="3"/>
             <a:r>
-              <a:rPr lang="en-US" smtClean="0"/>
+              <a:rPr lang="en-US"/>
               <a:t>Fourth level</a:t>
             </a:r>
           </a:p>
           <a:p>
             <a:pPr lvl="4"/>
             <a:r>
-              <a:rPr lang="en-US" smtClean="0"/>
+              <a:rPr lang="en-US"/>
               <a:t>Fifth level</a:t>
             </a:r>
-            <a:endParaRPr lang="en-US"/>
           </a:p>
         </p:txBody>
       </p:sp>
@@ -764,7 +756,7 @@
           <a:p>
             <a:fld id="{28BE630F-C39C-4DB9-8258-0B48CA067079}" type="datetimeFigureOut">
               <a:rPr lang="en-US" smtClean="0"/>
-              <a:t>11/25/2021</a:t>
+              <a:t>12/1/2021</a:t>
             </a:fld>
             <a:endParaRPr lang="en-US"/>
           </a:p>
@@ -867,10 +859,9 @@
           </a:lstStyle>
           <a:p>
             <a:r>
-              <a:rPr lang="en-US" smtClean="0"/>
+              <a:rPr lang="en-US"/>
               <a:t>Click to edit Master title style</a:t>
             </a:r>
-            <a:endParaRPr lang="en-US"/>
           </a:p>
         </p:txBody>
       </p:sp>
@@ -987,7 +978,7 @@
           <a:p>
             <a:pPr lvl="0"/>
             <a:r>
-              <a:rPr lang="en-US" smtClean="0"/>
+              <a:rPr lang="en-US"/>
               <a:t>Click to edit Master text styles</a:t>
             </a:r>
           </a:p>
@@ -1010,7 +1001,7 @@
           <a:p>
             <a:fld id="{28BE630F-C39C-4DB9-8258-0B48CA067079}" type="datetimeFigureOut">
               <a:rPr lang="en-US" smtClean="0"/>
-              <a:t>11/25/2021</a:t>
+              <a:t>12/1/2021</a:t>
             </a:fld>
             <a:endParaRPr lang="en-US"/>
           </a:p>
@@ -1104,10 +1095,9 @@
           <a:lstStyle/>
           <a:p>
             <a:r>
-              <a:rPr lang="en-US" smtClean="0"/>
+              <a:rPr lang="en-US"/>
               <a:t>Click to edit Master title style</a:t>
             </a:r>
-            <a:endParaRPr lang="en-US"/>
           </a:p>
         </p:txBody>
       </p:sp>
@@ -1133,38 +1123,37 @@
           <a:p>
             <a:pPr lvl="0"/>
             <a:r>
-              <a:rPr lang="en-US" smtClean="0"/>
+              <a:rPr lang="en-US"/>
               <a:t>Click to edit Master text styles</a:t>
             </a:r>
           </a:p>
           <a:p>
             <a:pPr lvl="1"/>
             <a:r>
-              <a:rPr lang="en-US" smtClean="0"/>
+              <a:rPr lang="en-US"/>
               <a:t>Second level</a:t>
             </a:r>
           </a:p>
           <a:p>
             <a:pPr lvl="2"/>
             <a:r>
-              <a:rPr lang="en-US" smtClean="0"/>
+              <a:rPr lang="en-US"/>
               <a:t>Third level</a:t>
             </a:r>
           </a:p>
           <a:p>
             <a:pPr lvl="3"/>
             <a:r>
-              <a:rPr lang="en-US" smtClean="0"/>
+              <a:rPr lang="en-US"/>
               <a:t>Fourth level</a:t>
             </a:r>
           </a:p>
           <a:p>
             <a:pPr lvl="4"/>
             <a:r>
-              <a:rPr lang="en-US" smtClean="0"/>
+              <a:rPr lang="en-US"/>
               <a:t>Fifth level</a:t>
             </a:r>
-            <a:endParaRPr lang="en-US"/>
           </a:p>
         </p:txBody>
       </p:sp>
@@ -1190,38 +1179,37 @@
           <a:p>
             <a:pPr lvl="0"/>
             <a:r>
-              <a:rPr lang="en-US" smtClean="0"/>
+              <a:rPr lang="en-US"/>
               <a:t>Click to edit Master text styles</a:t>
             </a:r>
           </a:p>
           <a:p>
             <a:pPr lvl="1"/>
             <a:r>
-              <a:rPr lang="en-US" smtClean="0"/>
+              <a:rPr lang="en-US"/>
               <a:t>Second level</a:t>
             </a:r>
           </a:p>
           <a:p>
             <a:pPr lvl="2"/>
             <a:r>
-              <a:rPr lang="en-US" smtClean="0"/>
+              <a:rPr lang="en-US"/>
               <a:t>Third level</a:t>
             </a:r>
           </a:p>
           <a:p>
             <a:pPr lvl="3"/>
             <a:r>
-              <a:rPr lang="en-US" smtClean="0"/>
+              <a:rPr lang="en-US"/>
               <a:t>Fourth level</a:t>
             </a:r>
           </a:p>
           <a:p>
             <a:pPr lvl="4"/>
             <a:r>
-              <a:rPr lang="en-US" smtClean="0"/>
+              <a:rPr lang="en-US"/>
               <a:t>Fifth level</a:t>
             </a:r>
-            <a:endParaRPr lang="en-US"/>
           </a:p>
         </p:txBody>
       </p:sp>
@@ -1242,7 +1230,7 @@
           <a:p>
             <a:fld id="{28BE630F-C39C-4DB9-8258-0B48CA067079}" type="datetimeFigureOut">
               <a:rPr lang="en-US" smtClean="0"/>
-              <a:t>11/25/2021</a:t>
+              <a:t>12/1/2021</a:t>
             </a:fld>
             <a:endParaRPr lang="en-US"/>
           </a:p>
@@ -1341,10 +1329,9 @@
           <a:lstStyle/>
           <a:p>
             <a:r>
-              <a:rPr lang="en-US" smtClean="0"/>
+              <a:rPr lang="en-US"/>
               <a:t>Click to edit Master title style</a:t>
             </a:r>
-            <a:endParaRPr lang="en-US"/>
           </a:p>
         </p:txBody>
       </p:sp>
@@ -1407,7 +1394,7 @@
           <a:p>
             <a:pPr lvl="0"/>
             <a:r>
-              <a:rPr lang="en-US" smtClean="0"/>
+              <a:rPr lang="en-US"/>
               <a:t>Click to edit Master text styles</a:t>
             </a:r>
           </a:p>
@@ -1435,38 +1422,37 @@
           <a:p>
             <a:pPr lvl="0"/>
             <a:r>
-              <a:rPr lang="en-US" smtClean="0"/>
+              <a:rPr lang="en-US"/>
               <a:t>Click to edit Master text styles</a:t>
             </a:r>
           </a:p>
           <a:p>
             <a:pPr lvl="1"/>
             <a:r>
-              <a:rPr lang="en-US" smtClean="0"/>
+              <a:rPr lang="en-US"/>
               <a:t>Second level</a:t>
             </a:r>
           </a:p>
           <a:p>
             <a:pPr lvl="2"/>
             <a:r>
-              <a:rPr lang="en-US" smtClean="0"/>
+              <a:rPr lang="en-US"/>
               <a:t>Third level</a:t>
             </a:r>
           </a:p>
           <a:p>
             <a:pPr lvl="3"/>
             <a:r>
-              <a:rPr lang="en-US" smtClean="0"/>
+              <a:rPr lang="en-US"/>
               <a:t>Fourth level</a:t>
             </a:r>
           </a:p>
           <a:p>
             <a:pPr lvl="4"/>
             <a:r>
-              <a:rPr lang="en-US" smtClean="0"/>
+              <a:rPr lang="en-US"/>
               <a:t>Fifth level</a:t>
             </a:r>
-            <a:endParaRPr lang="en-US"/>
           </a:p>
         </p:txBody>
       </p:sp>
@@ -1529,7 +1515,7 @@
           <a:p>
             <a:pPr lvl="0"/>
             <a:r>
-              <a:rPr lang="en-US" smtClean="0"/>
+              <a:rPr lang="en-US"/>
               <a:t>Click to edit Master text styles</a:t>
             </a:r>
           </a:p>
@@ -1557,38 +1543,37 @@
           <a:p>
             <a:pPr lvl="0"/>
             <a:r>
-              <a:rPr lang="en-US" smtClean="0"/>
+              <a:rPr lang="en-US"/>
               <a:t>Click to edit Master text styles</a:t>
             </a:r>
           </a:p>
           <a:p>
             <a:pPr lvl="1"/>
             <a:r>
-              <a:rPr lang="en-US" smtClean="0"/>
+              <a:rPr lang="en-US"/>
               <a:t>Second level</a:t>
             </a:r>
           </a:p>
           <a:p>
             <a:pPr lvl="2"/>
             <a:r>
-              <a:rPr lang="en-US" smtClean="0"/>
+              <a:rPr lang="en-US"/>
               <a:t>Third level</a:t>
             </a:r>
           </a:p>
           <a:p>
             <a:pPr lvl="3"/>
             <a:r>
-              <a:rPr lang="en-US" smtClean="0"/>
+              <a:rPr lang="en-US"/>
               <a:t>Fourth level</a:t>
             </a:r>
           </a:p>
           <a:p>
             <a:pPr lvl="4"/>
             <a:r>
-              <a:rPr lang="en-US" smtClean="0"/>
+              <a:rPr lang="en-US"/>
               <a:t>Fifth level</a:t>
             </a:r>
-            <a:endParaRPr lang="en-US"/>
           </a:p>
         </p:txBody>
       </p:sp>
@@ -1609,7 +1594,7 @@
           <a:p>
             <a:fld id="{28BE630F-C39C-4DB9-8258-0B48CA067079}" type="datetimeFigureOut">
               <a:rPr lang="en-US" smtClean="0"/>
-              <a:t>11/25/2021</a:t>
+              <a:t>12/1/2021</a:t>
             </a:fld>
             <a:endParaRPr lang="en-US"/>
           </a:p>
@@ -1703,10 +1688,9 @@
           <a:lstStyle/>
           <a:p>
             <a:r>
-              <a:rPr lang="en-US" smtClean="0"/>
+              <a:rPr lang="en-US"/>
               <a:t>Click to edit Master title style</a:t>
             </a:r>
-            <a:endParaRPr lang="en-US"/>
           </a:p>
         </p:txBody>
       </p:sp>
@@ -1727,7 +1711,7 @@
           <a:p>
             <a:fld id="{28BE630F-C39C-4DB9-8258-0B48CA067079}" type="datetimeFigureOut">
               <a:rPr lang="en-US" smtClean="0"/>
-              <a:t>11/25/2021</a:t>
+              <a:t>12/1/2021</a:t>
             </a:fld>
             <a:endParaRPr lang="en-US"/>
           </a:p>
@@ -1822,7 +1806,7 @@
           <a:p>
             <a:fld id="{28BE630F-C39C-4DB9-8258-0B48CA067079}" type="datetimeFigureOut">
               <a:rPr lang="en-US" smtClean="0"/>
-              <a:t>11/25/2021</a:t>
+              <a:t>12/1/2021</a:t>
             </a:fld>
             <a:endParaRPr lang="en-US"/>
           </a:p>
@@ -1925,10 +1909,9 @@
           </a:lstStyle>
           <a:p>
             <a:r>
-              <a:rPr lang="en-US" smtClean="0"/>
+              <a:rPr lang="en-US"/>
               <a:t>Click to edit Master title style</a:t>
             </a:r>
-            <a:endParaRPr lang="en-US"/>
           </a:p>
         </p:txBody>
       </p:sp>
@@ -1982,38 +1965,37 @@
           <a:p>
             <a:pPr lvl="0"/>
             <a:r>
-              <a:rPr lang="en-US" smtClean="0"/>
+              <a:rPr lang="en-US"/>
               <a:t>Click to edit Master text styles</a:t>
             </a:r>
           </a:p>
           <a:p>
             <a:pPr lvl="1"/>
             <a:r>
-              <a:rPr lang="en-US" smtClean="0"/>
+              <a:rPr lang="en-US"/>
               <a:t>Second level</a:t>
             </a:r>
           </a:p>
           <a:p>
             <a:pPr lvl="2"/>
             <a:r>
-              <a:rPr lang="en-US" smtClean="0"/>
+              <a:rPr lang="en-US"/>
               <a:t>Third level</a:t>
             </a:r>
           </a:p>
           <a:p>
             <a:pPr lvl="3"/>
             <a:r>
-              <a:rPr lang="en-US" smtClean="0"/>
+              <a:rPr lang="en-US"/>
               <a:t>Fourth level</a:t>
             </a:r>
           </a:p>
           <a:p>
             <a:pPr lvl="4"/>
             <a:r>
-              <a:rPr lang="en-US" smtClean="0"/>
+              <a:rPr lang="en-US"/>
               <a:t>Fifth level</a:t>
             </a:r>
-            <a:endParaRPr lang="en-US"/>
           </a:p>
         </p:txBody>
       </p:sp>
@@ -2076,7 +2058,7 @@
           <a:p>
             <a:pPr lvl="0"/>
             <a:r>
-              <a:rPr lang="en-US" smtClean="0"/>
+              <a:rPr lang="en-US"/>
               <a:t>Click to edit Master text styles</a:t>
             </a:r>
           </a:p>
@@ -2099,7 +2081,7 @@
           <a:p>
             <a:fld id="{28BE630F-C39C-4DB9-8258-0B48CA067079}" type="datetimeFigureOut">
               <a:rPr lang="en-US" smtClean="0"/>
-              <a:t>11/25/2021</a:t>
+              <a:t>12/1/2021</a:t>
             </a:fld>
             <a:endParaRPr lang="en-US"/>
           </a:p>
@@ -2202,10 +2184,9 @@
           </a:lstStyle>
           <a:p>
             <a:r>
-              <a:rPr lang="en-US" smtClean="0"/>
+              <a:rPr lang="en-US"/>
               <a:t>Click to edit Master title style</a:t>
             </a:r>
-            <a:endParaRPr lang="en-US"/>
           </a:p>
         </p:txBody>
       </p:sp>
@@ -2329,7 +2310,7 @@
           <a:p>
             <a:pPr lvl="0"/>
             <a:r>
-              <a:rPr lang="en-US" smtClean="0"/>
+              <a:rPr lang="en-US"/>
               <a:t>Click to edit Master text styles</a:t>
             </a:r>
           </a:p>
@@ -2352,7 +2333,7 @@
           <a:p>
             <a:fld id="{28BE630F-C39C-4DB9-8258-0B48CA067079}" type="datetimeFigureOut">
               <a:rPr lang="en-US" smtClean="0"/>
-              <a:t>11/25/2021</a:t>
+              <a:t>12/1/2021</a:t>
             </a:fld>
             <a:endParaRPr lang="en-US"/>
           </a:p>
@@ -2461,10 +2442,9 @@
           <a:lstStyle/>
           <a:p>
             <a:r>
-              <a:rPr lang="en-US" smtClean="0"/>
+              <a:rPr lang="en-US"/>
               <a:t>Click to edit Master title style</a:t>
             </a:r>
-            <a:endParaRPr lang="en-US"/>
           </a:p>
         </p:txBody>
       </p:sp>
@@ -2495,38 +2475,37 @@
           <a:p>
             <a:pPr lvl="0"/>
             <a:r>
-              <a:rPr lang="en-US" smtClean="0"/>
+              <a:rPr lang="en-US"/>
               <a:t>Click to edit Master text styles</a:t>
             </a:r>
           </a:p>
           <a:p>
             <a:pPr lvl="1"/>
             <a:r>
-              <a:rPr lang="en-US" smtClean="0"/>
+              <a:rPr lang="en-US"/>
               <a:t>Second level</a:t>
             </a:r>
           </a:p>
           <a:p>
             <a:pPr lvl="2"/>
             <a:r>
-              <a:rPr lang="en-US" smtClean="0"/>
+              <a:rPr lang="en-US"/>
               <a:t>Third level</a:t>
             </a:r>
           </a:p>
           <a:p>
             <a:pPr lvl="3"/>
             <a:r>
-              <a:rPr lang="en-US" smtClean="0"/>
+              <a:rPr lang="en-US"/>
               <a:t>Fourth level</a:t>
             </a:r>
           </a:p>
           <a:p>
             <a:pPr lvl="4"/>
             <a:r>
-              <a:rPr lang="en-US" smtClean="0"/>
+              <a:rPr lang="en-US"/>
               <a:t>Fifth level</a:t>
             </a:r>
-            <a:endParaRPr lang="en-US"/>
           </a:p>
         </p:txBody>
       </p:sp>
@@ -2565,7 +2544,7 @@
           <a:p>
             <a:fld id="{28BE630F-C39C-4DB9-8258-0B48CA067079}" type="datetimeFigureOut">
               <a:rPr lang="en-US" smtClean="0"/>
-              <a:t>11/25/2021</a:t>
+              <a:t>12/1/2021</a:t>
             </a:fld>
             <a:endParaRPr lang="en-US"/>
           </a:p>
@@ -3004,12 +2983,8 @@
           </a:lstStyle>
           <a:p>
             <a:r>
-              <a:rPr lang="en-US" dirty="0" smtClean="0"/>
-              <a:t>ER DIAGRAMM </a:t>
-            </a:r>
-            <a:r>
               <a:rPr lang="en-US" dirty="0"/>
-              <a:t>TEMPLATE</a:t>
+              <a:t>ER DIAGRAMM TEMPLATE</a:t>
             </a:r>
           </a:p>
         </p:txBody>
@@ -3229,54 +3204,227 @@
           <a:chExt cx="0" cy="0"/>
         </a:xfrm>
       </p:grpSpPr>
-      <p:sp>
-        <p:nvSpPr>
-          <p:cNvPr id="51" name="Rectangle 50"/>
-          <p:cNvSpPr/>
+      <p:graphicFrame>
+        <p:nvGraphicFramePr>
+          <p:cNvPr id="2" name="Table 2">
+            <a:extLst>
+              <a:ext uri="{FF2B5EF4-FFF2-40B4-BE49-F238E27FC236}">
+                <a16:creationId xmlns:a16="http://schemas.microsoft.com/office/drawing/2014/main" id="{11CAB24E-9F21-4D66-B01A-1CCD3AC1E253}"/>
+              </a:ext>
+            </a:extLst>
+          </p:cNvPr>
+          <p:cNvGraphicFramePr>
+            <a:graphicFrameLocks noGrp="1"/>
+          </p:cNvGraphicFramePr>
+          <p:nvPr>
+            <p:extLst>
+              <p:ext uri="{D42A27DB-BD31-4B8C-83A1-F6EECF244321}">
+                <p14:modId xmlns:p14="http://schemas.microsoft.com/office/powerpoint/2010/main" val="2848624963"/>
+              </p:ext>
+            </p:extLst>
+          </p:nvPr>
+        </p:nvGraphicFramePr>
+        <p:xfrm>
+          <a:off x="3715026" y="1775793"/>
+          <a:ext cx="4501322" cy="1510746"/>
+        </p:xfrm>
+        <a:graphic>
+          <a:graphicData uri="http://schemas.openxmlformats.org/drawingml/2006/table">
+            <a:tbl>
+              <a:tblPr firstRow="1" bandRow="1">
+                <a:tableStyleId>{5C22544A-7EE6-4342-B048-85BDC9FD1C3A}</a:tableStyleId>
+              </a:tblPr>
+              <a:tblGrid>
+                <a:gridCol w="673188">
+                  <a:extLst>
+                    <a:ext uri="{9D8B030D-6E8A-4147-A177-3AD203B41FA5}">
+                      <a16:colId xmlns:a16="http://schemas.microsoft.com/office/drawing/2014/main" val="1507477749"/>
+                    </a:ext>
+                  </a:extLst>
+                </a:gridCol>
+                <a:gridCol w="2327693">
+                  <a:extLst>
+                    <a:ext uri="{9D8B030D-6E8A-4147-A177-3AD203B41FA5}">
+                      <a16:colId xmlns:a16="http://schemas.microsoft.com/office/drawing/2014/main" val="2308786036"/>
+                    </a:ext>
+                  </a:extLst>
+                </a:gridCol>
+                <a:gridCol w="1500441">
+                  <a:extLst>
+                    <a:ext uri="{9D8B030D-6E8A-4147-A177-3AD203B41FA5}">
+                      <a16:colId xmlns:a16="http://schemas.microsoft.com/office/drawing/2014/main" val="2289834372"/>
+                    </a:ext>
+                  </a:extLst>
+                </a:gridCol>
+              </a:tblGrid>
+              <a:tr h="503582">
+                <a:tc gridSpan="3">
+                  <a:txBody>
+                    <a:bodyPr/>
+                    <a:lstStyle/>
+                    <a:p>
+                      <a:r>
+                        <a:rPr lang="en-US" dirty="0"/>
+                        <a:t>                    Category</a:t>
+                      </a:r>
+                    </a:p>
+                  </a:txBody>
+                  <a:tcPr/>
+                </a:tc>
+                <a:tc hMerge="1">
+                  <a:txBody>
+                    <a:bodyPr/>
+                    <a:lstStyle/>
+                    <a:p>
+                      <a:endParaRPr lang="en-US" dirty="0"/>
+                    </a:p>
+                  </a:txBody>
+                  <a:tcPr/>
+                </a:tc>
+                <a:tc hMerge="1">
+                  <a:txBody>
+                    <a:bodyPr/>
+                    <a:lstStyle/>
+                    <a:p>
+                      <a:endParaRPr lang="en-US" dirty="0"/>
+                    </a:p>
+                  </a:txBody>
+                  <a:tcPr/>
+                </a:tc>
+                <a:extLst>
+                  <a:ext uri="{0D108BD9-81ED-4DB2-BD59-A6C34878D82A}">
+                    <a16:rowId xmlns:a16="http://schemas.microsoft.com/office/drawing/2014/main" val="2571044255"/>
+                  </a:ext>
+                </a:extLst>
+              </a:tr>
+              <a:tr h="503582">
+                <a:tc>
+                  <a:txBody>
+                    <a:bodyPr/>
+                    <a:lstStyle/>
+                    <a:p>
+                      <a:r>
+                        <a:rPr lang="en-US" dirty="0"/>
+                        <a:t>PK</a:t>
+                      </a:r>
+                    </a:p>
+                  </a:txBody>
+                  <a:tcPr/>
+                </a:tc>
+                <a:tc>
+                  <a:txBody>
+                    <a:bodyPr/>
+                    <a:lstStyle/>
+                    <a:p>
+                      <a:r>
+                        <a:rPr lang="en-US" dirty="0" err="1"/>
+                        <a:t>Category_id</a:t>
+                      </a:r>
+                      <a:endParaRPr lang="en-US" dirty="0"/>
+                    </a:p>
+                  </a:txBody>
+                  <a:tcPr/>
+                </a:tc>
+                <a:tc>
+                  <a:txBody>
+                    <a:bodyPr/>
+                    <a:lstStyle/>
+                    <a:p>
+                      <a:r>
+                        <a:rPr lang="en-US" dirty="0"/>
+                        <a:t>Int()</a:t>
+                      </a:r>
+                    </a:p>
+                  </a:txBody>
+                  <a:tcPr/>
+                </a:tc>
+                <a:extLst>
+                  <a:ext uri="{0D108BD9-81ED-4DB2-BD59-A6C34878D82A}">
+                    <a16:rowId xmlns:a16="http://schemas.microsoft.com/office/drawing/2014/main" val="1930601815"/>
+                  </a:ext>
+                </a:extLst>
+              </a:tr>
+              <a:tr h="503582">
+                <a:tc>
+                  <a:txBody>
+                    <a:bodyPr/>
+                    <a:lstStyle/>
+                    <a:p>
+                      <a:endParaRPr lang="en-US" dirty="0"/>
+                    </a:p>
+                  </a:txBody>
+                  <a:tcPr/>
+                </a:tc>
+                <a:tc>
+                  <a:txBody>
+                    <a:bodyPr/>
+                    <a:lstStyle/>
+                    <a:p>
+                      <a:r>
+                        <a:rPr lang="en-US" dirty="0" err="1"/>
+                        <a:t>Category_name</a:t>
+                      </a:r>
+                      <a:endParaRPr lang="en-US" dirty="0"/>
+                    </a:p>
+                  </a:txBody>
+                  <a:tcPr/>
+                </a:tc>
+                <a:tc>
+                  <a:txBody>
+                    <a:bodyPr/>
+                    <a:lstStyle/>
+                    <a:p>
+                      <a:pPr marL="0" marR="0" lvl="0" indent="0" algn="l" defTabSz="914400" rtl="0" eaLnBrk="1" fontAlgn="auto" latinLnBrk="0" hangingPunct="1">
+                        <a:lnSpc>
+                          <a:spcPct val="100000"/>
+                        </a:lnSpc>
+                        <a:spcBef>
+                          <a:spcPts val="0"/>
+                        </a:spcBef>
+                        <a:spcAft>
+                          <a:spcPts val="0"/>
+                        </a:spcAft>
+                        <a:buClrTx/>
+                        <a:buSzTx/>
+                        <a:buFontTx/>
+                        <a:buNone/>
+                        <a:tabLst/>
+                        <a:defRPr/>
+                      </a:pPr>
+                      <a:r>
+                        <a:rPr lang="en-US" dirty="0"/>
+                        <a:t>Varchar(225)</a:t>
+                      </a:r>
+                    </a:p>
+                  </a:txBody>
+                  <a:tcPr/>
+                </a:tc>
+                <a:extLst>
+                  <a:ext uri="{0D108BD9-81ED-4DB2-BD59-A6C34878D82A}">
+                    <a16:rowId xmlns:a16="http://schemas.microsoft.com/office/drawing/2014/main" val="2436676435"/>
+                  </a:ext>
+                </a:extLst>
+              </a:tr>
+            </a:tbl>
+          </a:graphicData>
+        </a:graphic>
+      </p:graphicFrame>
+      <p:sp>
+        <p:nvSpPr>
+          <p:cNvPr id="3" name="TextBox 2">
+            <a:extLst>
+              <a:ext uri="{FF2B5EF4-FFF2-40B4-BE49-F238E27FC236}">
+                <a16:creationId xmlns:a16="http://schemas.microsoft.com/office/drawing/2014/main" id="{EF727C06-25C5-421E-AF38-9D12B7B8FE30}"/>
+              </a:ext>
+            </a:extLst>
+          </p:cNvPr>
+          <p:cNvSpPr txBox="1"/>
           <p:nvPr/>
         </p:nvSpPr>
         <p:spPr>
           <a:xfrm>
-            <a:off x="635970" y="224804"/>
-            <a:ext cx="1803043" cy="2428643"/>
-          </a:xfrm>
-          <a:prstGeom prst="rect">
-            <a:avLst/>
-          </a:prstGeom>
-        </p:spPr>
-        <p:style>
-          <a:lnRef idx="2">
-            <a:schemeClr val="dk1"/>
-          </a:lnRef>
-          <a:fillRef idx="1">
-            <a:schemeClr val="lt1"/>
-          </a:fillRef>
-          <a:effectRef idx="0">
-            <a:schemeClr val="dk1"/>
-          </a:effectRef>
-          <a:fontRef idx="minor">
-            <a:schemeClr val="dk1"/>
-          </a:fontRef>
-        </p:style>
-        <p:txBody>
-          <a:bodyPr rtlCol="0" anchor="ctr"/>
-          <a:lstStyle/>
-          <a:p>
-            <a:pPr algn="ctr"/>
-            <a:endParaRPr lang="en-US"/>
-          </a:p>
-        </p:txBody>
-      </p:sp>
-      <p:sp>
-        <p:nvSpPr>
-          <p:cNvPr id="52" name="TextBox 51"/>
-          <p:cNvSpPr txBox="1"/>
-          <p:nvPr/>
-        </p:nvSpPr>
-        <p:spPr>
-          <a:xfrm>
-            <a:off x="1117343" y="314958"/>
-            <a:ext cx="633507" cy="369332"/>
+            <a:off x="3595756" y="1086677"/>
+            <a:ext cx="6268278" cy="400110"/>
           </a:xfrm>
           <a:prstGeom prst="rect">
             <a:avLst/>
@@ -3284,2117 +3432,15 @@
           <a:noFill/>
         </p:spPr>
         <p:txBody>
-          <a:bodyPr wrap="none" rtlCol="0">
+          <a:bodyPr wrap="square" rtlCol="0">
             <a:spAutoFit/>
           </a:bodyPr>
           <a:lstStyle/>
           <a:p>
             <a:r>
-              <a:rPr lang="en-US" b="1" dirty="0" smtClean="0"/>
-              <a:t>class</a:t>
-            </a:r>
-            <a:endParaRPr lang="en-US" b="1" dirty="0"/>
-          </a:p>
-        </p:txBody>
-      </p:sp>
-      <p:sp>
-        <p:nvSpPr>
-          <p:cNvPr id="53" name="Rectangle 52"/>
-          <p:cNvSpPr/>
-          <p:nvPr/>
-        </p:nvSpPr>
-        <p:spPr>
-          <a:xfrm>
-            <a:off x="3301896" y="224804"/>
-            <a:ext cx="1803043" cy="2428643"/>
-          </a:xfrm>
-          <a:prstGeom prst="rect">
-            <a:avLst/>
-          </a:prstGeom>
-        </p:spPr>
-        <p:style>
-          <a:lnRef idx="2">
-            <a:schemeClr val="dk1"/>
-          </a:lnRef>
-          <a:fillRef idx="1">
-            <a:schemeClr val="lt1"/>
-          </a:fillRef>
-          <a:effectRef idx="0">
-            <a:schemeClr val="dk1"/>
-          </a:effectRef>
-          <a:fontRef idx="minor">
-            <a:schemeClr val="dk1"/>
-          </a:fontRef>
-        </p:style>
-        <p:txBody>
-          <a:bodyPr rtlCol="0" anchor="ctr"/>
-          <a:lstStyle/>
-          <a:p>
-            <a:pPr algn="ctr"/>
-            <a:endParaRPr lang="en-US"/>
-          </a:p>
-        </p:txBody>
-      </p:sp>
-      <p:sp>
-        <p:nvSpPr>
-          <p:cNvPr id="54" name="TextBox 53"/>
-          <p:cNvSpPr txBox="1"/>
-          <p:nvPr/>
-        </p:nvSpPr>
-        <p:spPr>
-          <a:xfrm>
-            <a:off x="3783269" y="314958"/>
-            <a:ext cx="917367" cy="369332"/>
-          </a:xfrm>
-          <a:prstGeom prst="rect">
-            <a:avLst/>
-          </a:prstGeom>
-          <a:noFill/>
-        </p:spPr>
-        <p:txBody>
-          <a:bodyPr wrap="none" rtlCol="0">
-            <a:spAutoFit/>
-          </a:bodyPr>
-          <a:lstStyle/>
-          <a:p>
-            <a:r>
-              <a:rPr lang="en-US" b="1" dirty="0" smtClean="0"/>
-              <a:t>student</a:t>
-            </a:r>
-            <a:endParaRPr lang="en-US" b="1" dirty="0"/>
-          </a:p>
-        </p:txBody>
-      </p:sp>
-      <p:sp>
-        <p:nvSpPr>
-          <p:cNvPr id="55" name="Rectangle 54"/>
-          <p:cNvSpPr/>
-          <p:nvPr/>
-        </p:nvSpPr>
-        <p:spPr>
-          <a:xfrm>
-            <a:off x="5967822" y="224804"/>
-            <a:ext cx="1803043" cy="2428643"/>
-          </a:xfrm>
-          <a:prstGeom prst="rect">
-            <a:avLst/>
-          </a:prstGeom>
-        </p:spPr>
-        <p:style>
-          <a:lnRef idx="2">
-            <a:schemeClr val="dk1"/>
-          </a:lnRef>
-          <a:fillRef idx="1">
-            <a:schemeClr val="lt1"/>
-          </a:fillRef>
-          <a:effectRef idx="0">
-            <a:schemeClr val="dk1"/>
-          </a:effectRef>
-          <a:fontRef idx="minor">
-            <a:schemeClr val="dk1"/>
-          </a:fontRef>
-        </p:style>
-        <p:txBody>
-          <a:bodyPr rtlCol="0" anchor="ctr"/>
-          <a:lstStyle/>
-          <a:p>
-            <a:pPr algn="ctr"/>
-            <a:endParaRPr lang="en-US"/>
-          </a:p>
-        </p:txBody>
-      </p:sp>
-      <p:sp>
-        <p:nvSpPr>
-          <p:cNvPr id="56" name="TextBox 55"/>
-          <p:cNvSpPr txBox="1"/>
-          <p:nvPr/>
-        </p:nvSpPr>
-        <p:spPr>
-          <a:xfrm>
-            <a:off x="6209194" y="314959"/>
-            <a:ext cx="1320298" cy="369332"/>
-          </a:xfrm>
-          <a:prstGeom prst="rect">
-            <a:avLst/>
-          </a:prstGeom>
-          <a:noFill/>
-        </p:spPr>
-        <p:txBody>
-          <a:bodyPr wrap="none" rtlCol="0">
-            <a:spAutoFit/>
-          </a:bodyPr>
-          <a:lstStyle/>
-          <a:p>
-            <a:r>
-              <a:rPr lang="en-US" b="1" dirty="0" smtClean="0"/>
-              <a:t>exam_score</a:t>
-            </a:r>
-            <a:endParaRPr lang="en-US" b="1" dirty="0"/>
-          </a:p>
-        </p:txBody>
-      </p:sp>
-      <p:sp>
-        <p:nvSpPr>
-          <p:cNvPr id="57" name="Rectangle 56"/>
-          <p:cNvSpPr/>
-          <p:nvPr/>
-        </p:nvSpPr>
-        <p:spPr>
-          <a:xfrm>
-            <a:off x="9251935" y="224803"/>
-            <a:ext cx="1803043" cy="2428643"/>
-          </a:xfrm>
-          <a:prstGeom prst="rect">
-            <a:avLst/>
-          </a:prstGeom>
-        </p:spPr>
-        <p:style>
-          <a:lnRef idx="2">
-            <a:schemeClr val="dk1"/>
-          </a:lnRef>
-          <a:fillRef idx="1">
-            <a:schemeClr val="lt1"/>
-          </a:fillRef>
-          <a:effectRef idx="0">
-            <a:schemeClr val="dk1"/>
-          </a:effectRef>
-          <a:fontRef idx="minor">
-            <a:schemeClr val="dk1"/>
-          </a:fontRef>
-        </p:style>
-        <p:txBody>
-          <a:bodyPr rtlCol="0" anchor="ctr"/>
-          <a:lstStyle/>
-          <a:p>
-            <a:pPr algn="ctr"/>
-            <a:endParaRPr lang="en-US"/>
-          </a:p>
-        </p:txBody>
-      </p:sp>
-      <p:sp>
-        <p:nvSpPr>
-          <p:cNvPr id="58" name="TextBox 57"/>
-          <p:cNvSpPr txBox="1"/>
-          <p:nvPr/>
-        </p:nvSpPr>
-        <p:spPr>
-          <a:xfrm>
-            <a:off x="9493307" y="314958"/>
-            <a:ext cx="1243482" cy="369332"/>
-          </a:xfrm>
-          <a:prstGeom prst="rect">
-            <a:avLst/>
-          </a:prstGeom>
-          <a:noFill/>
-        </p:spPr>
-        <p:txBody>
-          <a:bodyPr wrap="none" rtlCol="0">
-            <a:spAutoFit/>
-          </a:bodyPr>
-          <a:lstStyle/>
-          <a:p>
-            <a:r>
-              <a:rPr lang="en-US" b="1" dirty="0" smtClean="0"/>
-              <a:t>exam_type</a:t>
-            </a:r>
-            <a:endParaRPr lang="en-US" b="1" dirty="0"/>
-          </a:p>
-        </p:txBody>
-      </p:sp>
-      <p:sp>
-        <p:nvSpPr>
-          <p:cNvPr id="59" name="Rectangle 58"/>
-          <p:cNvSpPr/>
-          <p:nvPr/>
-        </p:nvSpPr>
-        <p:spPr>
-          <a:xfrm>
-            <a:off x="5980354" y="4186801"/>
-            <a:ext cx="1803043" cy="2009105"/>
-          </a:xfrm>
-          <a:prstGeom prst="rect">
-            <a:avLst/>
-          </a:prstGeom>
-        </p:spPr>
-        <p:style>
-          <a:lnRef idx="2">
-            <a:schemeClr val="dk1"/>
-          </a:lnRef>
-          <a:fillRef idx="1">
-            <a:schemeClr val="lt1"/>
-          </a:fillRef>
-          <a:effectRef idx="0">
-            <a:schemeClr val="dk1"/>
-          </a:effectRef>
-          <a:fontRef idx="minor">
-            <a:schemeClr val="dk1"/>
-          </a:fontRef>
-        </p:style>
-        <p:txBody>
-          <a:bodyPr rtlCol="0" anchor="ctr"/>
-          <a:lstStyle/>
-          <a:p>
-            <a:pPr algn="ctr"/>
-            <a:endParaRPr lang="en-US"/>
-          </a:p>
-        </p:txBody>
-      </p:sp>
-      <p:sp>
-        <p:nvSpPr>
-          <p:cNvPr id="60" name="TextBox 59"/>
-          <p:cNvSpPr txBox="1"/>
-          <p:nvPr/>
-        </p:nvSpPr>
-        <p:spPr>
-          <a:xfrm>
-            <a:off x="6506612" y="4223154"/>
-            <a:ext cx="661720" cy="369332"/>
-          </a:xfrm>
-          <a:prstGeom prst="rect">
-            <a:avLst/>
-          </a:prstGeom>
-          <a:noFill/>
-        </p:spPr>
-        <p:txBody>
-          <a:bodyPr wrap="none" rtlCol="0">
-            <a:spAutoFit/>
-          </a:bodyPr>
-          <a:lstStyle/>
-          <a:p>
-            <a:r>
-              <a:rPr lang="en-US" b="1" dirty="0" smtClean="0"/>
-              <a:t>topic</a:t>
-            </a:r>
-            <a:endParaRPr lang="en-US" b="1" dirty="0"/>
-          </a:p>
-        </p:txBody>
-      </p:sp>
-      <p:sp>
-        <p:nvSpPr>
-          <p:cNvPr id="61" name="Rectangle 60"/>
-          <p:cNvSpPr/>
-          <p:nvPr/>
-        </p:nvSpPr>
-        <p:spPr>
-          <a:xfrm>
-            <a:off x="630766" y="4186801"/>
-            <a:ext cx="1803043" cy="2009105"/>
-          </a:xfrm>
-          <a:prstGeom prst="rect">
-            <a:avLst/>
-          </a:prstGeom>
-        </p:spPr>
-        <p:style>
-          <a:lnRef idx="2">
-            <a:schemeClr val="dk1"/>
-          </a:lnRef>
-          <a:fillRef idx="1">
-            <a:schemeClr val="lt1"/>
-          </a:fillRef>
-          <a:effectRef idx="0">
-            <a:schemeClr val="dk1"/>
-          </a:effectRef>
-          <a:fontRef idx="minor">
-            <a:schemeClr val="dk1"/>
-          </a:fontRef>
-        </p:style>
-        <p:txBody>
-          <a:bodyPr rtlCol="0" anchor="ctr"/>
-          <a:lstStyle/>
-          <a:p>
-            <a:pPr algn="ctr"/>
-            <a:endParaRPr lang="en-US"/>
-          </a:p>
-        </p:txBody>
-      </p:sp>
-      <p:sp>
-        <p:nvSpPr>
-          <p:cNvPr id="62" name="TextBox 61"/>
-          <p:cNvSpPr txBox="1"/>
-          <p:nvPr/>
-        </p:nvSpPr>
-        <p:spPr>
-          <a:xfrm>
-            <a:off x="1174014" y="4289834"/>
-            <a:ext cx="716543" cy="369332"/>
-          </a:xfrm>
-          <a:prstGeom prst="rect">
-            <a:avLst/>
-          </a:prstGeom>
-          <a:noFill/>
-        </p:spPr>
-        <p:txBody>
-          <a:bodyPr wrap="none" rtlCol="0">
-            <a:spAutoFit/>
-          </a:bodyPr>
-          <a:lstStyle/>
-          <a:p>
-            <a:r>
-              <a:rPr lang="en-US" b="1" dirty="0" smtClean="0"/>
-              <a:t>batch</a:t>
-            </a:r>
-            <a:endParaRPr lang="en-US" b="1" dirty="0"/>
-          </a:p>
-        </p:txBody>
-      </p:sp>
-      <p:cxnSp>
-        <p:nvCxnSpPr>
-          <p:cNvPr id="63" name="Straight Connector 62"/>
-          <p:cNvCxnSpPr>
-            <a:stCxn id="55" idx="3"/>
-            <a:endCxn id="57" idx="1"/>
-          </p:cNvCxnSpPr>
-          <p:nvPr/>
-        </p:nvCxnSpPr>
-        <p:spPr>
-          <a:xfrm flipV="1">
-            <a:off x="7770865" y="1439125"/>
-            <a:ext cx="1481070" cy="1"/>
-          </a:xfrm>
-          <a:prstGeom prst="line">
-            <a:avLst/>
-          </a:prstGeom>
-          <a:ln>
-            <a:solidFill>
-              <a:schemeClr val="tx1"/>
-            </a:solidFill>
-          </a:ln>
-        </p:spPr>
-        <p:style>
-          <a:lnRef idx="1">
-            <a:schemeClr val="accent1"/>
-          </a:lnRef>
-          <a:fillRef idx="0">
-            <a:schemeClr val="accent1"/>
-          </a:fillRef>
-          <a:effectRef idx="0">
-            <a:schemeClr val="accent1"/>
-          </a:effectRef>
-          <a:fontRef idx="minor">
-            <a:schemeClr val="tx1"/>
-          </a:fontRef>
-        </p:style>
-      </p:cxnSp>
-      <p:cxnSp>
-        <p:nvCxnSpPr>
-          <p:cNvPr id="64" name="Straight Connector 63"/>
-          <p:cNvCxnSpPr>
-            <a:stCxn id="53" idx="3"/>
-            <a:endCxn id="55" idx="1"/>
-          </p:cNvCxnSpPr>
-          <p:nvPr/>
-        </p:nvCxnSpPr>
-        <p:spPr>
-          <a:xfrm>
-            <a:off x="5104939" y="1439126"/>
-            <a:ext cx="862883" cy="0"/>
-          </a:xfrm>
-          <a:prstGeom prst="line">
-            <a:avLst/>
-          </a:prstGeom>
-          <a:ln>
-            <a:solidFill>
-              <a:schemeClr val="tx1"/>
-            </a:solidFill>
-          </a:ln>
-        </p:spPr>
-        <p:style>
-          <a:lnRef idx="1">
-            <a:schemeClr val="accent1"/>
-          </a:lnRef>
-          <a:fillRef idx="0">
-            <a:schemeClr val="accent1"/>
-          </a:fillRef>
-          <a:effectRef idx="0">
-            <a:schemeClr val="accent1"/>
-          </a:effectRef>
-          <a:fontRef idx="minor">
-            <a:schemeClr val="tx1"/>
-          </a:fontRef>
-        </p:style>
-      </p:cxnSp>
-      <p:cxnSp>
-        <p:nvCxnSpPr>
-          <p:cNvPr id="65" name="Straight Connector 64"/>
-          <p:cNvCxnSpPr/>
-          <p:nvPr/>
-        </p:nvCxnSpPr>
-        <p:spPr>
-          <a:xfrm>
-            <a:off x="2421277" y="1229355"/>
-            <a:ext cx="862883" cy="0"/>
-          </a:xfrm>
-          <a:prstGeom prst="line">
-            <a:avLst/>
-          </a:prstGeom>
-          <a:ln>
-            <a:solidFill>
-              <a:schemeClr val="tx1"/>
-            </a:solidFill>
-          </a:ln>
-        </p:spPr>
-        <p:style>
-          <a:lnRef idx="1">
-            <a:schemeClr val="accent1"/>
-          </a:lnRef>
-          <a:fillRef idx="0">
-            <a:schemeClr val="accent1"/>
-          </a:fillRef>
-          <a:effectRef idx="0">
-            <a:schemeClr val="accent1"/>
-          </a:effectRef>
-          <a:fontRef idx="minor">
-            <a:schemeClr val="tx1"/>
-          </a:fontRef>
-        </p:style>
-      </p:cxnSp>
-      <p:cxnSp>
-        <p:nvCxnSpPr>
-          <p:cNvPr id="66" name="Straight Connector 65"/>
-          <p:cNvCxnSpPr>
-            <a:endCxn id="61" idx="0"/>
-          </p:cNvCxnSpPr>
-          <p:nvPr/>
-        </p:nvCxnSpPr>
-        <p:spPr>
-          <a:xfrm>
-            <a:off x="1532288" y="2656354"/>
-            <a:ext cx="0" cy="1530447"/>
-          </a:xfrm>
-          <a:prstGeom prst="line">
-            <a:avLst/>
-          </a:prstGeom>
-          <a:ln>
-            <a:solidFill>
-              <a:schemeClr val="tx1"/>
-            </a:solidFill>
-          </a:ln>
-        </p:spPr>
-        <p:style>
-          <a:lnRef idx="1">
-            <a:schemeClr val="accent1"/>
-          </a:lnRef>
-          <a:fillRef idx="0">
-            <a:schemeClr val="accent1"/>
-          </a:fillRef>
-          <a:effectRef idx="0">
-            <a:schemeClr val="accent1"/>
-          </a:effectRef>
-          <a:fontRef idx="minor">
-            <a:schemeClr val="tx1"/>
-          </a:fontRef>
-        </p:style>
-      </p:cxnSp>
-      <p:cxnSp>
-        <p:nvCxnSpPr>
-          <p:cNvPr id="67" name="Straight Connector 66"/>
-          <p:cNvCxnSpPr/>
-          <p:nvPr/>
-        </p:nvCxnSpPr>
-        <p:spPr>
-          <a:xfrm>
-            <a:off x="6884740" y="2674531"/>
-            <a:ext cx="42822" cy="1491186"/>
-          </a:xfrm>
-          <a:prstGeom prst="line">
-            <a:avLst/>
-          </a:prstGeom>
-          <a:ln>
-            <a:solidFill>
-              <a:schemeClr val="tx1"/>
-            </a:solidFill>
-          </a:ln>
-        </p:spPr>
-        <p:style>
-          <a:lnRef idx="1">
-            <a:schemeClr val="accent1"/>
-          </a:lnRef>
-          <a:fillRef idx="0">
-            <a:schemeClr val="accent1"/>
-          </a:fillRef>
-          <a:effectRef idx="0">
-            <a:schemeClr val="accent1"/>
-          </a:effectRef>
-          <a:fontRef idx="minor">
-            <a:schemeClr val="tx1"/>
-          </a:fontRef>
-        </p:style>
-      </p:cxnSp>
-      <p:cxnSp>
-        <p:nvCxnSpPr>
-          <p:cNvPr id="68" name="Straight Connector 67"/>
-          <p:cNvCxnSpPr/>
-          <p:nvPr/>
-        </p:nvCxnSpPr>
-        <p:spPr>
-          <a:xfrm>
-            <a:off x="656870" y="705893"/>
-            <a:ext cx="1764407" cy="0"/>
-          </a:xfrm>
-          <a:prstGeom prst="line">
-            <a:avLst/>
-          </a:prstGeom>
-          <a:ln>
-            <a:solidFill>
-              <a:schemeClr val="tx1"/>
-            </a:solidFill>
-          </a:ln>
-        </p:spPr>
-        <p:style>
-          <a:lnRef idx="1">
-            <a:schemeClr val="accent1"/>
-          </a:lnRef>
-          <a:fillRef idx="0">
-            <a:schemeClr val="accent1"/>
-          </a:fillRef>
-          <a:effectRef idx="0">
-            <a:schemeClr val="accent1"/>
-          </a:effectRef>
-          <a:fontRef idx="minor">
-            <a:schemeClr val="tx1"/>
-          </a:fontRef>
-        </p:style>
-      </p:cxnSp>
-      <p:cxnSp>
-        <p:nvCxnSpPr>
-          <p:cNvPr id="69" name="Straight Connector 68"/>
-          <p:cNvCxnSpPr/>
-          <p:nvPr/>
-        </p:nvCxnSpPr>
-        <p:spPr>
-          <a:xfrm>
-            <a:off x="3340532" y="684290"/>
-            <a:ext cx="1764407" cy="0"/>
-          </a:xfrm>
-          <a:prstGeom prst="line">
-            <a:avLst/>
-          </a:prstGeom>
-          <a:ln>
-            <a:solidFill>
-              <a:schemeClr val="tx1"/>
-            </a:solidFill>
-          </a:ln>
-        </p:spPr>
-        <p:style>
-          <a:lnRef idx="1">
-            <a:schemeClr val="accent1"/>
-          </a:lnRef>
-          <a:fillRef idx="0">
-            <a:schemeClr val="accent1"/>
-          </a:fillRef>
-          <a:effectRef idx="0">
-            <a:schemeClr val="accent1"/>
-          </a:effectRef>
-          <a:fontRef idx="minor">
-            <a:schemeClr val="tx1"/>
-          </a:fontRef>
-        </p:style>
-      </p:cxnSp>
-      <p:cxnSp>
-        <p:nvCxnSpPr>
-          <p:cNvPr id="70" name="Straight Connector 69"/>
-          <p:cNvCxnSpPr/>
-          <p:nvPr/>
-        </p:nvCxnSpPr>
-        <p:spPr>
-          <a:xfrm>
-            <a:off x="5967822" y="705893"/>
-            <a:ext cx="1764407" cy="0"/>
-          </a:xfrm>
-          <a:prstGeom prst="line">
-            <a:avLst/>
-          </a:prstGeom>
-          <a:ln>
-            <a:solidFill>
-              <a:schemeClr val="tx1"/>
-            </a:solidFill>
-          </a:ln>
-        </p:spPr>
-        <p:style>
-          <a:lnRef idx="1">
-            <a:schemeClr val="accent1"/>
-          </a:lnRef>
-          <a:fillRef idx="0">
-            <a:schemeClr val="accent1"/>
-          </a:fillRef>
-          <a:effectRef idx="0">
-            <a:schemeClr val="accent1"/>
-          </a:effectRef>
-          <a:fontRef idx="minor">
-            <a:schemeClr val="tx1"/>
-          </a:fontRef>
-        </p:style>
-      </p:cxnSp>
-      <p:cxnSp>
-        <p:nvCxnSpPr>
-          <p:cNvPr id="71" name="Straight Connector 70"/>
-          <p:cNvCxnSpPr/>
-          <p:nvPr/>
-        </p:nvCxnSpPr>
-        <p:spPr>
-          <a:xfrm>
-            <a:off x="9232844" y="705893"/>
-            <a:ext cx="1764407" cy="0"/>
-          </a:xfrm>
-          <a:prstGeom prst="line">
-            <a:avLst/>
-          </a:prstGeom>
-          <a:ln>
-            <a:solidFill>
-              <a:schemeClr val="tx1"/>
-            </a:solidFill>
-          </a:ln>
-        </p:spPr>
-        <p:style>
-          <a:lnRef idx="1">
-            <a:schemeClr val="accent1"/>
-          </a:lnRef>
-          <a:fillRef idx="0">
-            <a:schemeClr val="accent1"/>
-          </a:fillRef>
-          <a:effectRef idx="0">
-            <a:schemeClr val="accent1"/>
-          </a:effectRef>
-          <a:fontRef idx="minor">
-            <a:schemeClr val="tx1"/>
-          </a:fontRef>
-        </p:style>
-      </p:cxnSp>
-      <p:cxnSp>
-        <p:nvCxnSpPr>
-          <p:cNvPr id="72" name="Straight Connector 71"/>
-          <p:cNvCxnSpPr/>
-          <p:nvPr/>
-        </p:nvCxnSpPr>
-        <p:spPr>
-          <a:xfrm>
-            <a:off x="650081" y="4659166"/>
-            <a:ext cx="1764407" cy="0"/>
-          </a:xfrm>
-          <a:prstGeom prst="line">
-            <a:avLst/>
-          </a:prstGeom>
-          <a:ln>
-            <a:solidFill>
-              <a:schemeClr val="tx1"/>
-            </a:solidFill>
-          </a:ln>
-        </p:spPr>
-        <p:style>
-          <a:lnRef idx="1">
-            <a:schemeClr val="accent1"/>
-          </a:lnRef>
-          <a:fillRef idx="0">
-            <a:schemeClr val="accent1"/>
-          </a:fillRef>
-          <a:effectRef idx="0">
-            <a:schemeClr val="accent1"/>
-          </a:effectRef>
-          <a:fontRef idx="minor">
-            <a:schemeClr val="tx1"/>
-          </a:fontRef>
-        </p:style>
-      </p:cxnSp>
-      <p:cxnSp>
-        <p:nvCxnSpPr>
-          <p:cNvPr id="73" name="Straight Connector 72"/>
-          <p:cNvCxnSpPr/>
-          <p:nvPr/>
-        </p:nvCxnSpPr>
-        <p:spPr>
-          <a:xfrm>
-            <a:off x="5955268" y="4592486"/>
-            <a:ext cx="1764407" cy="0"/>
-          </a:xfrm>
-          <a:prstGeom prst="line">
-            <a:avLst/>
-          </a:prstGeom>
-          <a:ln>
-            <a:solidFill>
-              <a:schemeClr val="tx1"/>
-            </a:solidFill>
-          </a:ln>
-        </p:spPr>
-        <p:style>
-          <a:lnRef idx="1">
-            <a:schemeClr val="accent1"/>
-          </a:lnRef>
-          <a:fillRef idx="0">
-            <a:schemeClr val="accent1"/>
-          </a:fillRef>
-          <a:effectRef idx="0">
-            <a:schemeClr val="accent1"/>
-          </a:effectRef>
-          <a:fontRef idx="minor">
-            <a:schemeClr val="tx1"/>
-          </a:fontRef>
-        </p:style>
-      </p:cxnSp>
-      <p:sp>
-        <p:nvSpPr>
-          <p:cNvPr id="74" name="TextBox 73"/>
-          <p:cNvSpPr txBox="1"/>
-          <p:nvPr/>
-        </p:nvSpPr>
-        <p:spPr>
-          <a:xfrm>
-            <a:off x="3567083" y="1093040"/>
-            <a:ext cx="1231299" cy="369332"/>
-          </a:xfrm>
-          <a:prstGeom prst="rect">
-            <a:avLst/>
-          </a:prstGeom>
-          <a:noFill/>
-        </p:spPr>
-        <p:txBody>
-          <a:bodyPr wrap="none" rtlCol="0">
-            <a:spAutoFit/>
-          </a:bodyPr>
-          <a:lstStyle/>
-          <a:p>
-            <a:r>
-              <a:rPr lang="en-US" dirty="0" smtClean="0"/>
-              <a:t>first_name</a:t>
-            </a:r>
-            <a:endParaRPr lang="en-US" dirty="0"/>
-          </a:p>
-        </p:txBody>
-      </p:sp>
-      <p:sp>
-        <p:nvSpPr>
-          <p:cNvPr id="75" name="TextBox 74"/>
-          <p:cNvSpPr txBox="1"/>
-          <p:nvPr/>
-        </p:nvSpPr>
-        <p:spPr>
-          <a:xfrm>
-            <a:off x="3554818" y="1350878"/>
-            <a:ext cx="1159933" cy="369332"/>
-          </a:xfrm>
-          <a:prstGeom prst="rect">
-            <a:avLst/>
-          </a:prstGeom>
-          <a:noFill/>
-        </p:spPr>
-        <p:txBody>
-          <a:bodyPr wrap="none" rtlCol="0">
-            <a:spAutoFit/>
-          </a:bodyPr>
-          <a:lstStyle/>
-          <a:p>
-            <a:r>
-              <a:rPr lang="en-US" dirty="0" smtClean="0"/>
-              <a:t>last_name</a:t>
-            </a:r>
-            <a:endParaRPr lang="en-US" dirty="0"/>
-          </a:p>
-        </p:txBody>
-      </p:sp>
-      <p:sp>
-        <p:nvSpPr>
-          <p:cNvPr id="76" name="TextBox 75"/>
-          <p:cNvSpPr txBox="1"/>
-          <p:nvPr/>
-        </p:nvSpPr>
-        <p:spPr>
-          <a:xfrm>
-            <a:off x="6243812" y="1053320"/>
-            <a:ext cx="684675" cy="369332"/>
-          </a:xfrm>
-          <a:prstGeom prst="rect">
-            <a:avLst/>
-          </a:prstGeom>
-          <a:noFill/>
-        </p:spPr>
-        <p:txBody>
-          <a:bodyPr wrap="none" rtlCol="0">
-            <a:spAutoFit/>
-          </a:bodyPr>
-          <a:lstStyle/>
-          <a:p>
-            <a:r>
-              <a:rPr lang="en-US" dirty="0" smtClean="0"/>
-              <a:t>score</a:t>
-            </a:r>
-            <a:endParaRPr lang="en-US" dirty="0"/>
-          </a:p>
-        </p:txBody>
-      </p:sp>
-      <p:sp>
-        <p:nvSpPr>
-          <p:cNvPr id="77" name="TextBox 76"/>
-          <p:cNvSpPr txBox="1"/>
-          <p:nvPr/>
-        </p:nvSpPr>
-        <p:spPr>
-          <a:xfrm>
-            <a:off x="9512669" y="1051656"/>
-            <a:ext cx="559769" cy="369332"/>
-          </a:xfrm>
-          <a:prstGeom prst="rect">
-            <a:avLst/>
-          </a:prstGeom>
-          <a:noFill/>
-        </p:spPr>
-        <p:txBody>
-          <a:bodyPr wrap="none" rtlCol="0">
-            <a:spAutoFit/>
-          </a:bodyPr>
-          <a:lstStyle/>
-          <a:p>
-            <a:r>
-              <a:rPr lang="en-US" dirty="0" smtClean="0"/>
-              <a:t>title</a:t>
-            </a:r>
-            <a:endParaRPr lang="en-US" dirty="0"/>
-          </a:p>
-        </p:txBody>
-      </p:sp>
-      <p:sp>
-        <p:nvSpPr>
-          <p:cNvPr id="78" name="TextBox 77"/>
-          <p:cNvSpPr txBox="1"/>
-          <p:nvPr/>
-        </p:nvSpPr>
-        <p:spPr>
-          <a:xfrm>
-            <a:off x="9543336" y="755280"/>
-            <a:ext cx="364202" cy="369332"/>
-          </a:xfrm>
-          <a:prstGeom prst="rect">
-            <a:avLst/>
-          </a:prstGeom>
-          <a:noFill/>
-        </p:spPr>
-        <p:txBody>
-          <a:bodyPr wrap="none" rtlCol="0">
-            <a:spAutoFit/>
-          </a:bodyPr>
-          <a:lstStyle/>
-          <a:p>
-            <a:r>
-              <a:rPr lang="en-US" b="1" dirty="0" smtClean="0"/>
-              <a:t>id</a:t>
-            </a:r>
-            <a:endParaRPr lang="en-US" b="1" dirty="0"/>
-          </a:p>
-        </p:txBody>
-      </p:sp>
-      <p:sp>
-        <p:nvSpPr>
-          <p:cNvPr id="79" name="TextBox 78"/>
-          <p:cNvSpPr txBox="1"/>
-          <p:nvPr/>
-        </p:nvSpPr>
-        <p:spPr>
-          <a:xfrm>
-            <a:off x="6287064" y="787274"/>
-            <a:ext cx="364202" cy="369332"/>
-          </a:xfrm>
-          <a:prstGeom prst="rect">
-            <a:avLst/>
-          </a:prstGeom>
-          <a:noFill/>
-        </p:spPr>
-        <p:txBody>
-          <a:bodyPr wrap="none" rtlCol="0">
-            <a:spAutoFit/>
-          </a:bodyPr>
-          <a:lstStyle/>
-          <a:p>
-            <a:r>
-              <a:rPr lang="en-US" b="1" dirty="0" smtClean="0"/>
-              <a:t>id</a:t>
-            </a:r>
-            <a:endParaRPr lang="en-US" b="1" dirty="0"/>
-          </a:p>
-        </p:txBody>
-      </p:sp>
-      <p:sp>
-        <p:nvSpPr>
-          <p:cNvPr id="80" name="TextBox 79"/>
-          <p:cNvSpPr txBox="1"/>
-          <p:nvPr/>
-        </p:nvSpPr>
-        <p:spPr>
-          <a:xfrm>
-            <a:off x="3598367" y="787274"/>
-            <a:ext cx="364202" cy="369332"/>
-          </a:xfrm>
-          <a:prstGeom prst="rect">
-            <a:avLst/>
-          </a:prstGeom>
-          <a:noFill/>
-        </p:spPr>
-        <p:txBody>
-          <a:bodyPr wrap="none" rtlCol="0">
-            <a:spAutoFit/>
-          </a:bodyPr>
-          <a:lstStyle/>
-          <a:p>
-            <a:r>
-              <a:rPr lang="en-US" b="1" dirty="0" smtClean="0"/>
-              <a:t>id</a:t>
-            </a:r>
-            <a:endParaRPr lang="en-US" b="1" dirty="0"/>
-          </a:p>
-        </p:txBody>
-      </p:sp>
-      <p:sp>
-        <p:nvSpPr>
-          <p:cNvPr id="81" name="TextBox 80"/>
-          <p:cNvSpPr txBox="1"/>
-          <p:nvPr/>
-        </p:nvSpPr>
-        <p:spPr>
-          <a:xfrm>
-            <a:off x="978566" y="800151"/>
-            <a:ext cx="364202" cy="369332"/>
-          </a:xfrm>
-          <a:prstGeom prst="rect">
-            <a:avLst/>
-          </a:prstGeom>
-          <a:noFill/>
-        </p:spPr>
-        <p:txBody>
-          <a:bodyPr wrap="none" rtlCol="0">
-            <a:spAutoFit/>
-          </a:bodyPr>
-          <a:lstStyle/>
-          <a:p>
-            <a:r>
-              <a:rPr lang="en-US" b="1" dirty="0" smtClean="0"/>
-              <a:t>id</a:t>
-            </a:r>
-            <a:endParaRPr lang="en-US" b="1" dirty="0"/>
-          </a:p>
-        </p:txBody>
-      </p:sp>
-      <p:sp>
-        <p:nvSpPr>
-          <p:cNvPr id="82" name="TextBox 81"/>
-          <p:cNvSpPr txBox="1"/>
-          <p:nvPr/>
-        </p:nvSpPr>
-        <p:spPr>
-          <a:xfrm>
-            <a:off x="923618" y="1111784"/>
-            <a:ext cx="716863" cy="369332"/>
-          </a:xfrm>
-          <a:prstGeom prst="rect">
-            <a:avLst/>
-          </a:prstGeom>
-          <a:noFill/>
-        </p:spPr>
-        <p:txBody>
-          <a:bodyPr wrap="none" rtlCol="0">
-            <a:spAutoFit/>
-          </a:bodyPr>
-          <a:lstStyle/>
-          <a:p>
-            <a:r>
-              <a:rPr lang="en-US" dirty="0" smtClean="0"/>
-              <a:t>name</a:t>
-            </a:r>
-            <a:endParaRPr lang="en-US" dirty="0"/>
-          </a:p>
-        </p:txBody>
-      </p:sp>
-      <p:sp>
-        <p:nvSpPr>
-          <p:cNvPr id="83" name="TextBox 82"/>
-          <p:cNvSpPr txBox="1"/>
-          <p:nvPr/>
-        </p:nvSpPr>
-        <p:spPr>
-          <a:xfrm>
-            <a:off x="6333794" y="5032084"/>
-            <a:ext cx="559769" cy="369332"/>
-          </a:xfrm>
-          <a:prstGeom prst="rect">
-            <a:avLst/>
-          </a:prstGeom>
-          <a:noFill/>
-        </p:spPr>
-        <p:txBody>
-          <a:bodyPr wrap="none" rtlCol="0">
-            <a:spAutoFit/>
-          </a:bodyPr>
-          <a:lstStyle/>
-          <a:p>
-            <a:r>
-              <a:rPr lang="en-US" dirty="0" smtClean="0"/>
-              <a:t>title</a:t>
-            </a:r>
-            <a:endParaRPr lang="en-US" dirty="0"/>
-          </a:p>
-        </p:txBody>
-      </p:sp>
-      <p:sp>
-        <p:nvSpPr>
-          <p:cNvPr id="84" name="TextBox 83"/>
-          <p:cNvSpPr txBox="1"/>
-          <p:nvPr/>
-        </p:nvSpPr>
-        <p:spPr>
-          <a:xfrm>
-            <a:off x="6386433" y="4673967"/>
-            <a:ext cx="364202" cy="369332"/>
-          </a:xfrm>
-          <a:prstGeom prst="rect">
-            <a:avLst/>
-          </a:prstGeom>
-          <a:noFill/>
-        </p:spPr>
-        <p:txBody>
-          <a:bodyPr wrap="none" rtlCol="0">
-            <a:spAutoFit/>
-          </a:bodyPr>
-          <a:lstStyle/>
-          <a:p>
-            <a:r>
-              <a:rPr lang="en-US" b="1" dirty="0" smtClean="0"/>
-              <a:t>id</a:t>
-            </a:r>
-            <a:endParaRPr lang="en-US" b="1" dirty="0"/>
-          </a:p>
-        </p:txBody>
-      </p:sp>
-      <p:sp>
-        <p:nvSpPr>
-          <p:cNvPr id="85" name="TextBox 84"/>
-          <p:cNvSpPr txBox="1"/>
-          <p:nvPr/>
-        </p:nvSpPr>
-        <p:spPr>
-          <a:xfrm>
-            <a:off x="3567083" y="1608716"/>
-            <a:ext cx="485774" cy="369332"/>
-          </a:xfrm>
-          <a:prstGeom prst="rect">
-            <a:avLst/>
-          </a:prstGeom>
-          <a:noFill/>
-        </p:spPr>
-        <p:txBody>
-          <a:bodyPr wrap="none" rtlCol="0">
-            <a:spAutoFit/>
-          </a:bodyPr>
-          <a:lstStyle/>
-          <a:p>
-            <a:r>
-              <a:rPr lang="en-US" dirty="0" smtClean="0"/>
-              <a:t>sex</a:t>
-            </a:r>
-            <a:endParaRPr lang="en-US" dirty="0"/>
-          </a:p>
-        </p:txBody>
-      </p:sp>
-      <p:sp>
-        <p:nvSpPr>
-          <p:cNvPr id="86" name="TextBox 85"/>
-          <p:cNvSpPr txBox="1"/>
-          <p:nvPr/>
-        </p:nvSpPr>
-        <p:spPr>
-          <a:xfrm>
-            <a:off x="998712" y="4769421"/>
-            <a:ext cx="364202" cy="369332"/>
-          </a:xfrm>
-          <a:prstGeom prst="rect">
-            <a:avLst/>
-          </a:prstGeom>
-          <a:noFill/>
-        </p:spPr>
-        <p:txBody>
-          <a:bodyPr wrap="none" rtlCol="0">
-            <a:spAutoFit/>
-          </a:bodyPr>
-          <a:lstStyle/>
-          <a:p>
-            <a:r>
-              <a:rPr lang="en-US" b="1" dirty="0" smtClean="0"/>
-              <a:t>id</a:t>
-            </a:r>
-            <a:endParaRPr lang="en-US" b="1" dirty="0"/>
-          </a:p>
-        </p:txBody>
-      </p:sp>
-      <p:sp>
-        <p:nvSpPr>
-          <p:cNvPr id="87" name="TextBox 86"/>
-          <p:cNvSpPr txBox="1"/>
-          <p:nvPr/>
-        </p:nvSpPr>
-        <p:spPr>
-          <a:xfrm>
-            <a:off x="1006003" y="5090145"/>
-            <a:ext cx="716863" cy="369332"/>
-          </a:xfrm>
-          <a:prstGeom prst="rect">
-            <a:avLst/>
-          </a:prstGeom>
-          <a:noFill/>
-        </p:spPr>
-        <p:txBody>
-          <a:bodyPr wrap="none" rtlCol="0">
-            <a:spAutoFit/>
-          </a:bodyPr>
-          <a:lstStyle/>
-          <a:p>
-            <a:r>
-              <a:rPr lang="en-US" smtClean="0"/>
-              <a:t>name</a:t>
-            </a:r>
-            <a:endParaRPr lang="en-US" dirty="0"/>
-          </a:p>
-        </p:txBody>
-      </p:sp>
-      <p:sp>
-        <p:nvSpPr>
-          <p:cNvPr id="88" name="TextBox 87"/>
-          <p:cNvSpPr txBox="1"/>
-          <p:nvPr/>
-        </p:nvSpPr>
-        <p:spPr>
-          <a:xfrm>
-            <a:off x="2456749" y="895546"/>
-            <a:ext cx="301686" cy="369332"/>
-          </a:xfrm>
-          <a:prstGeom prst="rect">
-            <a:avLst/>
-          </a:prstGeom>
-          <a:noFill/>
-        </p:spPr>
-        <p:txBody>
-          <a:bodyPr wrap="none" rtlCol="0">
-            <a:spAutoFit/>
-          </a:bodyPr>
-          <a:lstStyle/>
-          <a:p>
-            <a:r>
-              <a:rPr lang="en-US" dirty="0" smtClean="0">
-                <a:solidFill>
-                  <a:schemeClr val="accent1"/>
-                </a:solidFill>
-              </a:rPr>
-              <a:t>1</a:t>
-            </a:r>
-            <a:endParaRPr lang="en-US" dirty="0">
-              <a:solidFill>
-                <a:schemeClr val="accent1"/>
-              </a:solidFill>
-            </a:endParaRPr>
-          </a:p>
-        </p:txBody>
-      </p:sp>
-      <p:sp>
-        <p:nvSpPr>
-          <p:cNvPr id="89" name="TextBox 88"/>
-          <p:cNvSpPr txBox="1"/>
-          <p:nvPr/>
-        </p:nvSpPr>
-        <p:spPr>
-          <a:xfrm>
-            <a:off x="2948059" y="933147"/>
-            <a:ext cx="301686" cy="369332"/>
-          </a:xfrm>
-          <a:prstGeom prst="rect">
-            <a:avLst/>
-          </a:prstGeom>
-          <a:noFill/>
-        </p:spPr>
-        <p:txBody>
-          <a:bodyPr wrap="none" rtlCol="0">
-            <a:spAutoFit/>
-          </a:bodyPr>
-          <a:lstStyle/>
-          <a:p>
-            <a:r>
-              <a:rPr lang="en-US" dirty="0" smtClean="0">
-                <a:solidFill>
-                  <a:schemeClr val="accent1"/>
-                </a:solidFill>
-              </a:rPr>
-              <a:t>*</a:t>
-            </a:r>
-            <a:endParaRPr lang="en-US" dirty="0">
-              <a:solidFill>
-                <a:schemeClr val="accent1"/>
-              </a:solidFill>
-            </a:endParaRPr>
-          </a:p>
-        </p:txBody>
-      </p:sp>
-      <p:sp>
-        <p:nvSpPr>
-          <p:cNvPr id="90" name="TextBox 89"/>
-          <p:cNvSpPr txBox="1"/>
-          <p:nvPr/>
-        </p:nvSpPr>
-        <p:spPr>
-          <a:xfrm>
-            <a:off x="5149269" y="878302"/>
-            <a:ext cx="301686" cy="369332"/>
-          </a:xfrm>
-          <a:prstGeom prst="rect">
-            <a:avLst/>
-          </a:prstGeom>
-          <a:noFill/>
-        </p:spPr>
-        <p:txBody>
-          <a:bodyPr wrap="none" rtlCol="0">
-            <a:spAutoFit/>
-          </a:bodyPr>
-          <a:lstStyle/>
-          <a:p>
-            <a:r>
-              <a:rPr lang="en-US" dirty="0" smtClean="0">
-                <a:solidFill>
-                  <a:schemeClr val="accent1"/>
-                </a:solidFill>
-              </a:rPr>
-              <a:t>1</a:t>
-            </a:r>
-            <a:endParaRPr lang="en-US" dirty="0">
-              <a:solidFill>
-                <a:schemeClr val="accent1"/>
-              </a:solidFill>
-            </a:endParaRPr>
-          </a:p>
-        </p:txBody>
-      </p:sp>
-      <p:sp>
-        <p:nvSpPr>
-          <p:cNvPr id="91" name="TextBox 90"/>
-          <p:cNvSpPr txBox="1"/>
-          <p:nvPr/>
-        </p:nvSpPr>
-        <p:spPr>
-          <a:xfrm>
-            <a:off x="5640579" y="915903"/>
-            <a:ext cx="301686" cy="369332"/>
-          </a:xfrm>
-          <a:prstGeom prst="rect">
-            <a:avLst/>
-          </a:prstGeom>
-          <a:noFill/>
-        </p:spPr>
-        <p:txBody>
-          <a:bodyPr wrap="none" rtlCol="0">
-            <a:spAutoFit/>
-          </a:bodyPr>
-          <a:lstStyle/>
-          <a:p>
-            <a:r>
-              <a:rPr lang="en-US" dirty="0" smtClean="0">
-                <a:solidFill>
-                  <a:schemeClr val="accent1"/>
-                </a:solidFill>
-              </a:rPr>
-              <a:t>*</a:t>
-            </a:r>
-            <a:endParaRPr lang="en-US" dirty="0">
-              <a:solidFill>
-                <a:schemeClr val="accent1"/>
-              </a:solidFill>
-            </a:endParaRPr>
-          </a:p>
-        </p:txBody>
-      </p:sp>
-      <p:sp>
-        <p:nvSpPr>
-          <p:cNvPr id="92" name="TextBox 91"/>
-          <p:cNvSpPr txBox="1"/>
-          <p:nvPr/>
-        </p:nvSpPr>
-        <p:spPr>
-          <a:xfrm>
-            <a:off x="8899781" y="888691"/>
-            <a:ext cx="301686" cy="369332"/>
-          </a:xfrm>
-          <a:prstGeom prst="rect">
-            <a:avLst/>
-          </a:prstGeom>
-          <a:noFill/>
-        </p:spPr>
-        <p:txBody>
-          <a:bodyPr wrap="none" rtlCol="0">
-            <a:spAutoFit/>
-          </a:bodyPr>
-          <a:lstStyle/>
-          <a:p>
-            <a:r>
-              <a:rPr lang="en-US" dirty="0" smtClean="0">
-                <a:solidFill>
-                  <a:schemeClr val="accent1"/>
-                </a:solidFill>
-              </a:rPr>
-              <a:t>1</a:t>
-            </a:r>
-            <a:endParaRPr lang="en-US" dirty="0">
-              <a:solidFill>
-                <a:schemeClr val="accent1"/>
-              </a:solidFill>
-            </a:endParaRPr>
-          </a:p>
-        </p:txBody>
-      </p:sp>
-      <p:sp>
-        <p:nvSpPr>
-          <p:cNvPr id="93" name="TextBox 92"/>
-          <p:cNvSpPr txBox="1"/>
-          <p:nvPr/>
-        </p:nvSpPr>
-        <p:spPr>
-          <a:xfrm>
-            <a:off x="7897559" y="927118"/>
-            <a:ext cx="301686" cy="369332"/>
-          </a:xfrm>
-          <a:prstGeom prst="rect">
-            <a:avLst/>
-          </a:prstGeom>
-          <a:noFill/>
-        </p:spPr>
-        <p:txBody>
-          <a:bodyPr wrap="none" rtlCol="0">
-            <a:spAutoFit/>
-          </a:bodyPr>
-          <a:lstStyle/>
-          <a:p>
-            <a:r>
-              <a:rPr lang="en-US" dirty="0" smtClean="0">
-                <a:solidFill>
-                  <a:schemeClr val="accent1"/>
-                </a:solidFill>
-              </a:rPr>
-              <a:t>*</a:t>
-            </a:r>
-            <a:endParaRPr lang="en-US" dirty="0">
-              <a:solidFill>
-                <a:schemeClr val="accent1"/>
-              </a:solidFill>
-            </a:endParaRPr>
-          </a:p>
-        </p:txBody>
-      </p:sp>
-      <p:sp>
-        <p:nvSpPr>
-          <p:cNvPr id="94" name="TextBox 93"/>
-          <p:cNvSpPr txBox="1"/>
-          <p:nvPr/>
-        </p:nvSpPr>
-        <p:spPr>
-          <a:xfrm>
-            <a:off x="6927562" y="3844734"/>
-            <a:ext cx="301686" cy="369332"/>
-          </a:xfrm>
-          <a:prstGeom prst="rect">
-            <a:avLst/>
-          </a:prstGeom>
-          <a:noFill/>
-        </p:spPr>
-        <p:txBody>
-          <a:bodyPr wrap="none" rtlCol="0">
-            <a:spAutoFit/>
-          </a:bodyPr>
-          <a:lstStyle/>
-          <a:p>
-            <a:r>
-              <a:rPr lang="en-US" dirty="0" smtClean="0">
-                <a:solidFill>
-                  <a:schemeClr val="accent1"/>
-                </a:solidFill>
-              </a:rPr>
-              <a:t>1</a:t>
-            </a:r>
-            <a:endParaRPr lang="en-US" dirty="0">
-              <a:solidFill>
-                <a:schemeClr val="accent1"/>
-              </a:solidFill>
-            </a:endParaRPr>
-          </a:p>
-        </p:txBody>
-      </p:sp>
-      <p:sp>
-        <p:nvSpPr>
-          <p:cNvPr id="95" name="TextBox 94"/>
-          <p:cNvSpPr txBox="1"/>
-          <p:nvPr/>
-        </p:nvSpPr>
-        <p:spPr>
-          <a:xfrm>
-            <a:off x="6909826" y="2690473"/>
-            <a:ext cx="301686" cy="369332"/>
-          </a:xfrm>
-          <a:prstGeom prst="rect">
-            <a:avLst/>
-          </a:prstGeom>
-          <a:noFill/>
-        </p:spPr>
-        <p:txBody>
-          <a:bodyPr wrap="none" rtlCol="0">
-            <a:spAutoFit/>
-          </a:bodyPr>
-          <a:lstStyle/>
-          <a:p>
-            <a:r>
-              <a:rPr lang="en-US" dirty="0" smtClean="0">
-                <a:solidFill>
-                  <a:schemeClr val="accent1"/>
-                </a:solidFill>
-              </a:rPr>
-              <a:t>*</a:t>
-            </a:r>
-            <a:endParaRPr lang="en-US" dirty="0">
-              <a:solidFill>
-                <a:schemeClr val="accent1"/>
-              </a:solidFill>
-            </a:endParaRPr>
-          </a:p>
-        </p:txBody>
-      </p:sp>
-      <p:sp>
-        <p:nvSpPr>
-          <p:cNvPr id="96" name="TextBox 95"/>
-          <p:cNvSpPr txBox="1"/>
-          <p:nvPr/>
-        </p:nvSpPr>
-        <p:spPr>
-          <a:xfrm>
-            <a:off x="1650748" y="2668822"/>
-            <a:ext cx="301686" cy="369332"/>
-          </a:xfrm>
-          <a:prstGeom prst="rect">
-            <a:avLst/>
-          </a:prstGeom>
-          <a:noFill/>
-        </p:spPr>
-        <p:txBody>
-          <a:bodyPr wrap="none" rtlCol="0">
-            <a:spAutoFit/>
-          </a:bodyPr>
-          <a:lstStyle/>
-          <a:p>
-            <a:r>
-              <a:rPr lang="en-US" dirty="0" smtClean="0">
-                <a:solidFill>
-                  <a:schemeClr val="accent1"/>
-                </a:solidFill>
-              </a:rPr>
-              <a:t>*</a:t>
-            </a:r>
-            <a:endParaRPr lang="en-US" dirty="0">
-              <a:solidFill>
-                <a:schemeClr val="accent1"/>
-              </a:solidFill>
-            </a:endParaRPr>
-          </a:p>
-        </p:txBody>
-      </p:sp>
-      <p:sp>
-        <p:nvSpPr>
-          <p:cNvPr id="97" name="TextBox 96"/>
-          <p:cNvSpPr txBox="1"/>
-          <p:nvPr/>
-        </p:nvSpPr>
-        <p:spPr>
-          <a:xfrm>
-            <a:off x="1667685" y="3821834"/>
-            <a:ext cx="301686" cy="369332"/>
-          </a:xfrm>
-          <a:prstGeom prst="rect">
-            <a:avLst/>
-          </a:prstGeom>
-          <a:noFill/>
-        </p:spPr>
-        <p:txBody>
-          <a:bodyPr wrap="none" rtlCol="0">
-            <a:spAutoFit/>
-          </a:bodyPr>
-          <a:lstStyle/>
-          <a:p>
-            <a:r>
-              <a:rPr lang="en-US" dirty="0" smtClean="0">
-                <a:solidFill>
-                  <a:schemeClr val="accent1"/>
-                </a:solidFill>
-              </a:rPr>
-              <a:t>1</a:t>
-            </a:r>
-            <a:endParaRPr lang="en-US" dirty="0">
-              <a:solidFill>
-                <a:schemeClr val="accent1"/>
-              </a:solidFill>
-            </a:endParaRPr>
-          </a:p>
-        </p:txBody>
-      </p:sp>
-      <p:sp>
-        <p:nvSpPr>
-          <p:cNvPr id="98" name="TextBox 97"/>
-          <p:cNvSpPr txBox="1"/>
-          <p:nvPr/>
-        </p:nvSpPr>
-        <p:spPr>
-          <a:xfrm>
-            <a:off x="577750" y="830929"/>
-            <a:ext cx="405880" cy="338554"/>
-          </a:xfrm>
-          <a:prstGeom prst="rect">
-            <a:avLst/>
-          </a:prstGeom>
-          <a:noFill/>
-        </p:spPr>
-        <p:txBody>
-          <a:bodyPr wrap="none" rtlCol="0">
-            <a:spAutoFit/>
-          </a:bodyPr>
-          <a:lstStyle/>
-          <a:p>
-            <a:r>
-              <a:rPr lang="en-US" sz="1600" b="1" dirty="0" smtClean="0">
-                <a:solidFill>
-                  <a:schemeClr val="accent2"/>
-                </a:solidFill>
-              </a:rPr>
-              <a:t>PK</a:t>
-            </a:r>
-            <a:endParaRPr lang="en-US" sz="1600" b="1" dirty="0">
-              <a:solidFill>
-                <a:schemeClr val="accent2"/>
-              </a:solidFill>
-            </a:endParaRPr>
-          </a:p>
-        </p:txBody>
-      </p:sp>
-      <p:sp>
-        <p:nvSpPr>
-          <p:cNvPr id="99" name="TextBox 98"/>
-          <p:cNvSpPr txBox="1"/>
-          <p:nvPr/>
-        </p:nvSpPr>
-        <p:spPr>
-          <a:xfrm>
-            <a:off x="587580" y="4800199"/>
-            <a:ext cx="405880" cy="338554"/>
-          </a:xfrm>
-          <a:prstGeom prst="rect">
-            <a:avLst/>
-          </a:prstGeom>
-          <a:noFill/>
-        </p:spPr>
-        <p:txBody>
-          <a:bodyPr wrap="none" rtlCol="0">
-            <a:spAutoFit/>
-          </a:bodyPr>
-          <a:lstStyle/>
-          <a:p>
-            <a:r>
-              <a:rPr lang="en-US" sz="1600" b="1" dirty="0" smtClean="0">
-                <a:solidFill>
-                  <a:schemeClr val="accent2"/>
-                </a:solidFill>
-              </a:rPr>
-              <a:t>PK</a:t>
-            </a:r>
-            <a:endParaRPr lang="en-US" sz="1600" b="1" dirty="0">
-              <a:solidFill>
-                <a:schemeClr val="accent2"/>
-              </a:solidFill>
-            </a:endParaRPr>
-          </a:p>
-        </p:txBody>
-      </p:sp>
-      <p:sp>
-        <p:nvSpPr>
-          <p:cNvPr id="100" name="TextBox 99"/>
-          <p:cNvSpPr txBox="1"/>
-          <p:nvPr/>
-        </p:nvSpPr>
-        <p:spPr>
-          <a:xfrm>
-            <a:off x="3273405" y="811222"/>
-            <a:ext cx="405880" cy="338554"/>
-          </a:xfrm>
-          <a:prstGeom prst="rect">
-            <a:avLst/>
-          </a:prstGeom>
-          <a:noFill/>
-        </p:spPr>
-        <p:txBody>
-          <a:bodyPr wrap="none" rtlCol="0">
-            <a:spAutoFit/>
-          </a:bodyPr>
-          <a:lstStyle/>
-          <a:p>
-            <a:r>
-              <a:rPr lang="en-US" sz="1600" b="1" dirty="0" smtClean="0">
-                <a:solidFill>
-                  <a:schemeClr val="accent2"/>
-                </a:solidFill>
-              </a:rPr>
-              <a:t>PK</a:t>
-            </a:r>
-            <a:endParaRPr lang="en-US" sz="1600" b="1" dirty="0">
-              <a:solidFill>
-                <a:schemeClr val="accent2"/>
-              </a:solidFill>
-            </a:endParaRPr>
-          </a:p>
-        </p:txBody>
-      </p:sp>
-      <p:sp>
-        <p:nvSpPr>
-          <p:cNvPr id="101" name="TextBox 100"/>
-          <p:cNvSpPr txBox="1"/>
-          <p:nvPr/>
-        </p:nvSpPr>
-        <p:spPr>
-          <a:xfrm>
-            <a:off x="5924503" y="821611"/>
-            <a:ext cx="405880" cy="338554"/>
-          </a:xfrm>
-          <a:prstGeom prst="rect">
-            <a:avLst/>
-          </a:prstGeom>
-          <a:noFill/>
-        </p:spPr>
-        <p:txBody>
-          <a:bodyPr wrap="none" rtlCol="0">
-            <a:spAutoFit/>
-          </a:bodyPr>
-          <a:lstStyle/>
-          <a:p>
-            <a:r>
-              <a:rPr lang="en-US" sz="1600" b="1" dirty="0" smtClean="0">
-                <a:solidFill>
-                  <a:schemeClr val="accent2"/>
-                </a:solidFill>
-              </a:rPr>
-              <a:t>PK</a:t>
-            </a:r>
-            <a:endParaRPr lang="en-US" sz="1600" b="1" dirty="0">
-              <a:solidFill>
-                <a:schemeClr val="accent2"/>
-              </a:solidFill>
-            </a:endParaRPr>
-          </a:p>
-        </p:txBody>
-      </p:sp>
-      <p:sp>
-        <p:nvSpPr>
-          <p:cNvPr id="102" name="TextBox 101"/>
-          <p:cNvSpPr txBox="1"/>
-          <p:nvPr/>
-        </p:nvSpPr>
-        <p:spPr>
-          <a:xfrm>
-            <a:off x="9188123" y="783421"/>
-            <a:ext cx="405880" cy="338554"/>
-          </a:xfrm>
-          <a:prstGeom prst="rect">
-            <a:avLst/>
-          </a:prstGeom>
-          <a:noFill/>
-        </p:spPr>
-        <p:txBody>
-          <a:bodyPr wrap="none" rtlCol="0">
-            <a:spAutoFit/>
-          </a:bodyPr>
-          <a:lstStyle/>
-          <a:p>
-            <a:r>
-              <a:rPr lang="en-US" sz="1600" b="1" dirty="0" smtClean="0">
-                <a:solidFill>
-                  <a:schemeClr val="accent2"/>
-                </a:solidFill>
-              </a:rPr>
-              <a:t>PK</a:t>
-            </a:r>
-            <a:endParaRPr lang="en-US" sz="1600" b="1" dirty="0">
-              <a:solidFill>
-                <a:schemeClr val="accent2"/>
-              </a:solidFill>
-            </a:endParaRPr>
-          </a:p>
-        </p:txBody>
-      </p:sp>
-      <p:sp>
-        <p:nvSpPr>
-          <p:cNvPr id="103" name="TextBox 102"/>
-          <p:cNvSpPr txBox="1"/>
-          <p:nvPr/>
-        </p:nvSpPr>
-        <p:spPr>
-          <a:xfrm>
-            <a:off x="6001050" y="4693530"/>
-            <a:ext cx="405880" cy="338554"/>
-          </a:xfrm>
-          <a:prstGeom prst="rect">
-            <a:avLst/>
-          </a:prstGeom>
-          <a:noFill/>
-        </p:spPr>
-        <p:txBody>
-          <a:bodyPr wrap="none" rtlCol="0">
-            <a:spAutoFit/>
-          </a:bodyPr>
-          <a:lstStyle/>
-          <a:p>
-            <a:r>
-              <a:rPr lang="en-US" sz="1600" b="1" dirty="0" smtClean="0">
-                <a:solidFill>
-                  <a:schemeClr val="accent2"/>
-                </a:solidFill>
-              </a:rPr>
-              <a:t>PK</a:t>
-            </a:r>
-            <a:endParaRPr lang="en-US" sz="1600" b="1" dirty="0">
-              <a:solidFill>
-                <a:schemeClr val="accent2"/>
-              </a:solidFill>
-            </a:endParaRPr>
-          </a:p>
-        </p:txBody>
-      </p:sp>
-      <p:sp>
-        <p:nvSpPr>
-          <p:cNvPr id="104" name="TextBox 103"/>
-          <p:cNvSpPr txBox="1"/>
-          <p:nvPr/>
-        </p:nvSpPr>
-        <p:spPr>
-          <a:xfrm>
-            <a:off x="936060" y="1617174"/>
-            <a:ext cx="1002069" cy="369332"/>
-          </a:xfrm>
-          <a:prstGeom prst="rect">
-            <a:avLst/>
-          </a:prstGeom>
-          <a:noFill/>
-        </p:spPr>
-        <p:txBody>
-          <a:bodyPr wrap="none" rtlCol="0">
-            <a:spAutoFit/>
-          </a:bodyPr>
-          <a:lstStyle/>
-          <a:p>
-            <a:r>
-              <a:rPr lang="en-US" dirty="0" smtClean="0"/>
-              <a:t>batch_id</a:t>
-            </a:r>
-            <a:endParaRPr lang="en-US" dirty="0"/>
-          </a:p>
-        </p:txBody>
-      </p:sp>
-      <p:sp>
-        <p:nvSpPr>
-          <p:cNvPr id="105" name="TextBox 104"/>
-          <p:cNvSpPr txBox="1"/>
-          <p:nvPr/>
-        </p:nvSpPr>
-        <p:spPr>
-          <a:xfrm>
-            <a:off x="619753" y="1623472"/>
-            <a:ext cx="391454" cy="338554"/>
-          </a:xfrm>
-          <a:prstGeom prst="rect">
-            <a:avLst/>
-          </a:prstGeom>
-          <a:noFill/>
-        </p:spPr>
-        <p:txBody>
-          <a:bodyPr wrap="none" rtlCol="0">
-            <a:spAutoFit/>
-          </a:bodyPr>
-          <a:lstStyle/>
-          <a:p>
-            <a:r>
-              <a:rPr lang="en-US" sz="1600" b="1" dirty="0" smtClean="0">
-                <a:solidFill>
-                  <a:srgbClr val="7030A0"/>
-                </a:solidFill>
-              </a:rPr>
-              <a:t>FK</a:t>
-            </a:r>
-            <a:endParaRPr lang="en-US" sz="1600" b="1" dirty="0">
-              <a:solidFill>
-                <a:srgbClr val="7030A0"/>
-              </a:solidFill>
-            </a:endParaRPr>
-          </a:p>
-        </p:txBody>
-      </p:sp>
-      <p:sp>
-        <p:nvSpPr>
-          <p:cNvPr id="106" name="TextBox 105"/>
-          <p:cNvSpPr txBox="1"/>
-          <p:nvPr/>
-        </p:nvSpPr>
-        <p:spPr>
-          <a:xfrm>
-            <a:off x="3674846" y="2113379"/>
-            <a:ext cx="915635" cy="369332"/>
-          </a:xfrm>
-          <a:prstGeom prst="rect">
-            <a:avLst/>
-          </a:prstGeom>
-          <a:noFill/>
-        </p:spPr>
-        <p:txBody>
-          <a:bodyPr wrap="none" rtlCol="0">
-            <a:spAutoFit/>
-          </a:bodyPr>
-          <a:lstStyle/>
-          <a:p>
-            <a:r>
-              <a:rPr lang="en-US" dirty="0" smtClean="0"/>
-              <a:t>class_id</a:t>
-            </a:r>
-            <a:endParaRPr lang="en-US" dirty="0"/>
-          </a:p>
-        </p:txBody>
-      </p:sp>
-      <p:sp>
-        <p:nvSpPr>
-          <p:cNvPr id="107" name="TextBox 106"/>
-          <p:cNvSpPr txBox="1"/>
-          <p:nvPr/>
-        </p:nvSpPr>
-        <p:spPr>
-          <a:xfrm>
-            <a:off x="3358539" y="2119677"/>
-            <a:ext cx="391454" cy="338554"/>
-          </a:xfrm>
-          <a:prstGeom prst="rect">
-            <a:avLst/>
-          </a:prstGeom>
-          <a:noFill/>
-        </p:spPr>
-        <p:txBody>
-          <a:bodyPr wrap="none" rtlCol="0">
-            <a:spAutoFit/>
-          </a:bodyPr>
-          <a:lstStyle/>
-          <a:p>
-            <a:r>
-              <a:rPr lang="en-US" sz="1600" b="1" dirty="0" smtClean="0">
-                <a:solidFill>
-                  <a:srgbClr val="7030A0"/>
-                </a:solidFill>
-              </a:rPr>
-              <a:t>FK</a:t>
-            </a:r>
-            <a:endParaRPr lang="en-US" sz="1600" b="1" dirty="0">
-              <a:solidFill>
-                <a:srgbClr val="7030A0"/>
-              </a:solidFill>
-            </a:endParaRPr>
-          </a:p>
-        </p:txBody>
-      </p:sp>
-      <p:sp>
-        <p:nvSpPr>
-          <p:cNvPr id="108" name="TextBox 107"/>
-          <p:cNvSpPr txBox="1"/>
-          <p:nvPr/>
-        </p:nvSpPr>
-        <p:spPr>
-          <a:xfrm>
-            <a:off x="6257853" y="1483685"/>
-            <a:ext cx="1194686" cy="369332"/>
-          </a:xfrm>
-          <a:prstGeom prst="rect">
-            <a:avLst/>
-          </a:prstGeom>
-          <a:noFill/>
-        </p:spPr>
-        <p:txBody>
-          <a:bodyPr wrap="none" rtlCol="0">
-            <a:spAutoFit/>
-          </a:bodyPr>
-          <a:lstStyle/>
-          <a:p>
-            <a:r>
-              <a:rPr lang="en-US" dirty="0" err="1" smtClean="0"/>
-              <a:t>student_id</a:t>
-            </a:r>
-            <a:endParaRPr lang="en-US" dirty="0"/>
-          </a:p>
-        </p:txBody>
-      </p:sp>
-      <p:sp>
-        <p:nvSpPr>
-          <p:cNvPr id="109" name="TextBox 108"/>
-          <p:cNvSpPr txBox="1"/>
-          <p:nvPr/>
-        </p:nvSpPr>
-        <p:spPr>
-          <a:xfrm>
-            <a:off x="5977770" y="1489361"/>
-            <a:ext cx="391454" cy="338554"/>
-          </a:xfrm>
-          <a:prstGeom prst="rect">
-            <a:avLst/>
-          </a:prstGeom>
-          <a:noFill/>
-        </p:spPr>
-        <p:txBody>
-          <a:bodyPr wrap="none" rtlCol="0">
-            <a:spAutoFit/>
-          </a:bodyPr>
-          <a:lstStyle/>
-          <a:p>
-            <a:r>
-              <a:rPr lang="en-US" sz="1600" b="1" dirty="0" smtClean="0">
-                <a:solidFill>
-                  <a:srgbClr val="7030A0"/>
-                </a:solidFill>
-              </a:rPr>
-              <a:t>FK</a:t>
-            </a:r>
-            <a:endParaRPr lang="en-US" sz="1600" b="1" dirty="0">
-              <a:solidFill>
-                <a:srgbClr val="7030A0"/>
-              </a:solidFill>
-            </a:endParaRPr>
-          </a:p>
-        </p:txBody>
-      </p:sp>
-      <p:sp>
-        <p:nvSpPr>
-          <p:cNvPr id="110" name="TextBox 109"/>
-          <p:cNvSpPr txBox="1"/>
-          <p:nvPr/>
-        </p:nvSpPr>
-        <p:spPr>
-          <a:xfrm>
-            <a:off x="6253182" y="1790609"/>
-            <a:ext cx="943848" cy="369332"/>
-          </a:xfrm>
-          <a:prstGeom prst="rect">
-            <a:avLst/>
-          </a:prstGeom>
-          <a:noFill/>
-        </p:spPr>
-        <p:txBody>
-          <a:bodyPr wrap="none" rtlCol="0">
-            <a:spAutoFit/>
-          </a:bodyPr>
-          <a:lstStyle/>
-          <a:p>
-            <a:r>
-              <a:rPr lang="en-US" dirty="0" err="1" smtClean="0"/>
-              <a:t>topic_id</a:t>
-            </a:r>
-            <a:endParaRPr lang="en-US" dirty="0"/>
-          </a:p>
-        </p:txBody>
-      </p:sp>
-      <p:sp>
-        <p:nvSpPr>
-          <p:cNvPr id="111" name="TextBox 110"/>
-          <p:cNvSpPr txBox="1"/>
-          <p:nvPr/>
-        </p:nvSpPr>
-        <p:spPr>
-          <a:xfrm>
-            <a:off x="5961902" y="1814011"/>
-            <a:ext cx="391454" cy="338554"/>
-          </a:xfrm>
-          <a:prstGeom prst="rect">
-            <a:avLst/>
-          </a:prstGeom>
-          <a:noFill/>
-        </p:spPr>
-        <p:txBody>
-          <a:bodyPr wrap="none" rtlCol="0">
-            <a:spAutoFit/>
-          </a:bodyPr>
-          <a:lstStyle/>
-          <a:p>
-            <a:r>
-              <a:rPr lang="en-US" sz="1600" b="1" dirty="0" smtClean="0">
-                <a:solidFill>
-                  <a:srgbClr val="7030A0"/>
-                </a:solidFill>
-              </a:rPr>
-              <a:t>FK</a:t>
-            </a:r>
-            <a:endParaRPr lang="en-US" sz="1600" b="1" dirty="0">
-              <a:solidFill>
-                <a:srgbClr val="7030A0"/>
-              </a:solidFill>
-            </a:endParaRPr>
-          </a:p>
-        </p:txBody>
-      </p:sp>
-      <p:sp>
-        <p:nvSpPr>
-          <p:cNvPr id="112" name="TextBox 111"/>
-          <p:cNvSpPr txBox="1"/>
-          <p:nvPr/>
-        </p:nvSpPr>
-        <p:spPr>
-          <a:xfrm>
-            <a:off x="6257853" y="2137900"/>
-            <a:ext cx="1510991" cy="369332"/>
-          </a:xfrm>
-          <a:prstGeom prst="rect">
-            <a:avLst/>
-          </a:prstGeom>
-          <a:noFill/>
-        </p:spPr>
-        <p:txBody>
-          <a:bodyPr wrap="none" rtlCol="0">
-            <a:spAutoFit/>
-          </a:bodyPr>
-          <a:lstStyle/>
-          <a:p>
-            <a:r>
-              <a:rPr lang="en-US" dirty="0" err="1" smtClean="0"/>
-              <a:t>exam_type_id</a:t>
-            </a:r>
-            <a:endParaRPr lang="en-US" dirty="0"/>
-          </a:p>
-        </p:txBody>
-      </p:sp>
-      <p:sp>
-        <p:nvSpPr>
-          <p:cNvPr id="113" name="TextBox 112"/>
-          <p:cNvSpPr txBox="1"/>
-          <p:nvPr/>
-        </p:nvSpPr>
-        <p:spPr>
-          <a:xfrm>
-            <a:off x="5953321" y="2167847"/>
-            <a:ext cx="391454" cy="338554"/>
-          </a:xfrm>
-          <a:prstGeom prst="rect">
-            <a:avLst/>
-          </a:prstGeom>
-          <a:noFill/>
-        </p:spPr>
-        <p:txBody>
-          <a:bodyPr wrap="none" rtlCol="0">
-            <a:spAutoFit/>
-          </a:bodyPr>
-          <a:lstStyle/>
-          <a:p>
-            <a:r>
-              <a:rPr lang="en-US" sz="1600" b="1" dirty="0" smtClean="0">
-                <a:solidFill>
-                  <a:srgbClr val="7030A0"/>
-                </a:solidFill>
-              </a:rPr>
-              <a:t>FK</a:t>
-            </a:r>
-            <a:endParaRPr lang="en-US" sz="1600" b="1" dirty="0">
-              <a:solidFill>
-                <a:srgbClr val="7030A0"/>
-              </a:solidFill>
-            </a:endParaRPr>
+              <a:rPr lang="en-US" sz="2000" dirty="0"/>
+              <a:t> ERD of Category</a:t>
+            </a:r>
           </a:p>
         </p:txBody>
       </p:sp>
